--- a/HW3/PHYS3151_prez.pptx
+++ b/HW3/PHYS3151_prez.pptx
@@ -135,17 +135,6 @@
 </p188:authorLst>
 </file>
 
-<file path=ppt/revisionInfo.xml><?xml version="1.0" encoding="utf-8"?>
-<p1510:revInfo xmlns:a="http://schemas.openxmlformats.org/drawingml/2006/main" xmlns:r="http://schemas.openxmlformats.org/officeDocument/2006/relationships" xmlns:p1510="http://schemas.microsoft.com/office/powerpoint/2015/10/main">
-  <p1510:revLst>
-    <p1510:client id="{B1E8C11F-25C9-6CFE-2C3D-48DEAA944109}" v="519" dt="2023-03-13T04:51:51.883"/>
-    <p1510:client id="{BEDA62F9-763E-456B-98CE-CD629F8B60B5}" v="1050" dt="2023-03-13T11:55:24.599"/>
-    <p1510:client id="{C61FA306-F9BE-4574-CE69-DD362FA83278}" v="16" dt="2023-03-13T11:54:20.713"/>
-    <p1510:client id="{E9299ADA-9BB7-F1B2-4B84-2E75E1B1214D}" v="306" dt="2023-03-14T04:52:44.654"/>
-  </p1510:revLst>
-</p1510:revInfo>
-</file>
-
 <file path=ppt/changesInfos/changesInfo1.xml><?xml version="1.0" encoding="utf-8"?>
 <pc:chgInfo xmlns:a="http://schemas.openxmlformats.org/drawingml/2006/main" xmlns:r="http://schemas.openxmlformats.org/officeDocument/2006/relationships" xmlns:ac="http://schemas.microsoft.com/office/drawing/2013/main/command" xmlns:pc="http://schemas.microsoft.com/office/powerpoint/2013/main/command">
   <pc:docChgLst>
@@ -169,6 +158,1928 @@
           <pc:sldMk cId="2674250743" sldId="271"/>
         </pc:sldMkLst>
       </pc:sldChg>
+    </pc:docChg>
+  </pc:docChgLst>
+  <pc:docChgLst>
+    <pc:chgData name="u3576731@connect.hku.hk" userId="0de5b9f1-4841-4bf4-9210-fdfbf365d198" providerId="ADAL" clId="{BEDA62F9-763E-456B-98CE-CD629F8B60B5}"/>
+    <pc:docChg chg="undo redo custSel addSld delSld modSld sldOrd modMainMaster">
+      <pc:chgData name="u3576731@connect.hku.hk" userId="0de5b9f1-4841-4bf4-9210-fdfbf365d198" providerId="ADAL" clId="{BEDA62F9-763E-456B-98CE-CD629F8B60B5}" dt="2023-03-13T14:12:21.882" v="5721" actId="20577"/>
+      <pc:docMkLst>
+        <pc:docMk/>
+      </pc:docMkLst>
+      <pc:sldChg chg="addSp modSp new del mod setBg">
+        <pc:chgData name="u3576731@connect.hku.hk" userId="0de5b9f1-4841-4bf4-9210-fdfbf365d198" providerId="ADAL" clId="{BEDA62F9-763E-456B-98CE-CD629F8B60B5}" dt="2023-03-10T10:21:24.724" v="573" actId="47"/>
+        <pc:sldMkLst>
+          <pc:docMk/>
+          <pc:sldMk cId="2843035987" sldId="256"/>
+        </pc:sldMkLst>
+        <pc:picChg chg="add mod">
+          <ac:chgData name="u3576731@connect.hku.hk" userId="0de5b9f1-4841-4bf4-9210-fdfbf365d198" providerId="ADAL" clId="{BEDA62F9-763E-456B-98CE-CD629F8B60B5}" dt="2023-03-10T10:17:00.947" v="560" actId="962"/>
+          <ac:picMkLst>
+            <pc:docMk/>
+            <pc:sldMk cId="2843035987" sldId="256"/>
+            <ac:picMk id="5" creationId="{9F1039F9-5615-15EF-339D-7F95C7D183D2}"/>
+          </ac:picMkLst>
+        </pc:picChg>
+      </pc:sldChg>
+      <pc:sldChg chg="new del">
+        <pc:chgData name="u3576731@connect.hku.hk" userId="0de5b9f1-4841-4bf4-9210-fdfbf365d198" providerId="ADAL" clId="{BEDA62F9-763E-456B-98CE-CD629F8B60B5}" dt="2023-03-10T10:17:34.228" v="563" actId="47"/>
+        <pc:sldMkLst>
+          <pc:docMk/>
+          <pc:sldMk cId="606966404" sldId="257"/>
+        </pc:sldMkLst>
+      </pc:sldChg>
+      <pc:sldChg chg="add del setBg">
+        <pc:chgData name="u3576731@connect.hku.hk" userId="0de5b9f1-4841-4bf4-9210-fdfbf365d198" providerId="ADAL" clId="{BEDA62F9-763E-456B-98CE-CD629F8B60B5}" dt="2023-03-10T10:20:33.894" v="572" actId="47"/>
+        <pc:sldMkLst>
+          <pc:docMk/>
+          <pc:sldMk cId="681201108" sldId="258"/>
+        </pc:sldMkLst>
+      </pc:sldChg>
+      <pc:sldChg chg="addSp delSp modSp add del mod">
+        <pc:chgData name="u3576731@connect.hku.hk" userId="0de5b9f1-4841-4bf4-9210-fdfbf365d198" providerId="ADAL" clId="{BEDA62F9-763E-456B-98CE-CD629F8B60B5}" dt="2023-03-10T10:24:54.546" v="591" actId="47"/>
+        <pc:sldMkLst>
+          <pc:docMk/>
+          <pc:sldMk cId="1160855035" sldId="259"/>
+        </pc:sldMkLst>
+        <pc:picChg chg="del mod">
+          <ac:chgData name="u3576731@connect.hku.hk" userId="0de5b9f1-4841-4bf4-9210-fdfbf365d198" providerId="ADAL" clId="{BEDA62F9-763E-456B-98CE-CD629F8B60B5}" dt="2023-03-10T10:23:14.303" v="577" actId="478"/>
+          <ac:picMkLst>
+            <pc:docMk/>
+            <pc:sldMk cId="1160855035" sldId="259"/>
+            <ac:picMk id="5" creationId="{9F1039F9-5615-15EF-339D-7F95C7D183D2}"/>
+          </ac:picMkLst>
+        </pc:picChg>
+        <pc:picChg chg="add mod ord">
+          <ac:chgData name="u3576731@connect.hku.hk" userId="0de5b9f1-4841-4bf4-9210-fdfbf365d198" providerId="ADAL" clId="{BEDA62F9-763E-456B-98CE-CD629F8B60B5}" dt="2023-03-10T10:23:21.228" v="581" actId="167"/>
+          <ac:picMkLst>
+            <pc:docMk/>
+            <pc:sldMk cId="1160855035" sldId="259"/>
+            <ac:picMk id="6" creationId="{02CC6E63-5F9A-0E37-70CA-9C5FC55381DF}"/>
+          </ac:picMkLst>
+        </pc:picChg>
+      </pc:sldChg>
+      <pc:sldChg chg="modSp add del mod">
+        <pc:chgData name="u3576731@connect.hku.hk" userId="0de5b9f1-4841-4bf4-9210-fdfbf365d198" providerId="ADAL" clId="{BEDA62F9-763E-456B-98CE-CD629F8B60B5}" dt="2023-03-10T11:38:49.989" v="971" actId="47"/>
+        <pc:sldMkLst>
+          <pc:docMk/>
+          <pc:sldMk cId="1940001396" sldId="260"/>
+        </pc:sldMkLst>
+        <pc:spChg chg="mod">
+          <ac:chgData name="u3576731@connect.hku.hk" userId="0de5b9f1-4841-4bf4-9210-fdfbf365d198" providerId="ADAL" clId="{BEDA62F9-763E-456B-98CE-CD629F8B60B5}" dt="2023-03-10T11:37:29.822" v="957" actId="120"/>
+          <ac:spMkLst>
+            <pc:docMk/>
+            <pc:sldMk cId="1940001396" sldId="260"/>
+            <ac:spMk id="2" creationId="{11E1370A-20E2-1B1D-09CA-88E4572C6CDE}"/>
+          </ac:spMkLst>
+        </pc:spChg>
+        <pc:picChg chg="mod ord">
+          <ac:chgData name="u3576731@connect.hku.hk" userId="0de5b9f1-4841-4bf4-9210-fdfbf365d198" providerId="ADAL" clId="{BEDA62F9-763E-456B-98CE-CD629F8B60B5}" dt="2023-03-10T10:25:30.778" v="593" actId="34135"/>
+          <ac:picMkLst>
+            <pc:docMk/>
+            <pc:sldMk cId="1940001396" sldId="260"/>
+            <ac:picMk id="5" creationId="{9F1039F9-5615-15EF-339D-7F95C7D183D2}"/>
+          </ac:picMkLst>
+        </pc:picChg>
+      </pc:sldChg>
+      <pc:sldChg chg="addSp delSp modSp add mod ord">
+        <pc:chgData name="u3576731@connect.hku.hk" userId="0de5b9f1-4841-4bf4-9210-fdfbf365d198" providerId="ADAL" clId="{BEDA62F9-763E-456B-98CE-CD629F8B60B5}" dt="2023-03-10T16:37:20.120" v="1352" actId="692"/>
+        <pc:sldMkLst>
+          <pc:docMk/>
+          <pc:sldMk cId="2266166171" sldId="261"/>
+        </pc:sldMkLst>
+        <pc:spChg chg="mod">
+          <ac:chgData name="u3576731@connect.hku.hk" userId="0de5b9f1-4841-4bf4-9210-fdfbf365d198" providerId="ADAL" clId="{BEDA62F9-763E-456B-98CE-CD629F8B60B5}" dt="2023-03-10T11:24:26.977" v="822" actId="20577"/>
+          <ac:spMkLst>
+            <pc:docMk/>
+            <pc:sldMk cId="2266166171" sldId="261"/>
+            <ac:spMk id="2" creationId="{11E1370A-20E2-1B1D-09CA-88E4572C6CDE}"/>
+          </ac:spMkLst>
+        </pc:spChg>
+        <pc:spChg chg="mod">
+          <ac:chgData name="u3576731@connect.hku.hk" userId="0de5b9f1-4841-4bf4-9210-fdfbf365d198" providerId="ADAL" clId="{BEDA62F9-763E-456B-98CE-CD629F8B60B5}" dt="2023-03-10T11:31:25.868" v="837" actId="2711"/>
+          <ac:spMkLst>
+            <pc:docMk/>
+            <pc:sldMk cId="2266166171" sldId="261"/>
+            <ac:spMk id="3" creationId="{B6C157C3-CCB7-2CCB-8B5B-67137A4A96EC}"/>
+          </ac:spMkLst>
+        </pc:spChg>
+        <pc:picChg chg="del">
+          <ac:chgData name="u3576731@connect.hku.hk" userId="0de5b9f1-4841-4bf4-9210-fdfbf365d198" providerId="ADAL" clId="{BEDA62F9-763E-456B-98CE-CD629F8B60B5}" dt="2023-03-10T10:24:39.429" v="585" actId="478"/>
+          <ac:picMkLst>
+            <pc:docMk/>
+            <pc:sldMk cId="2266166171" sldId="261"/>
+            <ac:picMk id="5" creationId="{9F1039F9-5615-15EF-339D-7F95C7D183D2}"/>
+          </ac:picMkLst>
+        </pc:picChg>
+        <pc:picChg chg="add del mod ord">
+          <ac:chgData name="u3576731@connect.hku.hk" userId="0de5b9f1-4841-4bf4-9210-fdfbf365d198" providerId="ADAL" clId="{BEDA62F9-763E-456B-98CE-CD629F8B60B5}" dt="2023-03-10T10:26:24.084" v="598" actId="478"/>
+          <ac:picMkLst>
+            <pc:docMk/>
+            <pc:sldMk cId="2266166171" sldId="261"/>
+            <ac:picMk id="6" creationId="{E186F13E-D6E2-C281-037C-7E2A5BBBF377}"/>
+          </ac:picMkLst>
+        </pc:picChg>
+        <pc:picChg chg="add del mod">
+          <ac:chgData name="u3576731@connect.hku.hk" userId="0de5b9f1-4841-4bf4-9210-fdfbf365d198" providerId="ADAL" clId="{BEDA62F9-763E-456B-98CE-CD629F8B60B5}" dt="2023-03-10T10:26:53.558" v="604" actId="478"/>
+          <ac:picMkLst>
+            <pc:docMk/>
+            <pc:sldMk cId="2266166171" sldId="261"/>
+            <ac:picMk id="8" creationId="{4F3AC8C1-D175-8577-6111-CC303BE748FD}"/>
+          </ac:picMkLst>
+        </pc:picChg>
+        <pc:picChg chg="add del mod">
+          <ac:chgData name="u3576731@connect.hku.hk" userId="0de5b9f1-4841-4bf4-9210-fdfbf365d198" providerId="ADAL" clId="{BEDA62F9-763E-456B-98CE-CD629F8B60B5}" dt="2023-03-10T10:27:39.475" v="608" actId="478"/>
+          <ac:picMkLst>
+            <pc:docMk/>
+            <pc:sldMk cId="2266166171" sldId="261"/>
+            <ac:picMk id="10" creationId="{CA252619-C808-8428-8E22-774875DD7671}"/>
+          </ac:picMkLst>
+        </pc:picChg>
+        <pc:picChg chg="add del mod">
+          <ac:chgData name="u3576731@connect.hku.hk" userId="0de5b9f1-4841-4bf4-9210-fdfbf365d198" providerId="ADAL" clId="{BEDA62F9-763E-456B-98CE-CD629F8B60B5}" dt="2023-03-10T10:28:31.900" v="614" actId="478"/>
+          <ac:picMkLst>
+            <pc:docMk/>
+            <pc:sldMk cId="2266166171" sldId="261"/>
+            <ac:picMk id="12" creationId="{6B6B5A9B-D195-9C8F-3002-965FEF5D98FC}"/>
+          </ac:picMkLst>
+        </pc:picChg>
+        <pc:picChg chg="add mod ord">
+          <ac:chgData name="u3576731@connect.hku.hk" userId="0de5b9f1-4841-4bf4-9210-fdfbf365d198" providerId="ADAL" clId="{BEDA62F9-763E-456B-98CE-CD629F8B60B5}" dt="2023-03-10T10:29:19.492" v="621" actId="34135"/>
+          <ac:picMkLst>
+            <pc:docMk/>
+            <pc:sldMk cId="2266166171" sldId="261"/>
+            <ac:picMk id="14" creationId="{6684FA47-D634-C6D9-F3E8-05BFA85E1403}"/>
+          </ac:picMkLst>
+        </pc:picChg>
+        <pc:cxnChg chg="add mod">
+          <ac:chgData name="u3576731@connect.hku.hk" userId="0de5b9f1-4841-4bf4-9210-fdfbf365d198" providerId="ADAL" clId="{BEDA62F9-763E-456B-98CE-CD629F8B60B5}" dt="2023-03-10T16:37:20.120" v="1352" actId="692"/>
+          <ac:cxnSpMkLst>
+            <pc:docMk/>
+            <pc:sldMk cId="2266166171" sldId="261"/>
+            <ac:cxnSpMk id="16" creationId="{5D2BD860-A6E8-C1B0-EC19-5BEA4522E629}"/>
+          </ac:cxnSpMkLst>
+        </pc:cxnChg>
+      </pc:sldChg>
+      <pc:sldChg chg="addSp delSp modSp add mod">
+        <pc:chgData name="u3576731@connect.hku.hk" userId="0de5b9f1-4841-4bf4-9210-fdfbf365d198" providerId="ADAL" clId="{BEDA62F9-763E-456B-98CE-CD629F8B60B5}" dt="2023-03-10T16:48:02.495" v="1998" actId="164"/>
+        <pc:sldMkLst>
+          <pc:docMk/>
+          <pc:sldMk cId="1208938695" sldId="262"/>
+        </pc:sldMkLst>
+        <pc:spChg chg="mod ord">
+          <ac:chgData name="u3576731@connect.hku.hk" userId="0de5b9f1-4841-4bf4-9210-fdfbf365d198" providerId="ADAL" clId="{BEDA62F9-763E-456B-98CE-CD629F8B60B5}" dt="2023-03-10T16:44:23.707" v="1780" actId="166"/>
+          <ac:spMkLst>
+            <pc:docMk/>
+            <pc:sldMk cId="1208938695" sldId="262"/>
+            <ac:spMk id="2" creationId="{11E1370A-20E2-1B1D-09CA-88E4572C6CDE}"/>
+          </ac:spMkLst>
+        </pc:spChg>
+        <pc:spChg chg="del">
+          <ac:chgData name="u3576731@connect.hku.hk" userId="0de5b9f1-4841-4bf4-9210-fdfbf365d198" providerId="ADAL" clId="{BEDA62F9-763E-456B-98CE-CD629F8B60B5}" dt="2023-03-10T10:37:24.975" v="632" actId="478"/>
+          <ac:spMkLst>
+            <pc:docMk/>
+            <pc:sldMk cId="1208938695" sldId="262"/>
+            <ac:spMk id="3" creationId="{B6C157C3-CCB7-2CCB-8B5B-67137A4A96EC}"/>
+          </ac:spMkLst>
+        </pc:spChg>
+        <pc:spChg chg="add del mod">
+          <ac:chgData name="u3576731@connect.hku.hk" userId="0de5b9f1-4841-4bf4-9210-fdfbf365d198" providerId="ADAL" clId="{BEDA62F9-763E-456B-98CE-CD629F8B60B5}" dt="2023-03-10T16:46:26.559" v="1939" actId="478"/>
+          <ac:spMkLst>
+            <pc:docMk/>
+            <pc:sldMk cId="1208938695" sldId="262"/>
+            <ac:spMk id="24" creationId="{E5C5A91A-1401-2282-F28C-D8DE10299C8E}"/>
+          </ac:spMkLst>
+        </pc:spChg>
+        <pc:grpChg chg="add mod">
+          <ac:chgData name="u3576731@connect.hku.hk" userId="0de5b9f1-4841-4bf4-9210-fdfbf365d198" providerId="ADAL" clId="{BEDA62F9-763E-456B-98CE-CD629F8B60B5}" dt="2023-03-10T16:48:02.495" v="1998" actId="164"/>
+          <ac:grpSpMkLst>
+            <pc:docMk/>
+            <pc:sldMk cId="1208938695" sldId="262"/>
+            <ac:grpSpMk id="29" creationId="{C1A2015B-51E1-77FB-7B61-BFB1689C0D26}"/>
+          </ac:grpSpMkLst>
+        </pc:grpChg>
+        <pc:cxnChg chg="add del mod ord">
+          <ac:chgData name="u3576731@connect.hku.hk" userId="0de5b9f1-4841-4bf4-9210-fdfbf365d198" providerId="ADAL" clId="{BEDA62F9-763E-456B-98CE-CD629F8B60B5}" dt="2023-03-10T16:35:29.083" v="1306" actId="478"/>
+          <ac:cxnSpMkLst>
+            <pc:docMk/>
+            <pc:sldMk cId="1208938695" sldId="262"/>
+            <ac:cxnSpMk id="3" creationId="{D9610166-3C3F-E207-80EB-6826D1175F83}"/>
+          </ac:cxnSpMkLst>
+        </pc:cxnChg>
+        <pc:cxnChg chg="add del mod">
+          <ac:chgData name="u3576731@connect.hku.hk" userId="0de5b9f1-4841-4bf4-9210-fdfbf365d198" providerId="ADAL" clId="{BEDA62F9-763E-456B-98CE-CD629F8B60B5}" dt="2023-03-10T16:39:17.129" v="1637" actId="478"/>
+          <ac:cxnSpMkLst>
+            <pc:docMk/>
+            <pc:sldMk cId="1208938695" sldId="262"/>
+            <ac:cxnSpMk id="20" creationId="{5C30E31C-F2BA-DF87-5CA4-A3A36B2C4AFE}"/>
+          </ac:cxnSpMkLst>
+        </pc:cxnChg>
+        <pc:cxnChg chg="add mod">
+          <ac:chgData name="u3576731@connect.hku.hk" userId="0de5b9f1-4841-4bf4-9210-fdfbf365d198" providerId="ADAL" clId="{BEDA62F9-763E-456B-98CE-CD629F8B60B5}" dt="2023-03-10T16:48:02.495" v="1998" actId="164"/>
+          <ac:cxnSpMkLst>
+            <pc:docMk/>
+            <pc:sldMk cId="1208938695" sldId="262"/>
+            <ac:cxnSpMk id="25" creationId="{9B80A4B0-7B40-7446-657F-556D5EB1EB64}"/>
+          </ac:cxnSpMkLst>
+        </pc:cxnChg>
+        <pc:cxnChg chg="add mod">
+          <ac:chgData name="u3576731@connect.hku.hk" userId="0de5b9f1-4841-4bf4-9210-fdfbf365d198" providerId="ADAL" clId="{BEDA62F9-763E-456B-98CE-CD629F8B60B5}" dt="2023-03-10T16:48:02.495" v="1998" actId="164"/>
+          <ac:cxnSpMkLst>
+            <pc:docMk/>
+            <pc:sldMk cId="1208938695" sldId="262"/>
+            <ac:cxnSpMk id="26" creationId="{94190567-ECF1-1EA8-506C-F481FA3F6460}"/>
+          </ac:cxnSpMkLst>
+        </pc:cxnChg>
+      </pc:sldChg>
+      <pc:sldChg chg="modSp add del mod">
+        <pc:chgData name="u3576731@connect.hku.hk" userId="0de5b9f1-4841-4bf4-9210-fdfbf365d198" providerId="ADAL" clId="{BEDA62F9-763E-456B-98CE-CD629F8B60B5}" dt="2023-03-10T11:38:50.893" v="972" actId="47"/>
+        <pc:sldMkLst>
+          <pc:docMk/>
+          <pc:sldMk cId="242367566" sldId="263"/>
+        </pc:sldMkLst>
+        <pc:spChg chg="mod">
+          <ac:chgData name="u3576731@connect.hku.hk" userId="0de5b9f1-4841-4bf4-9210-fdfbf365d198" providerId="ADAL" clId="{BEDA62F9-763E-456B-98CE-CD629F8B60B5}" dt="2023-03-10T11:37:33.809" v="958" actId="120"/>
+          <ac:spMkLst>
+            <pc:docMk/>
+            <pc:sldMk cId="242367566" sldId="263"/>
+            <ac:spMk id="2" creationId="{11E1370A-20E2-1B1D-09CA-88E4572C6CDE}"/>
+          </ac:spMkLst>
+        </pc:spChg>
+      </pc:sldChg>
+      <pc:sldChg chg="addSp delSp modSp add mod ord">
+        <pc:chgData name="u3576731@connect.hku.hk" userId="0de5b9f1-4841-4bf4-9210-fdfbf365d198" providerId="ADAL" clId="{BEDA62F9-763E-456B-98CE-CD629F8B60B5}" dt="2023-03-11T16:46:12.225" v="5675" actId="20577"/>
+        <pc:sldMkLst>
+          <pc:docMk/>
+          <pc:sldMk cId="3704382441" sldId="264"/>
+        </pc:sldMkLst>
+        <pc:spChg chg="mod">
+          <ac:chgData name="u3576731@connect.hku.hk" userId="0de5b9f1-4841-4bf4-9210-fdfbf365d198" providerId="ADAL" clId="{BEDA62F9-763E-456B-98CE-CD629F8B60B5}" dt="2023-03-10T11:38:32.992" v="969" actId="14100"/>
+          <ac:spMkLst>
+            <pc:docMk/>
+            <pc:sldMk cId="3704382441" sldId="264"/>
+            <ac:spMk id="2" creationId="{11E1370A-20E2-1B1D-09CA-88E4572C6CDE}"/>
+          </ac:spMkLst>
+        </pc:spChg>
+        <pc:spChg chg="del mod">
+          <ac:chgData name="u3576731@connect.hku.hk" userId="0de5b9f1-4841-4bf4-9210-fdfbf365d198" providerId="ADAL" clId="{BEDA62F9-763E-456B-98CE-CD629F8B60B5}" dt="2023-03-11T16:40:23.990" v="5620" actId="478"/>
+          <ac:spMkLst>
+            <pc:docMk/>
+            <pc:sldMk cId="3704382441" sldId="264"/>
+            <ac:spMk id="3" creationId="{B6C157C3-CCB7-2CCB-8B5B-67137A4A96EC}"/>
+          </ac:spMkLst>
+        </pc:spChg>
+        <pc:spChg chg="add mod">
+          <ac:chgData name="u3576731@connect.hku.hk" userId="0de5b9f1-4841-4bf4-9210-fdfbf365d198" providerId="ADAL" clId="{BEDA62F9-763E-456B-98CE-CD629F8B60B5}" dt="2023-03-11T16:46:12.225" v="5675" actId="20577"/>
+          <ac:spMkLst>
+            <pc:docMk/>
+            <pc:sldMk cId="3704382441" sldId="264"/>
+            <ac:spMk id="4" creationId="{71580798-AD98-EECE-BE7A-CAE91A706CD4}"/>
+          </ac:spMkLst>
+        </pc:spChg>
+        <pc:spChg chg="add del">
+          <ac:chgData name="u3576731@connect.hku.hk" userId="0de5b9f1-4841-4bf4-9210-fdfbf365d198" providerId="ADAL" clId="{BEDA62F9-763E-456B-98CE-CD629F8B60B5}" dt="2023-03-11T16:35:45.455" v="5561" actId="22"/>
+          <ac:spMkLst>
+            <pc:docMk/>
+            <pc:sldMk cId="3704382441" sldId="264"/>
+            <ac:spMk id="10" creationId="{DB0FD824-53C4-5F43-BFA7-7D6E4330C7E4}"/>
+          </ac:spMkLst>
+        </pc:spChg>
+        <pc:spChg chg="add mod">
+          <ac:chgData name="u3576731@connect.hku.hk" userId="0de5b9f1-4841-4bf4-9210-fdfbf365d198" providerId="ADAL" clId="{BEDA62F9-763E-456B-98CE-CD629F8B60B5}" dt="2023-03-11T16:44:24.667" v="5663" actId="20577"/>
+          <ac:spMkLst>
+            <pc:docMk/>
+            <pc:sldMk cId="3704382441" sldId="264"/>
+            <ac:spMk id="12" creationId="{FAC542CD-D7BF-04E1-D0ED-545D14EEC2AB}"/>
+          </ac:spMkLst>
+        </pc:spChg>
+        <pc:cxnChg chg="add del mod">
+          <ac:chgData name="u3576731@connect.hku.hk" userId="0de5b9f1-4841-4bf4-9210-fdfbf365d198" providerId="ADAL" clId="{BEDA62F9-763E-456B-98CE-CD629F8B60B5}" dt="2023-03-11T16:41:04.498" v="5630" actId="478"/>
+          <ac:cxnSpMkLst>
+            <pc:docMk/>
+            <pc:sldMk cId="3704382441" sldId="264"/>
+            <ac:cxnSpMk id="6" creationId="{DBDE1996-C941-041E-B8AE-A29F1D5FCE7C}"/>
+          </ac:cxnSpMkLst>
+        </pc:cxnChg>
+        <pc:cxnChg chg="add mod">
+          <ac:chgData name="u3576731@connect.hku.hk" userId="0de5b9f1-4841-4bf4-9210-fdfbf365d198" providerId="ADAL" clId="{BEDA62F9-763E-456B-98CE-CD629F8B60B5}" dt="2023-03-11T16:42:28.229" v="5642" actId="1076"/>
+          <ac:cxnSpMkLst>
+            <pc:docMk/>
+            <pc:sldMk cId="3704382441" sldId="264"/>
+            <ac:cxnSpMk id="25" creationId="{18368088-67A3-594C-6A5E-D87187449669}"/>
+          </ac:cxnSpMkLst>
+        </pc:cxnChg>
+      </pc:sldChg>
+      <pc:sldChg chg="modSp add del mod">
+        <pc:chgData name="u3576731@connect.hku.hk" userId="0de5b9f1-4841-4bf4-9210-fdfbf365d198" providerId="ADAL" clId="{BEDA62F9-763E-456B-98CE-CD629F8B60B5}" dt="2023-03-10T11:38:51.858" v="973" actId="47"/>
+        <pc:sldMkLst>
+          <pc:docMk/>
+          <pc:sldMk cId="2093380017" sldId="265"/>
+        </pc:sldMkLst>
+        <pc:spChg chg="mod">
+          <ac:chgData name="u3576731@connect.hku.hk" userId="0de5b9f1-4841-4bf4-9210-fdfbf365d198" providerId="ADAL" clId="{BEDA62F9-763E-456B-98CE-CD629F8B60B5}" dt="2023-03-10T11:37:37.391" v="959" actId="120"/>
+          <ac:spMkLst>
+            <pc:docMk/>
+            <pc:sldMk cId="2093380017" sldId="265"/>
+            <ac:spMk id="2" creationId="{11E1370A-20E2-1B1D-09CA-88E4572C6CDE}"/>
+          </ac:spMkLst>
+        </pc:spChg>
+      </pc:sldChg>
+      <pc:sldChg chg="modSp add mod">
+        <pc:chgData name="u3576731@connect.hku.hk" userId="0de5b9f1-4841-4bf4-9210-fdfbf365d198" providerId="ADAL" clId="{BEDA62F9-763E-456B-98CE-CD629F8B60B5}" dt="2023-03-10T11:40:04.815" v="993"/>
+        <pc:sldMkLst>
+          <pc:docMk/>
+          <pc:sldMk cId="2115501710" sldId="265"/>
+        </pc:sldMkLst>
+        <pc:spChg chg="mod">
+          <ac:chgData name="u3576731@connect.hku.hk" userId="0de5b9f1-4841-4bf4-9210-fdfbf365d198" providerId="ADAL" clId="{BEDA62F9-763E-456B-98CE-CD629F8B60B5}" dt="2023-03-10T11:40:04.815" v="993"/>
+          <ac:spMkLst>
+            <pc:docMk/>
+            <pc:sldMk cId="2115501710" sldId="265"/>
+            <ac:spMk id="2" creationId="{11E1370A-20E2-1B1D-09CA-88E4572C6CDE}"/>
+          </ac:spMkLst>
+        </pc:spChg>
+      </pc:sldChg>
+      <pc:sldChg chg="modSp add del mod">
+        <pc:chgData name="u3576731@connect.hku.hk" userId="0de5b9f1-4841-4bf4-9210-fdfbf365d198" providerId="ADAL" clId="{BEDA62F9-763E-456B-98CE-CD629F8B60B5}" dt="2023-03-10T11:38:52.872" v="974" actId="47"/>
+        <pc:sldMkLst>
+          <pc:docMk/>
+          <pc:sldMk cId="2409266869" sldId="266"/>
+        </pc:sldMkLst>
+        <pc:spChg chg="mod">
+          <ac:chgData name="u3576731@connect.hku.hk" userId="0de5b9f1-4841-4bf4-9210-fdfbf365d198" providerId="ADAL" clId="{BEDA62F9-763E-456B-98CE-CD629F8B60B5}" dt="2023-03-10T11:37:40.698" v="960" actId="120"/>
+          <ac:spMkLst>
+            <pc:docMk/>
+            <pc:sldMk cId="2409266869" sldId="266"/>
+            <ac:spMk id="2" creationId="{11E1370A-20E2-1B1D-09CA-88E4572C6CDE}"/>
+          </ac:spMkLst>
+        </pc:spChg>
+      </pc:sldChg>
+      <pc:sldChg chg="modSp add mod">
+        <pc:chgData name="u3576731@connect.hku.hk" userId="0de5b9f1-4841-4bf4-9210-fdfbf365d198" providerId="ADAL" clId="{BEDA62F9-763E-456B-98CE-CD629F8B60B5}" dt="2023-03-10T11:44:05.490" v="1012" actId="20577"/>
+        <pc:sldMkLst>
+          <pc:docMk/>
+          <pc:sldMk cId="2932351163" sldId="266"/>
+        </pc:sldMkLst>
+        <pc:spChg chg="mod">
+          <ac:chgData name="u3576731@connect.hku.hk" userId="0de5b9f1-4841-4bf4-9210-fdfbf365d198" providerId="ADAL" clId="{BEDA62F9-763E-456B-98CE-CD629F8B60B5}" dt="2023-03-10T11:44:05.490" v="1012" actId="20577"/>
+          <ac:spMkLst>
+            <pc:docMk/>
+            <pc:sldMk cId="2932351163" sldId="266"/>
+            <ac:spMk id="2" creationId="{11E1370A-20E2-1B1D-09CA-88E4572C6CDE}"/>
+          </ac:spMkLst>
+        </pc:spChg>
+      </pc:sldChg>
+      <pc:sldChg chg="modSp add mod">
+        <pc:chgData name="u3576731@connect.hku.hk" userId="0de5b9f1-4841-4bf4-9210-fdfbf365d198" providerId="ADAL" clId="{BEDA62F9-763E-456B-98CE-CD629F8B60B5}" dt="2023-03-10T11:44:02.889" v="1011" actId="20577"/>
+        <pc:sldMkLst>
+          <pc:docMk/>
+          <pc:sldMk cId="2976592220" sldId="267"/>
+        </pc:sldMkLst>
+        <pc:spChg chg="mod">
+          <ac:chgData name="u3576731@connect.hku.hk" userId="0de5b9f1-4841-4bf4-9210-fdfbf365d198" providerId="ADAL" clId="{BEDA62F9-763E-456B-98CE-CD629F8B60B5}" dt="2023-03-10T11:44:02.889" v="1011" actId="20577"/>
+          <ac:spMkLst>
+            <pc:docMk/>
+            <pc:sldMk cId="2976592220" sldId="267"/>
+            <ac:spMk id="2" creationId="{11E1370A-20E2-1B1D-09CA-88E4572C6CDE}"/>
+          </ac:spMkLst>
+        </pc:spChg>
+      </pc:sldChg>
+      <pc:sldChg chg="add del">
+        <pc:chgData name="u3576731@connect.hku.hk" userId="0de5b9f1-4841-4bf4-9210-fdfbf365d198" providerId="ADAL" clId="{BEDA62F9-763E-456B-98CE-CD629F8B60B5}" dt="2023-03-10T11:35:53.061" v="924"/>
+        <pc:sldMkLst>
+          <pc:docMk/>
+          <pc:sldMk cId="3015544404" sldId="267"/>
+        </pc:sldMkLst>
+      </pc:sldChg>
+      <pc:sldChg chg="modSp add mod">
+        <pc:chgData name="u3576731@connect.hku.hk" userId="0de5b9f1-4841-4bf4-9210-fdfbf365d198" providerId="ADAL" clId="{BEDA62F9-763E-456B-98CE-CD629F8B60B5}" dt="2023-03-10T11:43:57.980" v="1010"/>
+        <pc:sldMkLst>
+          <pc:docMk/>
+          <pc:sldMk cId="1612596117" sldId="268"/>
+        </pc:sldMkLst>
+        <pc:spChg chg="mod">
+          <ac:chgData name="u3576731@connect.hku.hk" userId="0de5b9f1-4841-4bf4-9210-fdfbf365d198" providerId="ADAL" clId="{BEDA62F9-763E-456B-98CE-CD629F8B60B5}" dt="2023-03-10T11:43:57.980" v="1010"/>
+          <ac:spMkLst>
+            <pc:docMk/>
+            <pc:sldMk cId="1612596117" sldId="268"/>
+            <ac:spMk id="2" creationId="{11E1370A-20E2-1B1D-09CA-88E4572C6CDE}"/>
+          </ac:spMkLst>
+        </pc:spChg>
+      </pc:sldChg>
+      <pc:sldChg chg="addSp delSp modSp add mod">
+        <pc:chgData name="u3576731@connect.hku.hk" userId="0de5b9f1-4841-4bf4-9210-fdfbf365d198" providerId="ADAL" clId="{BEDA62F9-763E-456B-98CE-CD629F8B60B5}" dt="2023-03-13T14:12:21.882" v="5721" actId="20577"/>
+        <pc:sldMkLst>
+          <pc:docMk/>
+          <pc:sldMk cId="2484361493" sldId="269"/>
+        </pc:sldMkLst>
+        <pc:spChg chg="mod">
+          <ac:chgData name="u3576731@connect.hku.hk" userId="0de5b9f1-4841-4bf4-9210-fdfbf365d198" providerId="ADAL" clId="{BEDA62F9-763E-456B-98CE-CD629F8B60B5}" dt="2023-03-13T14:12:21.882" v="5721" actId="20577"/>
+          <ac:spMkLst>
+            <pc:docMk/>
+            <pc:sldMk cId="2484361493" sldId="269"/>
+            <ac:spMk id="2" creationId="{11E1370A-20E2-1B1D-09CA-88E4572C6CDE}"/>
+          </ac:spMkLst>
+        </pc:spChg>
+        <pc:spChg chg="del">
+          <ac:chgData name="u3576731@connect.hku.hk" userId="0de5b9f1-4841-4bf4-9210-fdfbf365d198" providerId="ADAL" clId="{BEDA62F9-763E-456B-98CE-CD629F8B60B5}" dt="2023-03-11T09:13:37.578" v="2035" actId="478"/>
+          <ac:spMkLst>
+            <pc:docMk/>
+            <pc:sldMk cId="2484361493" sldId="269"/>
+            <ac:spMk id="3" creationId="{B6C157C3-CCB7-2CCB-8B5B-67137A4A96EC}"/>
+          </ac:spMkLst>
+        </pc:spChg>
+        <pc:spChg chg="add del mod">
+          <ac:chgData name="u3576731@connect.hku.hk" userId="0de5b9f1-4841-4bf4-9210-fdfbf365d198" providerId="ADAL" clId="{BEDA62F9-763E-456B-98CE-CD629F8B60B5}" dt="2023-03-11T15:50:12.593" v="5068" actId="478"/>
+          <ac:spMkLst>
+            <pc:docMk/>
+            <pc:sldMk cId="2484361493" sldId="269"/>
+            <ac:spMk id="13" creationId="{5EDE47A6-30B6-BE8A-6903-CCA68704C7DF}"/>
+          </ac:spMkLst>
+        </pc:spChg>
+        <pc:spChg chg="add del mod">
+          <ac:chgData name="u3576731@connect.hku.hk" userId="0de5b9f1-4841-4bf4-9210-fdfbf365d198" providerId="ADAL" clId="{BEDA62F9-763E-456B-98CE-CD629F8B60B5}" dt="2023-03-11T09:57:44.020" v="3574" actId="478"/>
+          <ac:spMkLst>
+            <pc:docMk/>
+            <pc:sldMk cId="2484361493" sldId="269"/>
+            <ac:spMk id="14" creationId="{FDE9AADC-7A54-EFB0-2D82-C367B0E88BC7}"/>
+          </ac:spMkLst>
+        </pc:spChg>
+        <pc:spChg chg="add del mod">
+          <ac:chgData name="u3576731@connect.hku.hk" userId="0de5b9f1-4841-4bf4-9210-fdfbf365d198" providerId="ADAL" clId="{BEDA62F9-763E-456B-98CE-CD629F8B60B5}" dt="2023-03-11T09:57:53.876" v="3577" actId="478"/>
+          <ac:spMkLst>
+            <pc:docMk/>
+            <pc:sldMk cId="2484361493" sldId="269"/>
+            <ac:spMk id="15" creationId="{ED268122-93A8-1AB4-A876-333DC4C1467E}"/>
+          </ac:spMkLst>
+        </pc:spChg>
+        <pc:spChg chg="add del mod">
+          <ac:chgData name="u3576731@connect.hku.hk" userId="0de5b9f1-4841-4bf4-9210-fdfbf365d198" providerId="ADAL" clId="{BEDA62F9-763E-456B-98CE-CD629F8B60B5}" dt="2023-03-11T09:48:23.036" v="2267" actId="478"/>
+          <ac:spMkLst>
+            <pc:docMk/>
+            <pc:sldMk cId="2484361493" sldId="269"/>
+            <ac:spMk id="16" creationId="{600DD1A0-3BD6-8E73-5C5E-E5DDDCD00E6C}"/>
+          </ac:spMkLst>
+        </pc:spChg>
+        <pc:spChg chg="add del mod">
+          <ac:chgData name="u3576731@connect.hku.hk" userId="0de5b9f1-4841-4bf4-9210-fdfbf365d198" providerId="ADAL" clId="{BEDA62F9-763E-456B-98CE-CD629F8B60B5}" dt="2023-03-11T09:48:25.293" v="2269" actId="478"/>
+          <ac:spMkLst>
+            <pc:docMk/>
+            <pc:sldMk cId="2484361493" sldId="269"/>
+            <ac:spMk id="19" creationId="{E690A522-3BD3-28E4-C0A6-24C8B4B8B5A1}"/>
+          </ac:spMkLst>
+        </pc:spChg>
+        <pc:spChg chg="add mod ord">
+          <ac:chgData name="u3576731@connect.hku.hk" userId="0de5b9f1-4841-4bf4-9210-fdfbf365d198" providerId="ADAL" clId="{BEDA62F9-763E-456B-98CE-CD629F8B60B5}" dt="2023-03-11T09:56:51.429" v="3571" actId="207"/>
+          <ac:spMkLst>
+            <pc:docMk/>
+            <pc:sldMk cId="2484361493" sldId="269"/>
+            <ac:spMk id="20" creationId="{E72BE26C-26F5-84AC-EC76-2960570FC2D2}"/>
+          </ac:spMkLst>
+        </pc:spChg>
+        <pc:spChg chg="add mod ord">
+          <ac:chgData name="u3576731@connect.hku.hk" userId="0de5b9f1-4841-4bf4-9210-fdfbf365d198" providerId="ADAL" clId="{BEDA62F9-763E-456B-98CE-CD629F8B60B5}" dt="2023-03-11T10:00:05.834" v="3612" actId="1076"/>
+          <ac:spMkLst>
+            <pc:docMk/>
+            <pc:sldMk cId="2484361493" sldId="269"/>
+            <ac:spMk id="21" creationId="{C1A36B4C-61FF-B6FD-7D08-015A6B8CB44A}"/>
+          </ac:spMkLst>
+        </pc:spChg>
+        <pc:spChg chg="add mod ord">
+          <ac:chgData name="u3576731@connect.hku.hk" userId="0de5b9f1-4841-4bf4-9210-fdfbf365d198" providerId="ADAL" clId="{BEDA62F9-763E-456B-98CE-CD629F8B60B5}" dt="2023-03-13T11:55:24.599" v="5676" actId="1076"/>
+          <ac:spMkLst>
+            <pc:docMk/>
+            <pc:sldMk cId="2484361493" sldId="269"/>
+            <ac:spMk id="22" creationId="{3F5842D3-20CE-5D45-8ECD-360AEFBB9A6D}"/>
+          </ac:spMkLst>
+        </pc:spChg>
+        <pc:spChg chg="add del mod ord">
+          <ac:chgData name="u3576731@connect.hku.hk" userId="0de5b9f1-4841-4bf4-9210-fdfbf365d198" providerId="ADAL" clId="{BEDA62F9-763E-456B-98CE-CD629F8B60B5}" dt="2023-03-11T15:50:10.726" v="5067" actId="478"/>
+          <ac:spMkLst>
+            <pc:docMk/>
+            <pc:sldMk cId="2484361493" sldId="269"/>
+            <ac:spMk id="23" creationId="{9EC36D28-E60C-DEF2-AF52-473B668F4BE6}"/>
+          </ac:spMkLst>
+        </pc:spChg>
+        <pc:spChg chg="add del">
+          <ac:chgData name="u3576731@connect.hku.hk" userId="0de5b9f1-4841-4bf4-9210-fdfbf365d198" providerId="ADAL" clId="{BEDA62F9-763E-456B-98CE-CD629F8B60B5}" dt="2023-03-11T09:58:01.174" v="3579" actId="22"/>
+          <ac:spMkLst>
+            <pc:docMk/>
+            <pc:sldMk cId="2484361493" sldId="269"/>
+            <ac:spMk id="25" creationId="{2DD58CA5-469B-4EE4-E60F-DEE439A76BE5}"/>
+          </ac:spMkLst>
+        </pc:spChg>
+        <pc:spChg chg="add mod">
+          <ac:chgData name="u3576731@connect.hku.hk" userId="0de5b9f1-4841-4bf4-9210-fdfbf365d198" providerId="ADAL" clId="{BEDA62F9-763E-456B-98CE-CD629F8B60B5}" dt="2023-03-11T10:00:38.934" v="3615" actId="1076"/>
+          <ac:spMkLst>
+            <pc:docMk/>
+            <pc:sldMk cId="2484361493" sldId="269"/>
+            <ac:spMk id="27" creationId="{45DF21AF-E114-A4CD-546F-049554F45D91}"/>
+          </ac:spMkLst>
+        </pc:spChg>
+        <pc:spChg chg="add mod">
+          <ac:chgData name="u3576731@connect.hku.hk" userId="0de5b9f1-4841-4bf4-9210-fdfbf365d198" providerId="ADAL" clId="{BEDA62F9-763E-456B-98CE-CD629F8B60B5}" dt="2023-03-11T10:00:38.934" v="3615" actId="1076"/>
+          <ac:spMkLst>
+            <pc:docMk/>
+            <pc:sldMk cId="2484361493" sldId="269"/>
+            <ac:spMk id="28" creationId="{83922FFC-7D19-A135-6F63-31FF811DD165}"/>
+          </ac:spMkLst>
+        </pc:spChg>
+        <pc:spChg chg="add mod">
+          <ac:chgData name="u3576731@connect.hku.hk" userId="0de5b9f1-4841-4bf4-9210-fdfbf365d198" providerId="ADAL" clId="{BEDA62F9-763E-456B-98CE-CD629F8B60B5}" dt="2023-03-13T11:55:24.599" v="5676" actId="1076"/>
+          <ac:spMkLst>
+            <pc:docMk/>
+            <pc:sldMk cId="2484361493" sldId="269"/>
+            <ac:spMk id="29" creationId="{D26C60EC-0CA2-3B56-BFA0-529ED03A08CC}"/>
+          </ac:spMkLst>
+        </pc:spChg>
+        <pc:picChg chg="add del mod modCrop">
+          <ac:chgData name="u3576731@connect.hku.hk" userId="0de5b9f1-4841-4bf4-9210-fdfbf365d198" providerId="ADAL" clId="{BEDA62F9-763E-456B-98CE-CD629F8B60B5}" dt="2023-03-11T09:19:21.343" v="2055" actId="478"/>
+          <ac:picMkLst>
+            <pc:docMk/>
+            <pc:sldMk cId="2484361493" sldId="269"/>
+            <ac:picMk id="6" creationId="{A5E0D9B6-F5DA-7F7C-E24F-D012A5E570A1}"/>
+          </ac:picMkLst>
+        </pc:picChg>
+        <pc:picChg chg="add del mod">
+          <ac:chgData name="u3576731@connect.hku.hk" userId="0de5b9f1-4841-4bf4-9210-fdfbf365d198" providerId="ADAL" clId="{BEDA62F9-763E-456B-98CE-CD629F8B60B5}" dt="2023-03-11T09:18:04.689" v="2046" actId="478"/>
+          <ac:picMkLst>
+            <pc:docMk/>
+            <pc:sldMk cId="2484361493" sldId="269"/>
+            <ac:picMk id="8" creationId="{91D46E39-5E85-DB0F-CC0F-09797F9ABC78}"/>
+          </ac:picMkLst>
+        </pc:picChg>
+        <pc:picChg chg="add del mod modCrop">
+          <ac:chgData name="u3576731@connect.hku.hk" userId="0de5b9f1-4841-4bf4-9210-fdfbf365d198" providerId="ADAL" clId="{BEDA62F9-763E-456B-98CE-CD629F8B60B5}" dt="2023-03-11T09:19:55.874" v="2059" actId="478"/>
+          <ac:picMkLst>
+            <pc:docMk/>
+            <pc:sldMk cId="2484361493" sldId="269"/>
+            <ac:picMk id="10" creationId="{A2AB4B6A-5A32-416E-8FD7-F89F57A52B10}"/>
+          </ac:picMkLst>
+        </pc:picChg>
+        <pc:picChg chg="add mod modCrop">
+          <ac:chgData name="u3576731@connect.hku.hk" userId="0de5b9f1-4841-4bf4-9210-fdfbf365d198" providerId="ADAL" clId="{BEDA62F9-763E-456B-98CE-CD629F8B60B5}" dt="2023-03-11T15:50:20.556" v="5069" actId="732"/>
+          <ac:picMkLst>
+            <pc:docMk/>
+            <pc:sldMk cId="2484361493" sldId="269"/>
+            <ac:picMk id="12" creationId="{D18BA5F3-82AF-5286-44C7-19128F16A921}"/>
+          </ac:picMkLst>
+        </pc:picChg>
+        <pc:cxnChg chg="add del mod">
+          <ac:chgData name="u3576731@connect.hku.hk" userId="0de5b9f1-4841-4bf4-9210-fdfbf365d198" providerId="ADAL" clId="{BEDA62F9-763E-456B-98CE-CD629F8B60B5}" dt="2023-03-11T09:48:24.143" v="2268" actId="478"/>
+          <ac:cxnSpMkLst>
+            <pc:docMk/>
+            <pc:sldMk cId="2484361493" sldId="269"/>
+            <ac:cxnSpMk id="18" creationId="{A61BD8A9-9793-1CE5-0412-9636C6B0232A}"/>
+          </ac:cxnSpMkLst>
+        </pc:cxnChg>
+      </pc:sldChg>
+      <pc:sldChg chg="addSp delSp modSp mod modAnim">
+        <pc:chgData name="u3576731@connect.hku.hk" userId="0de5b9f1-4841-4bf4-9210-fdfbf365d198" providerId="ADAL" clId="{BEDA62F9-763E-456B-98CE-CD629F8B60B5}" dt="2023-03-13T14:10:28.144" v="5685" actId="20577"/>
+        <pc:sldMkLst>
+          <pc:docMk/>
+          <pc:sldMk cId="4015023268" sldId="270"/>
+        </pc:sldMkLst>
+        <pc:spChg chg="mod">
+          <ac:chgData name="u3576731@connect.hku.hk" userId="0de5b9f1-4841-4bf4-9210-fdfbf365d198" providerId="ADAL" clId="{BEDA62F9-763E-456B-98CE-CD629F8B60B5}" dt="2023-03-13T14:10:28.144" v="5685" actId="20577"/>
+          <ac:spMkLst>
+            <pc:docMk/>
+            <pc:sldMk cId="4015023268" sldId="270"/>
+            <ac:spMk id="2" creationId="{11E1370A-20E2-1B1D-09CA-88E4572C6CDE}"/>
+          </ac:spMkLst>
+        </pc:spChg>
+        <pc:spChg chg="del">
+          <ac:chgData name="u3576731@connect.hku.hk" userId="0de5b9f1-4841-4bf4-9210-fdfbf365d198" providerId="ADAL" clId="{BEDA62F9-763E-456B-98CE-CD629F8B60B5}" dt="2023-03-11T09:22:45.107" v="2084" actId="478"/>
+          <ac:spMkLst>
+            <pc:docMk/>
+            <pc:sldMk cId="4015023268" sldId="270"/>
+            <ac:spMk id="3" creationId="{B6C157C3-CCB7-2CCB-8B5B-67137A4A96EC}"/>
+          </ac:spMkLst>
+        </pc:spChg>
+        <pc:spChg chg="add del mod">
+          <ac:chgData name="u3576731@connect.hku.hk" userId="0de5b9f1-4841-4bf4-9210-fdfbf365d198" providerId="ADAL" clId="{BEDA62F9-763E-456B-98CE-CD629F8B60B5}" dt="2023-03-11T10:03:04.427" v="3631" actId="478"/>
+          <ac:spMkLst>
+            <pc:docMk/>
+            <pc:sldMk cId="4015023268" sldId="270"/>
+            <ac:spMk id="8" creationId="{57EA736F-3109-C29A-F471-87C132A1DCAD}"/>
+          </ac:spMkLst>
+        </pc:spChg>
+        <pc:spChg chg="add del">
+          <ac:chgData name="u3576731@connect.hku.hk" userId="0de5b9f1-4841-4bf4-9210-fdfbf365d198" providerId="ADAL" clId="{BEDA62F9-763E-456B-98CE-CD629F8B60B5}" dt="2023-03-11T10:03:01.806" v="3630"/>
+          <ac:spMkLst>
+            <pc:docMk/>
+            <pc:sldMk cId="4015023268" sldId="270"/>
+            <ac:spMk id="9" creationId="{984A4E02-AA62-CB64-FA8D-F8E0B6D62B77}"/>
+          </ac:spMkLst>
+        </pc:spChg>
+        <pc:spChg chg="add mod">
+          <ac:chgData name="u3576731@connect.hku.hk" userId="0de5b9f1-4841-4bf4-9210-fdfbf365d198" providerId="ADAL" clId="{BEDA62F9-763E-456B-98CE-CD629F8B60B5}" dt="2023-03-11T10:40:48.794" v="4059" actId="164"/>
+          <ac:spMkLst>
+            <pc:docMk/>
+            <pc:sldMk cId="4015023268" sldId="270"/>
+            <ac:spMk id="10" creationId="{476375AF-A227-03C8-C40A-DBD9D4A41BEB}"/>
+          </ac:spMkLst>
+        </pc:spChg>
+        <pc:spChg chg="add del mod">
+          <ac:chgData name="u3576731@connect.hku.hk" userId="0de5b9f1-4841-4bf4-9210-fdfbf365d198" providerId="ADAL" clId="{BEDA62F9-763E-456B-98CE-CD629F8B60B5}" dt="2023-03-11T10:18:49.763" v="3769" actId="478"/>
+          <ac:spMkLst>
+            <pc:docMk/>
+            <pc:sldMk cId="4015023268" sldId="270"/>
+            <ac:spMk id="11" creationId="{7D29F666-15AD-A9EC-3ADA-E5C2C97EFF94}"/>
+          </ac:spMkLst>
+        </pc:spChg>
+        <pc:spChg chg="add mod topLvl">
+          <ac:chgData name="u3576731@connect.hku.hk" userId="0de5b9f1-4841-4bf4-9210-fdfbf365d198" providerId="ADAL" clId="{BEDA62F9-763E-456B-98CE-CD629F8B60B5}" dt="2023-03-11T14:59:32.206" v="4749" actId="207"/>
+          <ac:spMkLst>
+            <pc:docMk/>
+            <pc:sldMk cId="4015023268" sldId="270"/>
+            <ac:spMk id="12" creationId="{102C1A16-05E2-BB07-9DF5-846646A46143}"/>
+          </ac:spMkLst>
+        </pc:spChg>
+        <pc:spChg chg="add del mod">
+          <ac:chgData name="u3576731@connect.hku.hk" userId="0de5b9f1-4841-4bf4-9210-fdfbf365d198" providerId="ADAL" clId="{BEDA62F9-763E-456B-98CE-CD629F8B60B5}" dt="2023-03-11T10:09:02.260" v="3670" actId="478"/>
+          <ac:spMkLst>
+            <pc:docMk/>
+            <pc:sldMk cId="4015023268" sldId="270"/>
+            <ac:spMk id="13" creationId="{6B72220F-FCD5-BEB5-AACC-89E9D8F267A7}"/>
+          </ac:spMkLst>
+        </pc:spChg>
+        <pc:spChg chg="add mod topLvl">
+          <ac:chgData name="u3576731@connect.hku.hk" userId="0de5b9f1-4841-4bf4-9210-fdfbf365d198" providerId="ADAL" clId="{BEDA62F9-763E-456B-98CE-CD629F8B60B5}" dt="2023-03-11T10:42:32.415" v="4069" actId="164"/>
+          <ac:spMkLst>
+            <pc:docMk/>
+            <pc:sldMk cId="4015023268" sldId="270"/>
+            <ac:spMk id="14" creationId="{F3E80AFE-6993-1496-D64E-55EF90541CAD}"/>
+          </ac:spMkLst>
+        </pc:spChg>
+        <pc:spChg chg="add del">
+          <ac:chgData name="u3576731@connect.hku.hk" userId="0de5b9f1-4841-4bf4-9210-fdfbf365d198" providerId="ADAL" clId="{BEDA62F9-763E-456B-98CE-CD629F8B60B5}" dt="2023-03-11T10:09:31.822" v="3676" actId="22"/>
+          <ac:spMkLst>
+            <pc:docMk/>
+            <pc:sldMk cId="4015023268" sldId="270"/>
+            <ac:spMk id="16" creationId="{941BDB31-8756-00B6-A590-D6BE04F40041}"/>
+          </ac:spMkLst>
+        </pc:spChg>
+        <pc:spChg chg="add mod topLvl">
+          <ac:chgData name="u3576731@connect.hku.hk" userId="0de5b9f1-4841-4bf4-9210-fdfbf365d198" providerId="ADAL" clId="{BEDA62F9-763E-456B-98CE-CD629F8B60B5}" dt="2023-03-11T10:42:18.628" v="4067" actId="165"/>
+          <ac:spMkLst>
+            <pc:docMk/>
+            <pc:sldMk cId="4015023268" sldId="270"/>
+            <ac:spMk id="18" creationId="{DF369FA1-21F4-1EF5-87BB-C5455DCCBBC9}"/>
+          </ac:spMkLst>
+        </pc:spChg>
+        <pc:spChg chg="add mod topLvl">
+          <ac:chgData name="u3576731@connect.hku.hk" userId="0de5b9f1-4841-4bf4-9210-fdfbf365d198" providerId="ADAL" clId="{BEDA62F9-763E-456B-98CE-CD629F8B60B5}" dt="2023-03-11T10:39:24.350" v="4049" actId="164"/>
+          <ac:spMkLst>
+            <pc:docMk/>
+            <pc:sldMk cId="4015023268" sldId="270"/>
+            <ac:spMk id="19" creationId="{48466296-3859-6CCA-F90A-2E517E415A50}"/>
+          </ac:spMkLst>
+        </pc:spChg>
+        <pc:spChg chg="add mod topLvl">
+          <ac:chgData name="u3576731@connect.hku.hk" userId="0de5b9f1-4841-4bf4-9210-fdfbf365d198" providerId="ADAL" clId="{BEDA62F9-763E-456B-98CE-CD629F8B60B5}" dt="2023-03-11T10:39:24.350" v="4049" actId="164"/>
+          <ac:spMkLst>
+            <pc:docMk/>
+            <pc:sldMk cId="4015023268" sldId="270"/>
+            <ac:spMk id="20" creationId="{855F5F1B-F6CD-5AEE-6515-F4529177D4F4}"/>
+          </ac:spMkLst>
+        </pc:spChg>
+        <pc:spChg chg="add mod topLvl">
+          <ac:chgData name="u3576731@connect.hku.hk" userId="0de5b9f1-4841-4bf4-9210-fdfbf365d198" providerId="ADAL" clId="{BEDA62F9-763E-456B-98CE-CD629F8B60B5}" dt="2023-03-11T10:39:24.350" v="4049" actId="164"/>
+          <ac:spMkLst>
+            <pc:docMk/>
+            <pc:sldMk cId="4015023268" sldId="270"/>
+            <ac:spMk id="21" creationId="{B9B6A386-3D60-C01F-E8BA-76B97F0B8D02}"/>
+          </ac:spMkLst>
+        </pc:spChg>
+        <pc:spChg chg="add mod topLvl">
+          <ac:chgData name="u3576731@connect.hku.hk" userId="0de5b9f1-4841-4bf4-9210-fdfbf365d198" providerId="ADAL" clId="{BEDA62F9-763E-456B-98CE-CD629F8B60B5}" dt="2023-03-11T10:39:24.350" v="4049" actId="164"/>
+          <ac:spMkLst>
+            <pc:docMk/>
+            <pc:sldMk cId="4015023268" sldId="270"/>
+            <ac:spMk id="22" creationId="{105818C5-1111-1FDF-00D1-4F42368C23E6}"/>
+          </ac:spMkLst>
+        </pc:spChg>
+        <pc:spChg chg="add mod">
+          <ac:chgData name="u3576731@connect.hku.hk" userId="0de5b9f1-4841-4bf4-9210-fdfbf365d198" providerId="ADAL" clId="{BEDA62F9-763E-456B-98CE-CD629F8B60B5}" dt="2023-03-11T10:40:48.794" v="4059" actId="164"/>
+          <ac:spMkLst>
+            <pc:docMk/>
+            <pc:sldMk cId="4015023268" sldId="270"/>
+            <ac:spMk id="25" creationId="{F3F388D1-6C89-01E5-AA52-BE748F1895BA}"/>
+          </ac:spMkLst>
+        </pc:spChg>
+        <pc:spChg chg="mod">
+          <ac:chgData name="u3576731@connect.hku.hk" userId="0de5b9f1-4841-4bf4-9210-fdfbf365d198" providerId="ADAL" clId="{BEDA62F9-763E-456B-98CE-CD629F8B60B5}" dt="2023-03-11T10:25:29.690" v="3842" actId="1076"/>
+          <ac:spMkLst>
+            <pc:docMk/>
+            <pc:sldMk cId="4015023268" sldId="270"/>
+            <ac:spMk id="29" creationId="{F0AB0BB5-0955-9F68-00CE-5E4C8264057A}"/>
+          </ac:spMkLst>
+        </pc:spChg>
+        <pc:spChg chg="mod">
+          <ac:chgData name="u3576731@connect.hku.hk" userId="0de5b9f1-4841-4bf4-9210-fdfbf365d198" providerId="ADAL" clId="{BEDA62F9-763E-456B-98CE-CD629F8B60B5}" dt="2023-03-11T10:27:15.816" v="3878" actId="1076"/>
+          <ac:spMkLst>
+            <pc:docMk/>
+            <pc:sldMk cId="4015023268" sldId="270"/>
+            <ac:spMk id="30" creationId="{5596D9FD-5B19-A277-6DFB-BB7F2237C8B4}"/>
+          </ac:spMkLst>
+        </pc:spChg>
+        <pc:spChg chg="add mod">
+          <ac:chgData name="u3576731@connect.hku.hk" userId="0de5b9f1-4841-4bf4-9210-fdfbf365d198" providerId="ADAL" clId="{BEDA62F9-763E-456B-98CE-CD629F8B60B5}" dt="2023-03-11T10:43:41.572" v="4075" actId="164"/>
+          <ac:spMkLst>
+            <pc:docMk/>
+            <pc:sldMk cId="4015023268" sldId="270"/>
+            <ac:spMk id="31" creationId="{1EA223B9-AEC8-B456-48E2-6BBE6D1F497A}"/>
+          </ac:spMkLst>
+        </pc:spChg>
+        <pc:spChg chg="add mod">
+          <ac:chgData name="u3576731@connect.hku.hk" userId="0de5b9f1-4841-4bf4-9210-fdfbf365d198" providerId="ADAL" clId="{BEDA62F9-763E-456B-98CE-CD629F8B60B5}" dt="2023-03-11T10:43:52.863" v="4076" actId="164"/>
+          <ac:spMkLst>
+            <pc:docMk/>
+            <pc:sldMk cId="4015023268" sldId="270"/>
+            <ac:spMk id="32" creationId="{51BD7C98-CAD2-D046-02EB-ACFFDAC9ED23}"/>
+          </ac:spMkLst>
+        </pc:spChg>
+        <pc:spChg chg="add mod">
+          <ac:chgData name="u3576731@connect.hku.hk" userId="0de5b9f1-4841-4bf4-9210-fdfbf365d198" providerId="ADAL" clId="{BEDA62F9-763E-456B-98CE-CD629F8B60B5}" dt="2023-03-11T10:43:52.863" v="4076" actId="164"/>
+          <ac:spMkLst>
+            <pc:docMk/>
+            <pc:sldMk cId="4015023268" sldId="270"/>
+            <ac:spMk id="33" creationId="{8FD7AAAF-DA2D-E9E1-8728-4D23DC2316C4}"/>
+          </ac:spMkLst>
+        </pc:spChg>
+        <pc:spChg chg="add mod">
+          <ac:chgData name="u3576731@connect.hku.hk" userId="0de5b9f1-4841-4bf4-9210-fdfbf365d198" providerId="ADAL" clId="{BEDA62F9-763E-456B-98CE-CD629F8B60B5}" dt="2023-03-11T10:43:52.863" v="4076" actId="164"/>
+          <ac:spMkLst>
+            <pc:docMk/>
+            <pc:sldMk cId="4015023268" sldId="270"/>
+            <ac:spMk id="34" creationId="{DE9BF1BF-20DE-BD6D-3E71-DE9F7EA0DD03}"/>
+          </ac:spMkLst>
+        </pc:spChg>
+        <pc:spChg chg="add mod">
+          <ac:chgData name="u3576731@connect.hku.hk" userId="0de5b9f1-4841-4bf4-9210-fdfbf365d198" providerId="ADAL" clId="{BEDA62F9-763E-456B-98CE-CD629F8B60B5}" dt="2023-03-11T10:43:52.863" v="4076" actId="164"/>
+          <ac:spMkLst>
+            <pc:docMk/>
+            <pc:sldMk cId="4015023268" sldId="270"/>
+            <ac:spMk id="35" creationId="{CEA36402-D2AB-FF89-301A-328D62351D36}"/>
+          </ac:spMkLst>
+        </pc:spChg>
+        <pc:grpChg chg="add del mod">
+          <ac:chgData name="u3576731@connect.hku.hk" userId="0de5b9f1-4841-4bf4-9210-fdfbf365d198" providerId="ADAL" clId="{BEDA62F9-763E-456B-98CE-CD629F8B60B5}" dt="2023-03-11T10:19:53.053" v="3774" actId="165"/>
+          <ac:grpSpMkLst>
+            <pc:docMk/>
+            <pc:sldMk cId="4015023268" sldId="270"/>
+            <ac:grpSpMk id="23" creationId="{50EF05C5-B0E3-170C-AA5E-615DD91C77B1}"/>
+          </ac:grpSpMkLst>
+        </pc:grpChg>
+        <pc:grpChg chg="add del mod">
+          <ac:chgData name="u3576731@connect.hku.hk" userId="0de5b9f1-4841-4bf4-9210-fdfbf365d198" providerId="ADAL" clId="{BEDA62F9-763E-456B-98CE-CD629F8B60B5}" dt="2023-03-11T10:24:36.122" v="3804" actId="165"/>
+          <ac:grpSpMkLst>
+            <pc:docMk/>
+            <pc:sldMk cId="4015023268" sldId="270"/>
+            <ac:grpSpMk id="24" creationId="{6BADF588-FAC4-7BDB-0A98-67B704C62EDA}"/>
+          </ac:grpSpMkLst>
+        </pc:grpChg>
+        <pc:grpChg chg="add mod topLvl">
+          <ac:chgData name="u3576731@connect.hku.hk" userId="0de5b9f1-4841-4bf4-9210-fdfbf365d198" providerId="ADAL" clId="{BEDA62F9-763E-456B-98CE-CD629F8B60B5}" dt="2023-03-11T10:42:27.033" v="4068" actId="164"/>
+          <ac:grpSpMkLst>
+            <pc:docMk/>
+            <pc:sldMk cId="4015023268" sldId="270"/>
+            <ac:grpSpMk id="27" creationId="{F8554D0F-1DCB-FCDC-FECB-5FAF60851CD0}"/>
+          </ac:grpSpMkLst>
+        </pc:grpChg>
+        <pc:grpChg chg="add mod">
+          <ac:chgData name="u3576731@connect.hku.hk" userId="0de5b9f1-4841-4bf4-9210-fdfbf365d198" providerId="ADAL" clId="{BEDA62F9-763E-456B-98CE-CD629F8B60B5}" dt="2023-03-11T10:43:41.572" v="4075" actId="164"/>
+          <ac:grpSpMkLst>
+            <pc:docMk/>
+            <pc:sldMk cId="4015023268" sldId="270"/>
+            <ac:grpSpMk id="28" creationId="{EA995675-DF1B-B167-7AE6-195F438235DE}"/>
+          </ac:grpSpMkLst>
+        </pc:grpChg>
+        <pc:grpChg chg="add mod">
+          <ac:chgData name="u3576731@connect.hku.hk" userId="0de5b9f1-4841-4bf4-9210-fdfbf365d198" providerId="ADAL" clId="{BEDA62F9-763E-456B-98CE-CD629F8B60B5}" dt="2023-03-11T10:42:32.415" v="4069" actId="164"/>
+          <ac:grpSpMkLst>
+            <pc:docMk/>
+            <pc:sldMk cId="4015023268" sldId="270"/>
+            <ac:grpSpMk id="36" creationId="{709ACBE7-ED3E-B136-EA9C-2BAF9146A990}"/>
+          </ac:grpSpMkLst>
+        </pc:grpChg>
+        <pc:grpChg chg="add mod">
+          <ac:chgData name="u3576731@connect.hku.hk" userId="0de5b9f1-4841-4bf4-9210-fdfbf365d198" providerId="ADAL" clId="{BEDA62F9-763E-456B-98CE-CD629F8B60B5}" dt="2023-03-11T10:42:27.033" v="4068" actId="164"/>
+          <ac:grpSpMkLst>
+            <pc:docMk/>
+            <pc:sldMk cId="4015023268" sldId="270"/>
+            <ac:grpSpMk id="37" creationId="{1E67D983-7790-A782-DAF7-F1A2A8A1D678}"/>
+          </ac:grpSpMkLst>
+        </pc:grpChg>
+        <pc:grpChg chg="add del mod">
+          <ac:chgData name="u3576731@connect.hku.hk" userId="0de5b9f1-4841-4bf4-9210-fdfbf365d198" providerId="ADAL" clId="{BEDA62F9-763E-456B-98CE-CD629F8B60B5}" dt="2023-03-11T10:42:18.628" v="4067" actId="165"/>
+          <ac:grpSpMkLst>
+            <pc:docMk/>
+            <pc:sldMk cId="4015023268" sldId="270"/>
+            <ac:grpSpMk id="38" creationId="{BC1A18CD-7DFB-8846-6762-991514920779}"/>
+          </ac:grpSpMkLst>
+        </pc:grpChg>
+        <pc:grpChg chg="add mod">
+          <ac:chgData name="u3576731@connect.hku.hk" userId="0de5b9f1-4841-4bf4-9210-fdfbf365d198" providerId="ADAL" clId="{BEDA62F9-763E-456B-98CE-CD629F8B60B5}" dt="2023-03-11T10:42:27.033" v="4068" actId="164"/>
+          <ac:grpSpMkLst>
+            <pc:docMk/>
+            <pc:sldMk cId="4015023268" sldId="270"/>
+            <ac:grpSpMk id="39" creationId="{2330600F-1532-784D-052C-0DAE3E15A947}"/>
+          </ac:grpSpMkLst>
+        </pc:grpChg>
+        <pc:grpChg chg="add mod">
+          <ac:chgData name="u3576731@connect.hku.hk" userId="0de5b9f1-4841-4bf4-9210-fdfbf365d198" providerId="ADAL" clId="{BEDA62F9-763E-456B-98CE-CD629F8B60B5}" dt="2023-03-11T10:42:32.415" v="4069" actId="164"/>
+          <ac:grpSpMkLst>
+            <pc:docMk/>
+            <pc:sldMk cId="4015023268" sldId="270"/>
+            <ac:grpSpMk id="40" creationId="{1C110D02-39D3-AF9C-4B3F-54366A25DCBD}"/>
+          </ac:grpSpMkLst>
+        </pc:grpChg>
+        <pc:grpChg chg="add mod">
+          <ac:chgData name="u3576731@connect.hku.hk" userId="0de5b9f1-4841-4bf4-9210-fdfbf365d198" providerId="ADAL" clId="{BEDA62F9-763E-456B-98CE-CD629F8B60B5}" dt="2023-03-11T10:43:41.572" v="4075" actId="164"/>
+          <ac:grpSpMkLst>
+            <pc:docMk/>
+            <pc:sldMk cId="4015023268" sldId="270"/>
+            <ac:grpSpMk id="41" creationId="{45007148-5678-0363-2157-28326DBCB92A}"/>
+          </ac:grpSpMkLst>
+        </pc:grpChg>
+        <pc:grpChg chg="add mod">
+          <ac:chgData name="u3576731@connect.hku.hk" userId="0de5b9f1-4841-4bf4-9210-fdfbf365d198" providerId="ADAL" clId="{BEDA62F9-763E-456B-98CE-CD629F8B60B5}" dt="2023-03-11T10:43:52.863" v="4076" actId="164"/>
+          <ac:grpSpMkLst>
+            <pc:docMk/>
+            <pc:sldMk cId="4015023268" sldId="270"/>
+            <ac:grpSpMk id="42" creationId="{0F87BBCE-E20D-BB17-9D22-5E0F8113D5FD}"/>
+          </ac:grpSpMkLst>
+        </pc:grpChg>
+        <pc:picChg chg="add mod ord modCrop">
+          <ac:chgData name="u3576731@connect.hku.hk" userId="0de5b9f1-4841-4bf4-9210-fdfbf365d198" providerId="ADAL" clId="{BEDA62F9-763E-456B-98CE-CD629F8B60B5}" dt="2023-03-11T10:37:39.475" v="4030" actId="1076"/>
+          <ac:picMkLst>
+            <pc:docMk/>
+            <pc:sldMk cId="4015023268" sldId="270"/>
+            <ac:picMk id="6" creationId="{B176959D-102C-4E79-6FDE-EA63257D4D35}"/>
+          </ac:picMkLst>
+        </pc:picChg>
+        <pc:picChg chg="add del mod modCrop">
+          <ac:chgData name="u3576731@connect.hku.hk" userId="0de5b9f1-4841-4bf4-9210-fdfbf365d198" providerId="ADAL" clId="{BEDA62F9-763E-456B-98CE-CD629F8B60B5}" dt="2023-03-11T09:25:25.960" v="2115" actId="478"/>
+          <ac:picMkLst>
+            <pc:docMk/>
+            <pc:sldMk cId="4015023268" sldId="270"/>
+            <ac:picMk id="7" creationId="{5B9FC8BA-961A-BF50-0190-ED3A2EDE6A8A}"/>
+          </ac:picMkLst>
+        </pc:picChg>
+        <pc:picChg chg="add mod ord">
+          <ac:chgData name="u3576731@connect.hku.hk" userId="0de5b9f1-4841-4bf4-9210-fdfbf365d198" providerId="ADAL" clId="{BEDA62F9-763E-456B-98CE-CD629F8B60B5}" dt="2023-03-11T10:23:09.228" v="3800" actId="171"/>
+          <ac:picMkLst>
+            <pc:docMk/>
+            <pc:sldMk cId="4015023268" sldId="270"/>
+            <ac:picMk id="26" creationId="{F4E811F4-5954-45A1-7870-67CF75F9E1D1}"/>
+          </ac:picMkLst>
+        </pc:picChg>
+      </pc:sldChg>
+      <pc:sldChg chg="addSp delSp modSp mod ord addAnim delAnim modAnim">
+        <pc:chgData name="u3576731@connect.hku.hk" userId="0de5b9f1-4841-4bf4-9210-fdfbf365d198" providerId="ADAL" clId="{BEDA62F9-763E-456B-98CE-CD629F8B60B5}" dt="2023-03-11T15:46:00.995" v="5066"/>
+        <pc:sldMkLst>
+          <pc:docMk/>
+          <pc:sldMk cId="2674250743" sldId="271"/>
+        </pc:sldMkLst>
+        <pc:spChg chg="del">
+          <ac:chgData name="u3576731@connect.hku.hk" userId="0de5b9f1-4841-4bf4-9210-fdfbf365d198" providerId="ADAL" clId="{BEDA62F9-763E-456B-98CE-CD629F8B60B5}" dt="2023-03-11T09:27:45.716" v="2138" actId="478"/>
+          <ac:spMkLst>
+            <pc:docMk/>
+            <pc:sldMk cId="2674250743" sldId="271"/>
+            <ac:spMk id="3" creationId="{B6C157C3-CCB7-2CCB-8B5B-67137A4A96EC}"/>
+          </ac:spMkLst>
+        </pc:spChg>
+        <pc:spChg chg="add mod">
+          <ac:chgData name="u3576731@connect.hku.hk" userId="0de5b9f1-4841-4bf4-9210-fdfbf365d198" providerId="ADAL" clId="{BEDA62F9-763E-456B-98CE-CD629F8B60B5}" dt="2023-03-11T15:08:23.002" v="4805" actId="164"/>
+          <ac:spMkLst>
+            <pc:docMk/>
+            <pc:sldMk cId="2674250743" sldId="271"/>
+            <ac:spMk id="22" creationId="{4D7C461B-3069-F78C-4E67-4EB50A5D7D96}"/>
+          </ac:spMkLst>
+        </pc:spChg>
+        <pc:grpChg chg="add mod">
+          <ac:chgData name="u3576731@connect.hku.hk" userId="0de5b9f1-4841-4bf4-9210-fdfbf365d198" providerId="ADAL" clId="{BEDA62F9-763E-456B-98CE-CD629F8B60B5}" dt="2023-03-11T15:08:23.002" v="4805" actId="164"/>
+          <ac:grpSpMkLst>
+            <pc:docMk/>
+            <pc:sldMk cId="2674250743" sldId="271"/>
+            <ac:grpSpMk id="34" creationId="{573E2112-6668-B43C-6382-660595A7D8F6}"/>
+          </ac:grpSpMkLst>
+        </pc:grpChg>
+        <pc:picChg chg="add del mod modCrop">
+          <ac:chgData name="u3576731@connect.hku.hk" userId="0de5b9f1-4841-4bf4-9210-fdfbf365d198" providerId="ADAL" clId="{BEDA62F9-763E-456B-98CE-CD629F8B60B5}" dt="2023-03-11T10:46:48.616" v="4082" actId="478"/>
+          <ac:picMkLst>
+            <pc:docMk/>
+            <pc:sldMk cId="2674250743" sldId="271"/>
+            <ac:picMk id="4" creationId="{CBB118C9-F2F7-7938-7A78-CBF3F637A500}"/>
+          </ac:picMkLst>
+        </pc:picChg>
+        <pc:picChg chg="add del mod modCrop">
+          <ac:chgData name="u3576731@connect.hku.hk" userId="0de5b9f1-4841-4bf4-9210-fdfbf365d198" providerId="ADAL" clId="{BEDA62F9-763E-456B-98CE-CD629F8B60B5}" dt="2023-03-11T11:24:59.273" v="4172" actId="478"/>
+          <ac:picMkLst>
+            <pc:docMk/>
+            <pc:sldMk cId="2674250743" sldId="271"/>
+            <ac:picMk id="7" creationId="{A398A98A-FC86-7659-21B1-DA6B9C6C4216}"/>
+          </ac:picMkLst>
+        </pc:picChg>
+        <pc:picChg chg="add mod modCrop">
+          <ac:chgData name="u3576731@connect.hku.hk" userId="0de5b9f1-4841-4bf4-9210-fdfbf365d198" providerId="ADAL" clId="{BEDA62F9-763E-456B-98CE-CD629F8B60B5}" dt="2023-03-11T11:27:20.271" v="4192" actId="1076"/>
+          <ac:picMkLst>
+            <pc:docMk/>
+            <pc:sldMk cId="2674250743" sldId="271"/>
+            <ac:picMk id="9" creationId="{5076B4FF-DB2C-EE51-2978-9B8678D1E2FA}"/>
+          </ac:picMkLst>
+        </pc:picChg>
+        <pc:picChg chg="add mod ord modCrop">
+          <ac:chgData name="u3576731@connect.hku.hk" userId="0de5b9f1-4841-4bf4-9210-fdfbf365d198" providerId="ADAL" clId="{BEDA62F9-763E-456B-98CE-CD629F8B60B5}" dt="2023-03-11T14:18:28.687" v="4368" actId="171"/>
+          <ac:picMkLst>
+            <pc:docMk/>
+            <pc:sldMk cId="2674250743" sldId="271"/>
+            <ac:picMk id="10" creationId="{F58403D4-D427-ABD4-2A83-136BA4F8CFC0}"/>
+          </ac:picMkLst>
+        </pc:picChg>
+        <pc:picChg chg="add del mod modCrop">
+          <ac:chgData name="u3576731@connect.hku.hk" userId="0de5b9f1-4841-4bf4-9210-fdfbf365d198" providerId="ADAL" clId="{BEDA62F9-763E-456B-98CE-CD629F8B60B5}" dt="2023-03-11T11:39:18.128" v="4215" actId="478"/>
+          <ac:picMkLst>
+            <pc:docMk/>
+            <pc:sldMk cId="2674250743" sldId="271"/>
+            <ac:picMk id="11" creationId="{57219205-6FFA-D6C9-294A-9085413AB59A}"/>
+          </ac:picMkLst>
+        </pc:picChg>
+        <pc:picChg chg="add del mod modCrop">
+          <ac:chgData name="u3576731@connect.hku.hk" userId="0de5b9f1-4841-4bf4-9210-fdfbf365d198" providerId="ADAL" clId="{BEDA62F9-763E-456B-98CE-CD629F8B60B5}" dt="2023-03-11T14:49:21.150" v="4563" actId="1076"/>
+          <ac:picMkLst>
+            <pc:docMk/>
+            <pc:sldMk cId="2674250743" sldId="271"/>
+            <ac:picMk id="13" creationId="{70B72D9D-C585-F7C0-9A8A-0F472B592A91}"/>
+          </ac:picMkLst>
+        </pc:picChg>
+        <pc:picChg chg="add del mod">
+          <ac:chgData name="u3576731@connect.hku.hk" userId="0de5b9f1-4841-4bf4-9210-fdfbf365d198" providerId="ADAL" clId="{BEDA62F9-763E-456B-98CE-CD629F8B60B5}" dt="2023-03-11T14:25:25.777" v="4384" actId="478"/>
+          <ac:picMkLst>
+            <pc:docMk/>
+            <pc:sldMk cId="2674250743" sldId="271"/>
+            <ac:picMk id="15" creationId="{F4941FF3-0DE6-43AA-F299-443F68E5E501}"/>
+          </ac:picMkLst>
+        </pc:picChg>
+        <pc:picChg chg="add mod ord modCrop">
+          <ac:chgData name="u3576731@connect.hku.hk" userId="0de5b9f1-4841-4bf4-9210-fdfbf365d198" providerId="ADAL" clId="{BEDA62F9-763E-456B-98CE-CD629F8B60B5}" dt="2023-03-11T14:43:00.767" v="4528" actId="171"/>
+          <ac:picMkLst>
+            <pc:docMk/>
+            <pc:sldMk cId="2674250743" sldId="271"/>
+            <ac:picMk id="17" creationId="{81ACB6BE-A608-DA0C-8135-FFEA56211FCB}"/>
+          </ac:picMkLst>
+        </pc:picChg>
+        <pc:picChg chg="add mod ord modCrop">
+          <ac:chgData name="u3576731@connect.hku.hk" userId="0de5b9f1-4841-4bf4-9210-fdfbf365d198" providerId="ADAL" clId="{BEDA62F9-763E-456B-98CE-CD629F8B60B5}" dt="2023-03-11T14:43:07.452" v="4529" actId="171"/>
+          <ac:picMkLst>
+            <pc:docMk/>
+            <pc:sldMk cId="2674250743" sldId="271"/>
+            <ac:picMk id="19" creationId="{56720341-639E-BB4F-D71B-4E1858A68C36}"/>
+          </ac:picMkLst>
+        </pc:picChg>
+        <pc:picChg chg="add mod modCrop">
+          <ac:chgData name="u3576731@connect.hku.hk" userId="0de5b9f1-4841-4bf4-9210-fdfbf365d198" providerId="ADAL" clId="{BEDA62F9-763E-456B-98CE-CD629F8B60B5}" dt="2023-03-11T14:49:34.728" v="4565" actId="1076"/>
+          <ac:picMkLst>
+            <pc:docMk/>
+            <pc:sldMk cId="2674250743" sldId="271"/>
+            <ac:picMk id="21" creationId="{7199D10A-1D07-4F0D-EAE9-901480DF5A4F}"/>
+          </ac:picMkLst>
+        </pc:picChg>
+        <pc:cxnChg chg="add del mod">
+          <ac:chgData name="u3576731@connect.hku.hk" userId="0de5b9f1-4841-4bf4-9210-fdfbf365d198" providerId="ADAL" clId="{BEDA62F9-763E-456B-98CE-CD629F8B60B5}" dt="2023-03-11T15:06:08.374" v="4786" actId="478"/>
+          <ac:cxnSpMkLst>
+            <pc:docMk/>
+            <pc:sldMk cId="2674250743" sldId="271"/>
+            <ac:cxnSpMk id="24" creationId="{A05284BB-94A0-D377-22A4-F3490595D3DD}"/>
+          </ac:cxnSpMkLst>
+        </pc:cxnChg>
+        <pc:cxnChg chg="add mod">
+          <ac:chgData name="u3576731@connect.hku.hk" userId="0de5b9f1-4841-4bf4-9210-fdfbf365d198" providerId="ADAL" clId="{BEDA62F9-763E-456B-98CE-CD629F8B60B5}" dt="2023-03-11T15:08:23.002" v="4805" actId="164"/>
+          <ac:cxnSpMkLst>
+            <pc:docMk/>
+            <pc:sldMk cId="2674250743" sldId="271"/>
+            <ac:cxnSpMk id="29" creationId="{8AA62797-6E24-3782-B444-933BCF26BBF7}"/>
+          </ac:cxnSpMkLst>
+        </pc:cxnChg>
+        <pc:cxnChg chg="add mod">
+          <ac:chgData name="u3576731@connect.hku.hk" userId="0de5b9f1-4841-4bf4-9210-fdfbf365d198" providerId="ADAL" clId="{BEDA62F9-763E-456B-98CE-CD629F8B60B5}" dt="2023-03-11T15:07:59.030" v="4804" actId="1076"/>
+          <ac:cxnSpMkLst>
+            <pc:docMk/>
+            <pc:sldMk cId="2674250743" sldId="271"/>
+            <ac:cxnSpMk id="33" creationId="{1258D1A0-5ABA-E731-5C02-1276C5A76145}"/>
+          </ac:cxnSpMkLst>
+        </pc:cxnChg>
+      </pc:sldChg>
+      <pc:sldChg chg="addSp delSp modSp add mod delAnim modAnim">
+        <pc:chgData name="u3576731@connect.hku.hk" userId="0de5b9f1-4841-4bf4-9210-fdfbf365d198" providerId="ADAL" clId="{BEDA62F9-763E-456B-98CE-CD629F8B60B5}" dt="2023-03-13T14:10:33.182" v="5692" actId="20577"/>
+        <pc:sldMkLst>
+          <pc:docMk/>
+          <pc:sldMk cId="2759843426" sldId="272"/>
+        </pc:sldMkLst>
+        <pc:spChg chg="mod">
+          <ac:chgData name="u3576731@connect.hku.hk" userId="0de5b9f1-4841-4bf4-9210-fdfbf365d198" providerId="ADAL" clId="{BEDA62F9-763E-456B-98CE-CD629F8B60B5}" dt="2023-03-13T14:10:33.182" v="5692" actId="20577"/>
+          <ac:spMkLst>
+            <pc:docMk/>
+            <pc:sldMk cId="2759843426" sldId="272"/>
+            <ac:spMk id="2" creationId="{11E1370A-20E2-1B1D-09CA-88E4572C6CDE}"/>
+          </ac:spMkLst>
+        </pc:spChg>
+        <pc:spChg chg="mod topLvl">
+          <ac:chgData name="u3576731@connect.hku.hk" userId="0de5b9f1-4841-4bf4-9210-fdfbf365d198" providerId="ADAL" clId="{BEDA62F9-763E-456B-98CE-CD629F8B60B5}" dt="2023-03-11T10:49:17.630" v="4100" actId="164"/>
+          <ac:spMkLst>
+            <pc:docMk/>
+            <pc:sldMk cId="2759843426" sldId="272"/>
+            <ac:spMk id="8" creationId="{7956A64E-51DD-4EFE-6477-8C4EDAFF8D70}"/>
+          </ac:spMkLst>
+        </pc:spChg>
+        <pc:spChg chg="del mod topLvl">
+          <ac:chgData name="u3576731@connect.hku.hk" userId="0de5b9f1-4841-4bf4-9210-fdfbf365d198" providerId="ADAL" clId="{BEDA62F9-763E-456B-98CE-CD629F8B60B5}" dt="2023-03-11T10:48:59.352" v="4099" actId="478"/>
+          <ac:spMkLst>
+            <pc:docMk/>
+            <pc:sldMk cId="2759843426" sldId="272"/>
+            <ac:spMk id="9" creationId="{635D1AFB-8922-2D2D-E17D-15823FC3D2E5}"/>
+          </ac:spMkLst>
+        </pc:spChg>
+        <pc:spChg chg="mod topLvl">
+          <ac:chgData name="u3576731@connect.hku.hk" userId="0de5b9f1-4841-4bf4-9210-fdfbf365d198" providerId="ADAL" clId="{BEDA62F9-763E-456B-98CE-CD629F8B60B5}" dt="2023-03-11T10:49:17.630" v="4100" actId="164"/>
+          <ac:spMkLst>
+            <pc:docMk/>
+            <pc:sldMk cId="2759843426" sldId="272"/>
+            <ac:spMk id="10" creationId="{035A478A-B38E-6D8B-9243-122EE6F79A4C}"/>
+          </ac:spMkLst>
+        </pc:spChg>
+        <pc:spChg chg="mod topLvl">
+          <ac:chgData name="u3576731@connect.hku.hk" userId="0de5b9f1-4841-4bf4-9210-fdfbf365d198" providerId="ADAL" clId="{BEDA62F9-763E-456B-98CE-CD629F8B60B5}" dt="2023-03-11T10:49:17.630" v="4100" actId="164"/>
+          <ac:spMkLst>
+            <pc:docMk/>
+            <pc:sldMk cId="2759843426" sldId="272"/>
+            <ac:spMk id="11" creationId="{0115A6DF-C613-B0D0-82B6-A18533DD8C45}"/>
+          </ac:spMkLst>
+        </pc:spChg>
+        <pc:spChg chg="del mod topLvl">
+          <ac:chgData name="u3576731@connect.hku.hk" userId="0de5b9f1-4841-4bf4-9210-fdfbf365d198" providerId="ADAL" clId="{BEDA62F9-763E-456B-98CE-CD629F8B60B5}" dt="2023-03-11T10:48:30.610" v="4088" actId="478"/>
+          <ac:spMkLst>
+            <pc:docMk/>
+            <pc:sldMk cId="2759843426" sldId="272"/>
+            <ac:spMk id="13" creationId="{52C31733-955D-2E6F-9A7F-B1824975F6D7}"/>
+          </ac:spMkLst>
+        </pc:spChg>
+        <pc:spChg chg="add del mod topLvl">
+          <ac:chgData name="u3576731@connect.hku.hk" userId="0de5b9f1-4841-4bf4-9210-fdfbf365d198" providerId="ADAL" clId="{BEDA62F9-763E-456B-98CE-CD629F8B60B5}" dt="2023-03-11T10:48:39.856" v="4093" actId="478"/>
+          <ac:spMkLst>
+            <pc:docMk/>
+            <pc:sldMk cId="2759843426" sldId="272"/>
+            <ac:spMk id="15" creationId="{4946F550-B30C-2310-59F0-981375083427}"/>
+          </ac:spMkLst>
+        </pc:spChg>
+        <pc:spChg chg="add del mod topLvl">
+          <ac:chgData name="u3576731@connect.hku.hk" userId="0de5b9f1-4841-4bf4-9210-fdfbf365d198" providerId="ADAL" clId="{BEDA62F9-763E-456B-98CE-CD629F8B60B5}" dt="2023-03-11T10:48:38.694" v="4092" actId="478"/>
+          <ac:spMkLst>
+            <pc:docMk/>
+            <pc:sldMk cId="2759843426" sldId="272"/>
+            <ac:spMk id="16" creationId="{8E4BFA9A-8E78-68AE-31BF-25C2E71844E0}"/>
+          </ac:spMkLst>
+        </pc:spChg>
+        <pc:spChg chg="add del mod topLvl">
+          <ac:chgData name="u3576731@connect.hku.hk" userId="0de5b9f1-4841-4bf4-9210-fdfbf365d198" providerId="ADAL" clId="{BEDA62F9-763E-456B-98CE-CD629F8B60B5}" dt="2023-03-11T10:49:17.630" v="4100" actId="164"/>
+          <ac:spMkLst>
+            <pc:docMk/>
+            <pc:sldMk cId="2759843426" sldId="272"/>
+            <ac:spMk id="17" creationId="{5CD9CA43-BE03-6EB6-D683-BE0D0AC68018}"/>
+          </ac:spMkLst>
+        </pc:spChg>
+        <pc:spChg chg="add del mod topLvl">
+          <ac:chgData name="u3576731@connect.hku.hk" userId="0de5b9f1-4841-4bf4-9210-fdfbf365d198" providerId="ADAL" clId="{BEDA62F9-763E-456B-98CE-CD629F8B60B5}" dt="2023-03-11T10:49:17.630" v="4100" actId="164"/>
+          <ac:spMkLst>
+            <pc:docMk/>
+            <pc:sldMk cId="2759843426" sldId="272"/>
+            <ac:spMk id="18" creationId="{C93546E1-421A-FBE2-7848-8097C4B269CF}"/>
+          </ac:spMkLst>
+        </pc:spChg>
+        <pc:spChg chg="add del mod ord">
+          <ac:chgData name="u3576731@connect.hku.hk" userId="0de5b9f1-4841-4bf4-9210-fdfbf365d198" providerId="ADAL" clId="{BEDA62F9-763E-456B-98CE-CD629F8B60B5}" dt="2023-03-11T14:14:43.942" v="4339" actId="478"/>
+          <ac:spMkLst>
+            <pc:docMk/>
+            <pc:sldMk cId="2759843426" sldId="272"/>
+            <ac:spMk id="29" creationId="{1371E5F2-21B6-98CE-C3A0-AF85329CAA75}"/>
+          </ac:spMkLst>
+        </pc:spChg>
+        <pc:spChg chg="add mod">
+          <ac:chgData name="u3576731@connect.hku.hk" userId="0de5b9f1-4841-4bf4-9210-fdfbf365d198" providerId="ADAL" clId="{BEDA62F9-763E-456B-98CE-CD629F8B60B5}" dt="2023-03-11T16:01:30.292" v="5162" actId="164"/>
+          <ac:spMkLst>
+            <pc:docMk/>
+            <pc:sldMk cId="2759843426" sldId="272"/>
+            <ac:spMk id="31" creationId="{00398BEA-9621-9FFB-EC22-8A38DE56E2FE}"/>
+          </ac:spMkLst>
+        </pc:spChg>
+        <pc:grpChg chg="add del mod">
+          <ac:chgData name="u3576731@connect.hku.hk" userId="0de5b9f1-4841-4bf4-9210-fdfbf365d198" providerId="ADAL" clId="{BEDA62F9-763E-456B-98CE-CD629F8B60B5}" dt="2023-03-11T10:48:56.937" v="4098" actId="165"/>
+          <ac:grpSpMkLst>
+            <pc:docMk/>
+            <pc:sldMk cId="2759843426" sldId="272"/>
+            <ac:grpSpMk id="7" creationId="{5A07CDE1-8824-B2CF-D9D1-DC9E4CB439B5}"/>
+          </ac:grpSpMkLst>
+        </pc:grpChg>
+        <pc:grpChg chg="add del mod">
+          <ac:chgData name="u3576731@connect.hku.hk" userId="0de5b9f1-4841-4bf4-9210-fdfbf365d198" providerId="ADAL" clId="{BEDA62F9-763E-456B-98CE-CD629F8B60B5}" dt="2023-03-11T10:48:26.218" v="4087" actId="165"/>
+          <ac:grpSpMkLst>
+            <pc:docMk/>
+            <pc:sldMk cId="2759843426" sldId="272"/>
+            <ac:grpSpMk id="12" creationId="{B3D62BCB-236C-3D3B-C79E-39A9133B244A}"/>
+          </ac:grpSpMkLst>
+        </pc:grpChg>
+        <pc:grpChg chg="del mod topLvl">
+          <ac:chgData name="u3576731@connect.hku.hk" userId="0de5b9f1-4841-4bf4-9210-fdfbf365d198" providerId="ADAL" clId="{BEDA62F9-763E-456B-98CE-CD629F8B60B5}" dt="2023-03-11T10:48:33.290" v="4089" actId="165"/>
+          <ac:grpSpMkLst>
+            <pc:docMk/>
+            <pc:sldMk cId="2759843426" sldId="272"/>
+            <ac:grpSpMk id="14" creationId="{82771DF1-531A-A4CF-D723-101E543A12D9}"/>
+          </ac:grpSpMkLst>
+        </pc:grpChg>
+        <pc:grpChg chg="add del mod">
+          <ac:chgData name="u3576731@connect.hku.hk" userId="0de5b9f1-4841-4bf4-9210-fdfbf365d198" providerId="ADAL" clId="{BEDA62F9-763E-456B-98CE-CD629F8B60B5}" dt="2023-03-11T10:51:20.956" v="4102" actId="478"/>
+          <ac:grpSpMkLst>
+            <pc:docMk/>
+            <pc:sldMk cId="2759843426" sldId="272"/>
+            <ac:grpSpMk id="19" creationId="{30A58E29-BBD5-63E7-EB7F-D0B644CE6DCE}"/>
+          </ac:grpSpMkLst>
+        </pc:grpChg>
+        <pc:grpChg chg="add mod ord">
+          <ac:chgData name="u3576731@connect.hku.hk" userId="0de5b9f1-4841-4bf4-9210-fdfbf365d198" providerId="ADAL" clId="{BEDA62F9-763E-456B-98CE-CD629F8B60B5}" dt="2023-03-11T16:01:30.292" v="5162" actId="164"/>
+          <ac:grpSpMkLst>
+            <pc:docMk/>
+            <pc:sldMk cId="2759843426" sldId="272"/>
+            <ac:grpSpMk id="30" creationId="{C8F34954-2EC8-F07A-4931-024BBF23F50C}"/>
+          </ac:grpSpMkLst>
+        </pc:grpChg>
+        <pc:grpChg chg="add mod">
+          <ac:chgData name="u3576731@connect.hku.hk" userId="0de5b9f1-4841-4bf4-9210-fdfbf365d198" providerId="ADAL" clId="{BEDA62F9-763E-456B-98CE-CD629F8B60B5}" dt="2023-03-11T16:01:30.292" v="5162" actId="164"/>
+          <ac:grpSpMkLst>
+            <pc:docMk/>
+            <pc:sldMk cId="2759843426" sldId="272"/>
+            <ac:grpSpMk id="32" creationId="{73D083CE-D01A-15CF-4C91-683A83ECC730}"/>
+          </ac:grpSpMkLst>
+        </pc:grpChg>
+        <pc:picChg chg="del">
+          <ac:chgData name="u3576731@connect.hku.hk" userId="0de5b9f1-4841-4bf4-9210-fdfbf365d198" providerId="ADAL" clId="{BEDA62F9-763E-456B-98CE-CD629F8B60B5}" dt="2023-03-11T09:28:55.368" v="2144" actId="478"/>
+          <ac:picMkLst>
+            <pc:docMk/>
+            <pc:sldMk cId="2759843426" sldId="272"/>
+            <ac:picMk id="4" creationId="{CBB118C9-F2F7-7938-7A78-CBF3F637A500}"/>
+          </ac:picMkLst>
+        </pc:picChg>
+        <pc:picChg chg="add del mod modCrop">
+          <ac:chgData name="u3576731@connect.hku.hk" userId="0de5b9f1-4841-4bf4-9210-fdfbf365d198" providerId="ADAL" clId="{BEDA62F9-763E-456B-98CE-CD629F8B60B5}" dt="2023-03-11T10:51:48.738" v="4103" actId="478"/>
+          <ac:picMkLst>
+            <pc:docMk/>
+            <pc:sldMk cId="2759843426" sldId="272"/>
+            <ac:picMk id="6" creationId="{A8E8763D-1796-5B0A-FBA7-729CB6FBBDC6}"/>
+          </ac:picMkLst>
+        </pc:picChg>
+        <pc:picChg chg="add del mod modCrop">
+          <ac:chgData name="u3576731@connect.hku.hk" userId="0de5b9f1-4841-4bf4-9210-fdfbf365d198" providerId="ADAL" clId="{BEDA62F9-763E-456B-98CE-CD629F8B60B5}" dt="2023-03-11T11:10:04.346" v="4127" actId="478"/>
+          <ac:picMkLst>
+            <pc:docMk/>
+            <pc:sldMk cId="2759843426" sldId="272"/>
+            <ac:picMk id="21" creationId="{5DCE317D-6410-C645-D84C-778F95AE18CE}"/>
+          </ac:picMkLst>
+        </pc:picChg>
+        <pc:picChg chg="add del mod ord modCrop">
+          <ac:chgData name="u3576731@connect.hku.hk" userId="0de5b9f1-4841-4bf4-9210-fdfbf365d198" providerId="ADAL" clId="{BEDA62F9-763E-456B-98CE-CD629F8B60B5}" dt="2023-03-11T11:10:01.241" v="4126" actId="478"/>
+          <ac:picMkLst>
+            <pc:docMk/>
+            <pc:sldMk cId="2759843426" sldId="272"/>
+            <ac:picMk id="22" creationId="{DA10FB96-489A-EC4C-7D3C-9BC47F275611}"/>
+          </ac:picMkLst>
+        </pc:picChg>
+        <pc:picChg chg="add mod ord modCrop">
+          <ac:chgData name="u3576731@connect.hku.hk" userId="0de5b9f1-4841-4bf4-9210-fdfbf365d198" providerId="ADAL" clId="{BEDA62F9-763E-456B-98CE-CD629F8B60B5}" dt="2023-03-11T14:15:33.680" v="4349" actId="1076"/>
+          <ac:picMkLst>
+            <pc:docMk/>
+            <pc:sldMk cId="2759843426" sldId="272"/>
+            <ac:picMk id="24" creationId="{0872CF3F-6E2E-1E28-1876-4E5328548889}"/>
+          </ac:picMkLst>
+        </pc:picChg>
+        <pc:picChg chg="add mod ord modCrop">
+          <ac:chgData name="u3576731@connect.hku.hk" userId="0de5b9f1-4841-4bf4-9210-fdfbf365d198" providerId="ADAL" clId="{BEDA62F9-763E-456B-98CE-CD629F8B60B5}" dt="2023-03-11T11:13:02.156" v="4157" actId="171"/>
+          <ac:picMkLst>
+            <pc:docMk/>
+            <pc:sldMk cId="2759843426" sldId="272"/>
+            <ac:picMk id="25" creationId="{1FF10B89-F8A4-EDD3-7F19-9853AD461E0C}"/>
+          </ac:picMkLst>
+        </pc:picChg>
+        <pc:picChg chg="add mod modCrop">
+          <ac:chgData name="u3576731@connect.hku.hk" userId="0de5b9f1-4841-4bf4-9210-fdfbf365d198" providerId="ADAL" clId="{BEDA62F9-763E-456B-98CE-CD629F8B60B5}" dt="2023-03-11T14:14:22.115" v="4333" actId="164"/>
+          <ac:picMkLst>
+            <pc:docMk/>
+            <pc:sldMk cId="2759843426" sldId="272"/>
+            <ac:picMk id="27" creationId="{771B48B7-A124-816B-32F8-FABF1ABAF56E}"/>
+          </ac:picMkLst>
+        </pc:picChg>
+        <pc:picChg chg="add mod modCrop">
+          <ac:chgData name="u3576731@connect.hku.hk" userId="0de5b9f1-4841-4bf4-9210-fdfbf365d198" providerId="ADAL" clId="{BEDA62F9-763E-456B-98CE-CD629F8B60B5}" dt="2023-03-11T14:15:57.154" v="4351" actId="1076"/>
+          <ac:picMkLst>
+            <pc:docMk/>
+            <pc:sldMk cId="2759843426" sldId="272"/>
+            <ac:picMk id="28" creationId="{5674F6DE-CEFE-888D-0684-47DEF931AA46}"/>
+          </ac:picMkLst>
+        </pc:picChg>
+      </pc:sldChg>
+      <pc:sldChg chg="addSp delSp modSp add mod setBg addAnim delAnim modAnim">
+        <pc:chgData name="u3576731@connect.hku.hk" userId="0de5b9f1-4841-4bf4-9210-fdfbf365d198" providerId="ADAL" clId="{BEDA62F9-763E-456B-98CE-CD629F8B60B5}" dt="2023-03-13T14:10:47.094" v="5701" actId="20577"/>
+        <pc:sldMkLst>
+          <pc:docMk/>
+          <pc:sldMk cId="3054228238" sldId="273"/>
+        </pc:sldMkLst>
+        <pc:spChg chg="mod">
+          <ac:chgData name="u3576731@connect.hku.hk" userId="0de5b9f1-4841-4bf4-9210-fdfbf365d198" providerId="ADAL" clId="{BEDA62F9-763E-456B-98CE-CD629F8B60B5}" dt="2023-03-13T14:10:47.094" v="5701" actId="20577"/>
+          <ac:spMkLst>
+            <pc:docMk/>
+            <pc:sldMk cId="3054228238" sldId="273"/>
+            <ac:spMk id="2" creationId="{11E1370A-20E2-1B1D-09CA-88E4572C6CDE}"/>
+          </ac:spMkLst>
+        </pc:spChg>
+        <pc:spChg chg="add mod">
+          <ac:chgData name="u3576731@connect.hku.hk" userId="0de5b9f1-4841-4bf4-9210-fdfbf365d198" providerId="ADAL" clId="{BEDA62F9-763E-456B-98CE-CD629F8B60B5}" dt="2023-03-11T16:24:10.213" v="5470" actId="1076"/>
+          <ac:spMkLst>
+            <pc:docMk/>
+            <pc:sldMk cId="3054228238" sldId="273"/>
+            <ac:spMk id="10" creationId="{206DEF2A-C47B-4C53-2D9B-43F397ED6A7C}"/>
+          </ac:spMkLst>
+        </pc:spChg>
+        <pc:spChg chg="add del mod">
+          <ac:chgData name="u3576731@connect.hku.hk" userId="0de5b9f1-4841-4bf4-9210-fdfbf365d198" providerId="ADAL" clId="{BEDA62F9-763E-456B-98CE-CD629F8B60B5}" dt="2023-03-11T14:54:11.236" v="4615"/>
+          <ac:spMkLst>
+            <pc:docMk/>
+            <pc:sldMk cId="3054228238" sldId="273"/>
+            <ac:spMk id="11" creationId="{48F369F5-EB20-5926-B056-20CE67CF8DD3}"/>
+          </ac:spMkLst>
+        </pc:spChg>
+        <pc:spChg chg="add del mod">
+          <ac:chgData name="u3576731@connect.hku.hk" userId="0de5b9f1-4841-4bf4-9210-fdfbf365d198" providerId="ADAL" clId="{BEDA62F9-763E-456B-98CE-CD629F8B60B5}" dt="2023-03-11T14:54:10.552" v="4614"/>
+          <ac:spMkLst>
+            <pc:docMk/>
+            <pc:sldMk cId="3054228238" sldId="273"/>
+            <ac:spMk id="12" creationId="{5E110DDB-AB74-98BE-A2C3-505E1B6D1A0F}"/>
+          </ac:spMkLst>
+        </pc:spChg>
+        <pc:spChg chg="add del mod">
+          <ac:chgData name="u3576731@connect.hku.hk" userId="0de5b9f1-4841-4bf4-9210-fdfbf365d198" providerId="ADAL" clId="{BEDA62F9-763E-456B-98CE-CD629F8B60B5}" dt="2023-03-11T14:54:10.212" v="4613"/>
+          <ac:spMkLst>
+            <pc:docMk/>
+            <pc:sldMk cId="3054228238" sldId="273"/>
+            <ac:spMk id="13" creationId="{9AEA5079-52EA-FCD8-24A5-D3095084D572}"/>
+          </ac:spMkLst>
+        </pc:spChg>
+        <pc:spChg chg="add del mod">
+          <ac:chgData name="u3576731@connect.hku.hk" userId="0de5b9f1-4841-4bf4-9210-fdfbf365d198" providerId="ADAL" clId="{BEDA62F9-763E-456B-98CE-CD629F8B60B5}" dt="2023-03-11T14:54:09.912" v="4612"/>
+          <ac:spMkLst>
+            <pc:docMk/>
+            <pc:sldMk cId="3054228238" sldId="273"/>
+            <ac:spMk id="14" creationId="{AB6F184C-C3BC-4F8C-3258-84C7288462E6}"/>
+          </ac:spMkLst>
+        </pc:spChg>
+        <pc:spChg chg="add del mod">
+          <ac:chgData name="u3576731@connect.hku.hk" userId="0de5b9f1-4841-4bf4-9210-fdfbf365d198" providerId="ADAL" clId="{BEDA62F9-763E-456B-98CE-CD629F8B60B5}" dt="2023-03-11T14:54:09.637" v="4611"/>
+          <ac:spMkLst>
+            <pc:docMk/>
+            <pc:sldMk cId="3054228238" sldId="273"/>
+            <ac:spMk id="15" creationId="{E00910C7-F90B-75E2-0FF8-571E9D228D8B}"/>
+          </ac:spMkLst>
+        </pc:spChg>
+        <pc:spChg chg="add del mod">
+          <ac:chgData name="u3576731@connect.hku.hk" userId="0de5b9f1-4841-4bf4-9210-fdfbf365d198" providerId="ADAL" clId="{BEDA62F9-763E-456B-98CE-CD629F8B60B5}" dt="2023-03-11T14:54:09.361" v="4610"/>
+          <ac:spMkLst>
+            <pc:docMk/>
+            <pc:sldMk cId="3054228238" sldId="273"/>
+            <ac:spMk id="16" creationId="{87FB8D24-6ACD-113B-610C-77A368CA6915}"/>
+          </ac:spMkLst>
+        </pc:spChg>
+        <pc:spChg chg="add del mod">
+          <ac:chgData name="u3576731@connect.hku.hk" userId="0de5b9f1-4841-4bf4-9210-fdfbf365d198" providerId="ADAL" clId="{BEDA62F9-763E-456B-98CE-CD629F8B60B5}" dt="2023-03-11T14:54:09.098" v="4609"/>
+          <ac:spMkLst>
+            <pc:docMk/>
+            <pc:sldMk cId="3054228238" sldId="273"/>
+            <ac:spMk id="17" creationId="{6DF6CBC5-ADBB-372A-6804-004A6AED4707}"/>
+          </ac:spMkLst>
+        </pc:spChg>
+        <pc:spChg chg="add del mod">
+          <ac:chgData name="u3576731@connect.hku.hk" userId="0de5b9f1-4841-4bf4-9210-fdfbf365d198" providerId="ADAL" clId="{BEDA62F9-763E-456B-98CE-CD629F8B60B5}" dt="2023-03-11T14:54:08.875" v="4608"/>
+          <ac:spMkLst>
+            <pc:docMk/>
+            <pc:sldMk cId="3054228238" sldId="273"/>
+            <ac:spMk id="18" creationId="{1FA77DFF-75DF-849A-FFB6-167CAFC9FE4C}"/>
+          </ac:spMkLst>
+        </pc:spChg>
+        <pc:spChg chg="add del mod">
+          <ac:chgData name="u3576731@connect.hku.hk" userId="0de5b9f1-4841-4bf4-9210-fdfbf365d198" providerId="ADAL" clId="{BEDA62F9-763E-456B-98CE-CD629F8B60B5}" dt="2023-03-11T14:54:08.625" v="4607"/>
+          <ac:spMkLst>
+            <pc:docMk/>
+            <pc:sldMk cId="3054228238" sldId="273"/>
+            <ac:spMk id="19" creationId="{B79DD98C-46F2-4875-D5A4-79F7C60CA9F1}"/>
+          </ac:spMkLst>
+        </pc:spChg>
+        <pc:spChg chg="add del mod">
+          <ac:chgData name="u3576731@connect.hku.hk" userId="0de5b9f1-4841-4bf4-9210-fdfbf365d198" providerId="ADAL" clId="{BEDA62F9-763E-456B-98CE-CD629F8B60B5}" dt="2023-03-11T14:54:08.374" v="4606"/>
+          <ac:spMkLst>
+            <pc:docMk/>
+            <pc:sldMk cId="3054228238" sldId="273"/>
+            <ac:spMk id="20" creationId="{0C337175-A86E-AF3D-5413-66C43C93D711}"/>
+          </ac:spMkLst>
+        </pc:spChg>
+        <pc:spChg chg="add del mod">
+          <ac:chgData name="u3576731@connect.hku.hk" userId="0de5b9f1-4841-4bf4-9210-fdfbf365d198" providerId="ADAL" clId="{BEDA62F9-763E-456B-98CE-CD629F8B60B5}" dt="2023-03-11T14:54:08.111" v="4605"/>
+          <ac:spMkLst>
+            <pc:docMk/>
+            <pc:sldMk cId="3054228238" sldId="273"/>
+            <ac:spMk id="21" creationId="{1A8EEC23-0ABA-71CF-68F5-20123C8624E1}"/>
+          </ac:spMkLst>
+        </pc:spChg>
+        <pc:spChg chg="add del mod">
+          <ac:chgData name="u3576731@connect.hku.hk" userId="0de5b9f1-4841-4bf4-9210-fdfbf365d198" providerId="ADAL" clId="{BEDA62F9-763E-456B-98CE-CD629F8B60B5}" dt="2023-03-11T14:54:40.362" v="4638"/>
+          <ac:spMkLst>
+            <pc:docMk/>
+            <pc:sldMk cId="3054228238" sldId="273"/>
+            <ac:spMk id="22" creationId="{8E47575F-0491-CACF-7330-E4AE34823FCB}"/>
+          </ac:spMkLst>
+        </pc:spChg>
+        <pc:spChg chg="add del mod">
+          <ac:chgData name="u3576731@connect.hku.hk" userId="0de5b9f1-4841-4bf4-9210-fdfbf365d198" providerId="ADAL" clId="{BEDA62F9-763E-456B-98CE-CD629F8B60B5}" dt="2023-03-11T14:54:40.024" v="4637"/>
+          <ac:spMkLst>
+            <pc:docMk/>
+            <pc:sldMk cId="3054228238" sldId="273"/>
+            <ac:spMk id="23" creationId="{39100F1A-FFB0-90A8-A7BF-03BB0E544F74}"/>
+          </ac:spMkLst>
+        </pc:spChg>
+        <pc:spChg chg="add del mod">
+          <ac:chgData name="u3576731@connect.hku.hk" userId="0de5b9f1-4841-4bf4-9210-fdfbf365d198" providerId="ADAL" clId="{BEDA62F9-763E-456B-98CE-CD629F8B60B5}" dt="2023-03-11T14:54:39.763" v="4636"/>
+          <ac:spMkLst>
+            <pc:docMk/>
+            <pc:sldMk cId="3054228238" sldId="273"/>
+            <ac:spMk id="24" creationId="{D8966A9A-C8C4-23C5-795E-D976184D0D46}"/>
+          </ac:spMkLst>
+        </pc:spChg>
+        <pc:spChg chg="add del mod">
+          <ac:chgData name="u3576731@connect.hku.hk" userId="0de5b9f1-4841-4bf4-9210-fdfbf365d198" providerId="ADAL" clId="{BEDA62F9-763E-456B-98CE-CD629F8B60B5}" dt="2023-03-11T14:54:39.474" v="4635"/>
+          <ac:spMkLst>
+            <pc:docMk/>
+            <pc:sldMk cId="3054228238" sldId="273"/>
+            <ac:spMk id="25" creationId="{C30B2BED-93BF-2FE9-D483-021E2B89A832}"/>
+          </ac:spMkLst>
+        </pc:spChg>
+        <pc:spChg chg="add del mod">
+          <ac:chgData name="u3576731@connect.hku.hk" userId="0de5b9f1-4841-4bf4-9210-fdfbf365d198" providerId="ADAL" clId="{BEDA62F9-763E-456B-98CE-CD629F8B60B5}" dt="2023-03-11T14:54:39.163" v="4634"/>
+          <ac:spMkLst>
+            <pc:docMk/>
+            <pc:sldMk cId="3054228238" sldId="273"/>
+            <ac:spMk id="26" creationId="{640938B4-0333-6186-9E61-ED8F49BD572E}"/>
+          </ac:spMkLst>
+        </pc:spChg>
+        <pc:spChg chg="add del mod">
+          <ac:chgData name="u3576731@connect.hku.hk" userId="0de5b9f1-4841-4bf4-9210-fdfbf365d198" providerId="ADAL" clId="{BEDA62F9-763E-456B-98CE-CD629F8B60B5}" dt="2023-03-11T14:54:38.910" v="4633"/>
+          <ac:spMkLst>
+            <pc:docMk/>
+            <pc:sldMk cId="3054228238" sldId="273"/>
+            <ac:spMk id="27" creationId="{44271BEE-D364-AAB3-C951-ED3A792740AD}"/>
+          </ac:spMkLst>
+        </pc:spChg>
+        <pc:spChg chg="add del mod">
+          <ac:chgData name="u3576731@connect.hku.hk" userId="0de5b9f1-4841-4bf4-9210-fdfbf365d198" providerId="ADAL" clId="{BEDA62F9-763E-456B-98CE-CD629F8B60B5}" dt="2023-03-11T14:54:38.650" v="4632"/>
+          <ac:spMkLst>
+            <pc:docMk/>
+            <pc:sldMk cId="3054228238" sldId="273"/>
+            <ac:spMk id="28" creationId="{FB26D63D-C626-7532-44B9-96D84D042193}"/>
+          </ac:spMkLst>
+        </pc:spChg>
+        <pc:spChg chg="add del mod">
+          <ac:chgData name="u3576731@connect.hku.hk" userId="0de5b9f1-4841-4bf4-9210-fdfbf365d198" providerId="ADAL" clId="{BEDA62F9-763E-456B-98CE-CD629F8B60B5}" dt="2023-03-11T14:54:38.348" v="4631"/>
+          <ac:spMkLst>
+            <pc:docMk/>
+            <pc:sldMk cId="3054228238" sldId="273"/>
+            <ac:spMk id="29" creationId="{593E8F68-37FB-C392-8A56-531E57602905}"/>
+          </ac:spMkLst>
+        </pc:spChg>
+        <pc:spChg chg="add del mod">
+          <ac:chgData name="u3576731@connect.hku.hk" userId="0de5b9f1-4841-4bf4-9210-fdfbf365d198" providerId="ADAL" clId="{BEDA62F9-763E-456B-98CE-CD629F8B60B5}" dt="2023-03-11T14:54:37.449" v="4630"/>
+          <ac:spMkLst>
+            <pc:docMk/>
+            <pc:sldMk cId="3054228238" sldId="273"/>
+            <ac:spMk id="30" creationId="{16587FC5-2D8F-B607-A922-FCB03F9A9B0A}"/>
+          </ac:spMkLst>
+        </pc:spChg>
+        <pc:spChg chg="add del mod">
+          <ac:chgData name="u3576731@connect.hku.hk" userId="0de5b9f1-4841-4bf4-9210-fdfbf365d198" providerId="ADAL" clId="{BEDA62F9-763E-456B-98CE-CD629F8B60B5}" dt="2023-03-11T14:54:37.210" v="4629"/>
+          <ac:spMkLst>
+            <pc:docMk/>
+            <pc:sldMk cId="3054228238" sldId="273"/>
+            <ac:spMk id="31" creationId="{BB2C6151-1C31-4CB2-76AE-7B147536891E}"/>
+          </ac:spMkLst>
+        </pc:spChg>
+        <pc:spChg chg="add mod">
+          <ac:chgData name="u3576731@connect.hku.hk" userId="0de5b9f1-4841-4bf4-9210-fdfbf365d198" providerId="ADAL" clId="{BEDA62F9-763E-456B-98CE-CD629F8B60B5}" dt="2023-03-11T16:24:10.213" v="5470" actId="1076"/>
+          <ac:spMkLst>
+            <pc:docMk/>
+            <pc:sldMk cId="3054228238" sldId="273"/>
+            <ac:spMk id="32" creationId="{05607D17-59EC-B9AD-8FDF-DF7A0A9D5475}"/>
+          </ac:spMkLst>
+        </pc:spChg>
+        <pc:spChg chg="add mod">
+          <ac:chgData name="u3576731@connect.hku.hk" userId="0de5b9f1-4841-4bf4-9210-fdfbf365d198" providerId="ADAL" clId="{BEDA62F9-763E-456B-98CE-CD629F8B60B5}" dt="2023-03-11T16:24:10.213" v="5470" actId="1076"/>
+          <ac:spMkLst>
+            <pc:docMk/>
+            <pc:sldMk cId="3054228238" sldId="273"/>
+            <ac:spMk id="33" creationId="{61B35B44-1537-E721-5F73-B7D17F6B0B8C}"/>
+          </ac:spMkLst>
+        </pc:spChg>
+        <pc:spChg chg="add mod">
+          <ac:chgData name="u3576731@connect.hku.hk" userId="0de5b9f1-4841-4bf4-9210-fdfbf365d198" providerId="ADAL" clId="{BEDA62F9-763E-456B-98CE-CD629F8B60B5}" dt="2023-03-11T16:24:10.213" v="5470" actId="1076"/>
+          <ac:spMkLst>
+            <pc:docMk/>
+            <pc:sldMk cId="3054228238" sldId="273"/>
+            <ac:spMk id="34" creationId="{806AAC94-95CF-3382-27C2-909FF782DABD}"/>
+          </ac:spMkLst>
+        </pc:spChg>
+        <pc:spChg chg="add mod">
+          <ac:chgData name="u3576731@connect.hku.hk" userId="0de5b9f1-4841-4bf4-9210-fdfbf365d198" providerId="ADAL" clId="{BEDA62F9-763E-456B-98CE-CD629F8B60B5}" dt="2023-03-11T16:24:10.213" v="5470" actId="1076"/>
+          <ac:spMkLst>
+            <pc:docMk/>
+            <pc:sldMk cId="3054228238" sldId="273"/>
+            <ac:spMk id="35" creationId="{13254579-C92A-304B-3BD4-793B4F2696DA}"/>
+          </ac:spMkLst>
+        </pc:spChg>
+        <pc:spChg chg="add mod">
+          <ac:chgData name="u3576731@connect.hku.hk" userId="0de5b9f1-4841-4bf4-9210-fdfbf365d198" providerId="ADAL" clId="{BEDA62F9-763E-456B-98CE-CD629F8B60B5}" dt="2023-03-11T16:24:10.213" v="5470" actId="1076"/>
+          <ac:spMkLst>
+            <pc:docMk/>
+            <pc:sldMk cId="3054228238" sldId="273"/>
+            <ac:spMk id="36" creationId="{43FBD6D1-99DF-0A6C-326D-1C48E34269E7}"/>
+          </ac:spMkLst>
+        </pc:spChg>
+        <pc:spChg chg="add mod">
+          <ac:chgData name="u3576731@connect.hku.hk" userId="0de5b9f1-4841-4bf4-9210-fdfbf365d198" providerId="ADAL" clId="{BEDA62F9-763E-456B-98CE-CD629F8B60B5}" dt="2023-03-11T16:24:10.213" v="5470" actId="1076"/>
+          <ac:spMkLst>
+            <pc:docMk/>
+            <pc:sldMk cId="3054228238" sldId="273"/>
+            <ac:spMk id="37" creationId="{A98B3479-41A7-AA35-3ACF-96537B592191}"/>
+          </ac:spMkLst>
+        </pc:spChg>
+        <pc:spChg chg="add mod">
+          <ac:chgData name="u3576731@connect.hku.hk" userId="0de5b9f1-4841-4bf4-9210-fdfbf365d198" providerId="ADAL" clId="{BEDA62F9-763E-456B-98CE-CD629F8B60B5}" dt="2023-03-11T16:24:10.213" v="5470" actId="1076"/>
+          <ac:spMkLst>
+            <pc:docMk/>
+            <pc:sldMk cId="3054228238" sldId="273"/>
+            <ac:spMk id="38" creationId="{A12EBA4D-BFDC-2CC4-C12E-663D3ED703FD}"/>
+          </ac:spMkLst>
+        </pc:spChg>
+        <pc:spChg chg="add mod">
+          <ac:chgData name="u3576731@connect.hku.hk" userId="0de5b9f1-4841-4bf4-9210-fdfbf365d198" providerId="ADAL" clId="{BEDA62F9-763E-456B-98CE-CD629F8B60B5}" dt="2023-03-11T16:24:10.213" v="5470" actId="1076"/>
+          <ac:spMkLst>
+            <pc:docMk/>
+            <pc:sldMk cId="3054228238" sldId="273"/>
+            <ac:spMk id="39" creationId="{A00EC488-B72B-F2C9-13CE-AE747623CB5F}"/>
+          </ac:spMkLst>
+        </pc:spChg>
+        <pc:spChg chg="add mod">
+          <ac:chgData name="u3576731@connect.hku.hk" userId="0de5b9f1-4841-4bf4-9210-fdfbf365d198" providerId="ADAL" clId="{BEDA62F9-763E-456B-98CE-CD629F8B60B5}" dt="2023-03-11T16:24:10.213" v="5470" actId="1076"/>
+          <ac:spMkLst>
+            <pc:docMk/>
+            <pc:sldMk cId="3054228238" sldId="273"/>
+            <ac:spMk id="40" creationId="{CF21ACFB-1E89-4BF3-313D-C361472A025B}"/>
+          </ac:spMkLst>
+        </pc:spChg>
+        <pc:spChg chg="add mod">
+          <ac:chgData name="u3576731@connect.hku.hk" userId="0de5b9f1-4841-4bf4-9210-fdfbf365d198" providerId="ADAL" clId="{BEDA62F9-763E-456B-98CE-CD629F8B60B5}" dt="2023-03-11T16:24:10.213" v="5470" actId="1076"/>
+          <ac:spMkLst>
+            <pc:docMk/>
+            <pc:sldMk cId="3054228238" sldId="273"/>
+            <ac:spMk id="41" creationId="{D6869E60-202E-E9E5-51F0-3AA11BF0D217}"/>
+          </ac:spMkLst>
+        </pc:spChg>
+        <pc:spChg chg="add mod">
+          <ac:chgData name="u3576731@connect.hku.hk" userId="0de5b9f1-4841-4bf4-9210-fdfbf365d198" providerId="ADAL" clId="{BEDA62F9-763E-456B-98CE-CD629F8B60B5}" dt="2023-03-11T16:24:15.366" v="5471" actId="1076"/>
+          <ac:spMkLst>
+            <pc:docMk/>
+            <pc:sldMk cId="3054228238" sldId="273"/>
+            <ac:spMk id="42" creationId="{76E51B3B-A7E0-3C95-D472-9F8A767C7DFE}"/>
+          </ac:spMkLst>
+        </pc:spChg>
+        <pc:spChg chg="add mod">
+          <ac:chgData name="u3576731@connect.hku.hk" userId="0de5b9f1-4841-4bf4-9210-fdfbf365d198" providerId="ADAL" clId="{BEDA62F9-763E-456B-98CE-CD629F8B60B5}" dt="2023-03-11T16:24:10.213" v="5470" actId="1076"/>
+          <ac:spMkLst>
+            <pc:docMk/>
+            <pc:sldMk cId="3054228238" sldId="273"/>
+            <ac:spMk id="43" creationId="{705C21F5-9760-F0BC-C649-E4B6EE849206}"/>
+          </ac:spMkLst>
+        </pc:spChg>
+        <pc:spChg chg="add mod">
+          <ac:chgData name="u3576731@connect.hku.hk" userId="0de5b9f1-4841-4bf4-9210-fdfbf365d198" providerId="ADAL" clId="{BEDA62F9-763E-456B-98CE-CD629F8B60B5}" dt="2023-03-11T16:24:10.213" v="5470" actId="1076"/>
+          <ac:spMkLst>
+            <pc:docMk/>
+            <pc:sldMk cId="3054228238" sldId="273"/>
+            <ac:spMk id="44" creationId="{6FFA9316-4FE6-1415-B876-19F17D6D4BD6}"/>
+          </ac:spMkLst>
+        </pc:spChg>
+        <pc:spChg chg="add mod">
+          <ac:chgData name="u3576731@connect.hku.hk" userId="0de5b9f1-4841-4bf4-9210-fdfbf365d198" providerId="ADAL" clId="{BEDA62F9-763E-456B-98CE-CD629F8B60B5}" dt="2023-03-11T16:24:10.213" v="5470" actId="1076"/>
+          <ac:spMkLst>
+            <pc:docMk/>
+            <pc:sldMk cId="3054228238" sldId="273"/>
+            <ac:spMk id="45" creationId="{AA8246A5-BFA2-F439-95D8-CFFC1146085E}"/>
+          </ac:spMkLst>
+        </pc:spChg>
+        <pc:spChg chg="add mod">
+          <ac:chgData name="u3576731@connect.hku.hk" userId="0de5b9f1-4841-4bf4-9210-fdfbf365d198" providerId="ADAL" clId="{BEDA62F9-763E-456B-98CE-CD629F8B60B5}" dt="2023-03-11T16:24:10.213" v="5470" actId="1076"/>
+          <ac:spMkLst>
+            <pc:docMk/>
+            <pc:sldMk cId="3054228238" sldId="273"/>
+            <ac:spMk id="46" creationId="{0A2D21FA-C01A-DA19-2AC7-C237C22639EF}"/>
+          </ac:spMkLst>
+        </pc:spChg>
+        <pc:spChg chg="add mod">
+          <ac:chgData name="u3576731@connect.hku.hk" userId="0de5b9f1-4841-4bf4-9210-fdfbf365d198" providerId="ADAL" clId="{BEDA62F9-763E-456B-98CE-CD629F8B60B5}" dt="2023-03-11T16:24:10.213" v="5470" actId="1076"/>
+          <ac:spMkLst>
+            <pc:docMk/>
+            <pc:sldMk cId="3054228238" sldId="273"/>
+            <ac:spMk id="47" creationId="{54E0975C-3A9F-C094-868D-8BDEA4FA9723}"/>
+          </ac:spMkLst>
+        </pc:spChg>
+        <pc:spChg chg="add mod">
+          <ac:chgData name="u3576731@connect.hku.hk" userId="0de5b9f1-4841-4bf4-9210-fdfbf365d198" providerId="ADAL" clId="{BEDA62F9-763E-456B-98CE-CD629F8B60B5}" dt="2023-03-11T16:24:10.213" v="5470" actId="1076"/>
+          <ac:spMkLst>
+            <pc:docMk/>
+            <pc:sldMk cId="3054228238" sldId="273"/>
+            <ac:spMk id="48" creationId="{99131304-3ABB-45A3-E2B9-83A8276E1F94}"/>
+          </ac:spMkLst>
+        </pc:spChg>
+        <pc:spChg chg="add mod">
+          <ac:chgData name="u3576731@connect.hku.hk" userId="0de5b9f1-4841-4bf4-9210-fdfbf365d198" providerId="ADAL" clId="{BEDA62F9-763E-456B-98CE-CD629F8B60B5}" dt="2023-03-11T16:24:10.213" v="5470" actId="1076"/>
+          <ac:spMkLst>
+            <pc:docMk/>
+            <pc:sldMk cId="3054228238" sldId="273"/>
+            <ac:spMk id="49" creationId="{81D26C38-F0F6-7871-799C-5308C707B046}"/>
+          </ac:spMkLst>
+        </pc:spChg>
+        <pc:spChg chg="add mod topLvl">
+          <ac:chgData name="u3576731@connect.hku.hk" userId="0de5b9f1-4841-4bf4-9210-fdfbf365d198" providerId="ADAL" clId="{BEDA62F9-763E-456B-98CE-CD629F8B60B5}" dt="2023-03-11T16:24:10.213" v="5470" actId="1076"/>
+          <ac:spMkLst>
+            <pc:docMk/>
+            <pc:sldMk cId="3054228238" sldId="273"/>
+            <ac:spMk id="58" creationId="{139BC0C1-F6A3-FA54-21CA-1EF1D9FE0D23}"/>
+          </ac:spMkLst>
+        </pc:spChg>
+        <pc:spChg chg="add mod topLvl">
+          <ac:chgData name="u3576731@connect.hku.hk" userId="0de5b9f1-4841-4bf4-9210-fdfbf365d198" providerId="ADAL" clId="{BEDA62F9-763E-456B-98CE-CD629F8B60B5}" dt="2023-03-11T16:24:10.213" v="5470" actId="1076"/>
+          <ac:spMkLst>
+            <pc:docMk/>
+            <pc:sldMk cId="3054228238" sldId="273"/>
+            <ac:spMk id="59" creationId="{459D1AD2-9570-E2EF-6B65-1E0236693C0F}"/>
+          </ac:spMkLst>
+        </pc:spChg>
+        <pc:spChg chg="add mod topLvl">
+          <ac:chgData name="u3576731@connect.hku.hk" userId="0de5b9f1-4841-4bf4-9210-fdfbf365d198" providerId="ADAL" clId="{BEDA62F9-763E-456B-98CE-CD629F8B60B5}" dt="2023-03-11T16:24:10.213" v="5470" actId="1076"/>
+          <ac:spMkLst>
+            <pc:docMk/>
+            <pc:sldMk cId="3054228238" sldId="273"/>
+            <ac:spMk id="60" creationId="{079E15BE-A462-AA82-4FF3-2CB0C38DDE4F}"/>
+          </ac:spMkLst>
+        </pc:spChg>
+        <pc:spChg chg="add mod">
+          <ac:chgData name="u3576731@connect.hku.hk" userId="0de5b9f1-4841-4bf4-9210-fdfbf365d198" providerId="ADAL" clId="{BEDA62F9-763E-456B-98CE-CD629F8B60B5}" dt="2023-03-11T16:25:12.792" v="5478" actId="404"/>
+          <ac:spMkLst>
+            <pc:docMk/>
+            <pc:sldMk cId="3054228238" sldId="273"/>
+            <ac:spMk id="64" creationId="{CC6CF8F1-1B04-E249-873A-EE7D7C54425B}"/>
+          </ac:spMkLst>
+        </pc:spChg>
+        <pc:spChg chg="add del">
+          <ac:chgData name="u3576731@connect.hku.hk" userId="0de5b9f1-4841-4bf4-9210-fdfbf365d198" providerId="ADAL" clId="{BEDA62F9-763E-456B-98CE-CD629F8B60B5}" dt="2023-03-11T15:51:02.950" v="5073" actId="22"/>
+          <ac:spMkLst>
+            <pc:docMk/>
+            <pc:sldMk cId="3054228238" sldId="273"/>
+            <ac:spMk id="69" creationId="{0641F05B-1736-07FE-0606-A65802E95318}"/>
+          </ac:spMkLst>
+        </pc:spChg>
+        <pc:spChg chg="add mod">
+          <ac:chgData name="u3576731@connect.hku.hk" userId="0de5b9f1-4841-4bf4-9210-fdfbf365d198" providerId="ADAL" clId="{BEDA62F9-763E-456B-98CE-CD629F8B60B5}" dt="2023-03-11T16:25:10.422" v="5477" actId="1076"/>
+          <ac:spMkLst>
+            <pc:docMk/>
+            <pc:sldMk cId="3054228238" sldId="273"/>
+            <ac:spMk id="71" creationId="{AC12A11B-A5FB-C84A-635B-FEB37234EE4A}"/>
+          </ac:spMkLst>
+        </pc:spChg>
+        <pc:spChg chg="add mod">
+          <ac:chgData name="u3576731@connect.hku.hk" userId="0de5b9f1-4841-4bf4-9210-fdfbf365d198" providerId="ADAL" clId="{BEDA62F9-763E-456B-98CE-CD629F8B60B5}" dt="2023-03-11T16:26:59.503" v="5500" actId="404"/>
+          <ac:spMkLst>
+            <pc:docMk/>
+            <pc:sldMk cId="3054228238" sldId="273"/>
+            <ac:spMk id="100" creationId="{10E0E96E-F8A3-8BCA-5D0F-2A9EF1723716}"/>
+          </ac:spMkLst>
+        </pc:spChg>
+        <pc:spChg chg="add mod">
+          <ac:chgData name="u3576731@connect.hku.hk" userId="0de5b9f1-4841-4bf4-9210-fdfbf365d198" providerId="ADAL" clId="{BEDA62F9-763E-456B-98CE-CD629F8B60B5}" dt="2023-03-11T16:26:43.667" v="5498" actId="465"/>
+          <ac:spMkLst>
+            <pc:docMk/>
+            <pc:sldMk cId="3054228238" sldId="273"/>
+            <ac:spMk id="105" creationId="{1749DB72-1C58-D804-ED9E-B16CAF6DFAA5}"/>
+          </ac:spMkLst>
+        </pc:spChg>
+        <pc:spChg chg="add mod">
+          <ac:chgData name="u3576731@connect.hku.hk" userId="0de5b9f1-4841-4bf4-9210-fdfbf365d198" providerId="ADAL" clId="{BEDA62F9-763E-456B-98CE-CD629F8B60B5}" dt="2023-03-11T16:26:43.667" v="5498" actId="465"/>
+          <ac:spMkLst>
+            <pc:docMk/>
+            <pc:sldMk cId="3054228238" sldId="273"/>
+            <ac:spMk id="106" creationId="{29F8C43E-0A47-B39B-EE9B-D623174A66BB}"/>
+          </ac:spMkLst>
+        </pc:spChg>
+        <pc:spChg chg="add mod">
+          <ac:chgData name="u3576731@connect.hku.hk" userId="0de5b9f1-4841-4bf4-9210-fdfbf365d198" providerId="ADAL" clId="{BEDA62F9-763E-456B-98CE-CD629F8B60B5}" dt="2023-03-11T16:26:09.804" v="5485" actId="1076"/>
+          <ac:spMkLst>
+            <pc:docMk/>
+            <pc:sldMk cId="3054228238" sldId="273"/>
+            <ac:spMk id="107" creationId="{86658C21-3F1E-75EB-5C3B-636B49CB82B5}"/>
+          </ac:spMkLst>
+        </pc:spChg>
+        <pc:grpChg chg="add del mod">
+          <ac:chgData name="u3576731@connect.hku.hk" userId="0de5b9f1-4841-4bf4-9210-fdfbf365d198" providerId="ADAL" clId="{BEDA62F9-763E-456B-98CE-CD629F8B60B5}" dt="2023-03-11T15:18:39.581" v="4856" actId="165"/>
+          <ac:grpSpMkLst>
+            <pc:docMk/>
+            <pc:sldMk cId="3054228238" sldId="273"/>
+            <ac:grpSpMk id="63" creationId="{E8E068EA-DDA9-905F-28A9-A9D385A0D566}"/>
+          </ac:grpSpMkLst>
+        </pc:grpChg>
+        <pc:picChg chg="add del mod modCrop">
+          <ac:chgData name="u3576731@connect.hku.hk" userId="0de5b9f1-4841-4bf4-9210-fdfbf365d198" providerId="ADAL" clId="{BEDA62F9-763E-456B-98CE-CD629F8B60B5}" dt="2023-03-11T14:50:28.421" v="4566" actId="478"/>
+          <ac:picMkLst>
+            <pc:docMk/>
+            <pc:sldMk cId="3054228238" sldId="273"/>
+            <ac:picMk id="3" creationId="{179EA562-EC8A-CD4C-83BF-DF1A6E5D3319}"/>
+          </ac:picMkLst>
+        </pc:picChg>
+        <pc:picChg chg="del">
+          <ac:chgData name="u3576731@connect.hku.hk" userId="0de5b9f1-4841-4bf4-9210-fdfbf365d198" providerId="ADAL" clId="{BEDA62F9-763E-456B-98CE-CD629F8B60B5}" dt="2023-03-11T09:34:49.091" v="2185" actId="478"/>
+          <ac:picMkLst>
+            <pc:docMk/>
+            <pc:sldMk cId="3054228238" sldId="273"/>
+            <ac:picMk id="4" creationId="{CBB118C9-F2F7-7938-7A78-CBF3F637A500}"/>
+          </ac:picMkLst>
+        </pc:picChg>
+        <pc:picChg chg="mod">
+          <ac:chgData name="u3576731@connect.hku.hk" userId="0de5b9f1-4841-4bf4-9210-fdfbf365d198" providerId="ADAL" clId="{BEDA62F9-763E-456B-98CE-CD629F8B60B5}" dt="2023-03-11T15:16:25.642" v="4841" actId="1582"/>
+          <ac:picMkLst>
+            <pc:docMk/>
+            <pc:sldMk cId="3054228238" sldId="273"/>
+            <ac:picMk id="5" creationId="{9F1039F9-5615-15EF-339D-7F95C7D183D2}"/>
+          </ac:picMkLst>
+        </pc:picChg>
+        <pc:picChg chg="add mod modCrop">
+          <ac:chgData name="u3576731@connect.hku.hk" userId="0de5b9f1-4841-4bf4-9210-fdfbf365d198" providerId="ADAL" clId="{BEDA62F9-763E-456B-98CE-CD629F8B60B5}" dt="2023-03-11T16:26:24.916" v="5494" actId="1076"/>
+          <ac:picMkLst>
+            <pc:docMk/>
+            <pc:sldMk cId="3054228238" sldId="273"/>
+            <ac:picMk id="6" creationId="{6AF04E45-C83A-7A41-1FF6-B74BFB142167}"/>
+          </ac:picMkLst>
+        </pc:picChg>
+        <pc:cxnChg chg="add mod">
+          <ac:chgData name="u3576731@connect.hku.hk" userId="0de5b9f1-4841-4bf4-9210-fdfbf365d198" providerId="ADAL" clId="{BEDA62F9-763E-456B-98CE-CD629F8B60B5}" dt="2023-03-11T16:24:10.213" v="5470" actId="1076"/>
+          <ac:cxnSpMkLst>
+            <pc:docMk/>
+            <pc:sldMk cId="3054228238" sldId="273"/>
+            <ac:cxnSpMk id="8" creationId="{7079130B-FEEB-53CB-E0B7-2F4819683C41}"/>
+          </ac:cxnSpMkLst>
+        </pc:cxnChg>
+        <pc:cxnChg chg="add del mod">
+          <ac:chgData name="u3576731@connect.hku.hk" userId="0de5b9f1-4841-4bf4-9210-fdfbf365d198" providerId="ADAL" clId="{BEDA62F9-763E-456B-98CE-CD629F8B60B5}" dt="2023-03-11T15:57:18.927" v="5145" actId="478"/>
+          <ac:cxnSpMkLst>
+            <pc:docMk/>
+            <pc:sldMk cId="3054228238" sldId="273"/>
+            <ac:cxnSpMk id="73" creationId="{275661EB-F951-13EE-3A81-04A1D28D6B7F}"/>
+          </ac:cxnSpMkLst>
+        </pc:cxnChg>
+        <pc:cxnChg chg="add del mod">
+          <ac:chgData name="u3576731@connect.hku.hk" userId="0de5b9f1-4841-4bf4-9210-fdfbf365d198" providerId="ADAL" clId="{BEDA62F9-763E-456B-98CE-CD629F8B60B5}" dt="2023-03-11T16:24:10.213" v="5470" actId="1076"/>
+          <ac:cxnSpMkLst>
+            <pc:docMk/>
+            <pc:sldMk cId="3054228238" sldId="273"/>
+            <ac:cxnSpMk id="80" creationId="{01DF1AD4-3019-BAD8-6803-BA71D47EE0EB}"/>
+          </ac:cxnSpMkLst>
+        </pc:cxnChg>
+        <pc:cxnChg chg="add del mod">
+          <ac:chgData name="u3576731@connect.hku.hk" userId="0de5b9f1-4841-4bf4-9210-fdfbf365d198" providerId="ADAL" clId="{BEDA62F9-763E-456B-98CE-CD629F8B60B5}" dt="2023-03-11T16:24:10.213" v="5470" actId="1076"/>
+          <ac:cxnSpMkLst>
+            <pc:docMk/>
+            <pc:sldMk cId="3054228238" sldId="273"/>
+            <ac:cxnSpMk id="81" creationId="{09FAE401-8DB3-7C55-AB55-00B7D3A8EB0D}"/>
+          </ac:cxnSpMkLst>
+        </pc:cxnChg>
+        <pc:cxnChg chg="add del mod">
+          <ac:chgData name="u3576731@connect.hku.hk" userId="0de5b9f1-4841-4bf4-9210-fdfbf365d198" providerId="ADAL" clId="{BEDA62F9-763E-456B-98CE-CD629F8B60B5}" dt="2023-03-11T16:24:10.213" v="5470" actId="1076"/>
+          <ac:cxnSpMkLst>
+            <pc:docMk/>
+            <pc:sldMk cId="3054228238" sldId="273"/>
+            <ac:cxnSpMk id="82" creationId="{F8236AC4-304E-F541-3DD8-77B0CC13EC91}"/>
+          </ac:cxnSpMkLst>
+        </pc:cxnChg>
+      </pc:sldChg>
+      <pc:sldChg chg="addSp delSp modSp add mod">
+        <pc:chgData name="u3576731@connect.hku.hk" userId="0de5b9f1-4841-4bf4-9210-fdfbf365d198" providerId="ADAL" clId="{BEDA62F9-763E-456B-98CE-CD629F8B60B5}" dt="2023-03-13T14:10:55.782" v="5709" actId="20577"/>
+        <pc:sldMkLst>
+          <pc:docMk/>
+          <pc:sldMk cId="3772663247" sldId="274"/>
+        </pc:sldMkLst>
+        <pc:spChg chg="mod">
+          <ac:chgData name="u3576731@connect.hku.hk" userId="0de5b9f1-4841-4bf4-9210-fdfbf365d198" providerId="ADAL" clId="{BEDA62F9-763E-456B-98CE-CD629F8B60B5}" dt="2023-03-13T14:10:55.782" v="5709" actId="20577"/>
+          <ac:spMkLst>
+            <pc:docMk/>
+            <pc:sldMk cId="3772663247" sldId="274"/>
+            <ac:spMk id="2" creationId="{11E1370A-20E2-1B1D-09CA-88E4572C6CDE}"/>
+          </ac:spMkLst>
+        </pc:spChg>
+        <pc:spChg chg="mod ord">
+          <ac:chgData name="u3576731@connect.hku.hk" userId="0de5b9f1-4841-4bf4-9210-fdfbf365d198" providerId="ADAL" clId="{BEDA62F9-763E-456B-98CE-CD629F8B60B5}" dt="2023-03-11T15:39:47.301" v="5065" actId="1076"/>
+          <ac:spMkLst>
+            <pc:docMk/>
+            <pc:sldMk cId="3772663247" sldId="274"/>
+            <ac:spMk id="13" creationId="{5EDE47A6-30B6-BE8A-6903-CCA68704C7DF}"/>
+          </ac:spMkLst>
+        </pc:spChg>
+        <pc:spChg chg="mod ord">
+          <ac:chgData name="u3576731@connect.hku.hk" userId="0de5b9f1-4841-4bf4-9210-fdfbf365d198" providerId="ADAL" clId="{BEDA62F9-763E-456B-98CE-CD629F8B60B5}" dt="2023-03-11T15:38:00.702" v="5053" actId="1076"/>
+          <ac:spMkLst>
+            <pc:docMk/>
+            <pc:sldMk cId="3772663247" sldId="274"/>
+            <ac:spMk id="20" creationId="{E72BE26C-26F5-84AC-EC76-2960570FC2D2}"/>
+          </ac:spMkLst>
+        </pc:spChg>
+        <pc:spChg chg="mod ord">
+          <ac:chgData name="u3576731@connect.hku.hk" userId="0de5b9f1-4841-4bf4-9210-fdfbf365d198" providerId="ADAL" clId="{BEDA62F9-763E-456B-98CE-CD629F8B60B5}" dt="2023-03-11T15:36:04.476" v="4970" actId="14100"/>
+          <ac:spMkLst>
+            <pc:docMk/>
+            <pc:sldMk cId="3772663247" sldId="274"/>
+            <ac:spMk id="21" creationId="{C1A36B4C-61FF-B6FD-7D08-015A6B8CB44A}"/>
+          </ac:spMkLst>
+        </pc:spChg>
+        <pc:spChg chg="mod ord">
+          <ac:chgData name="u3576731@connect.hku.hk" userId="0de5b9f1-4841-4bf4-9210-fdfbf365d198" providerId="ADAL" clId="{BEDA62F9-763E-456B-98CE-CD629F8B60B5}" dt="2023-03-11T15:39:05.866" v="5061" actId="14100"/>
+          <ac:spMkLst>
+            <pc:docMk/>
+            <pc:sldMk cId="3772663247" sldId="274"/>
+            <ac:spMk id="22" creationId="{3F5842D3-20CE-5D45-8ECD-360AEFBB9A6D}"/>
+          </ac:spMkLst>
+        </pc:spChg>
+        <pc:spChg chg="del ord">
+          <ac:chgData name="u3576731@connect.hku.hk" userId="0de5b9f1-4841-4bf4-9210-fdfbf365d198" providerId="ADAL" clId="{BEDA62F9-763E-456B-98CE-CD629F8B60B5}" dt="2023-03-11T15:35:34.103" v="4960" actId="478"/>
+          <ac:spMkLst>
+            <pc:docMk/>
+            <pc:sldMk cId="3772663247" sldId="274"/>
+            <ac:spMk id="23" creationId="{9EC36D28-E60C-DEF2-AF52-473B668F4BE6}"/>
+          </ac:spMkLst>
+        </pc:spChg>
+        <pc:spChg chg="mod ord">
+          <ac:chgData name="u3576731@connect.hku.hk" userId="0de5b9f1-4841-4bf4-9210-fdfbf365d198" providerId="ADAL" clId="{BEDA62F9-763E-456B-98CE-CD629F8B60B5}" dt="2023-03-11T15:39:47.301" v="5065" actId="1076"/>
+          <ac:spMkLst>
+            <pc:docMk/>
+            <pc:sldMk cId="3772663247" sldId="274"/>
+            <ac:spMk id="27" creationId="{45DF21AF-E114-A4CD-546F-049554F45D91}"/>
+          </ac:spMkLst>
+        </pc:spChg>
+        <pc:spChg chg="mod ord">
+          <ac:chgData name="u3576731@connect.hku.hk" userId="0de5b9f1-4841-4bf4-9210-fdfbf365d198" providerId="ADAL" clId="{BEDA62F9-763E-456B-98CE-CD629F8B60B5}" dt="2023-03-11T15:39:47.301" v="5065" actId="1076"/>
+          <ac:spMkLst>
+            <pc:docMk/>
+            <pc:sldMk cId="3772663247" sldId="274"/>
+            <ac:spMk id="28" creationId="{83922FFC-7D19-A135-6F63-31FF811DD165}"/>
+          </ac:spMkLst>
+        </pc:spChg>
+        <pc:spChg chg="del ord">
+          <ac:chgData name="u3576731@connect.hku.hk" userId="0de5b9f1-4841-4bf4-9210-fdfbf365d198" providerId="ADAL" clId="{BEDA62F9-763E-456B-98CE-CD629F8B60B5}" dt="2023-03-11T15:37:14.049" v="5030" actId="478"/>
+          <ac:spMkLst>
+            <pc:docMk/>
+            <pc:sldMk cId="3772663247" sldId="274"/>
+            <ac:spMk id="29" creationId="{D26C60EC-0CA2-3B56-BFA0-529ED03A08CC}"/>
+          </ac:spMkLst>
+        </pc:spChg>
+        <pc:picChg chg="add mod ord modCrop">
+          <ac:chgData name="u3576731@connect.hku.hk" userId="0de5b9f1-4841-4bf4-9210-fdfbf365d198" providerId="ADAL" clId="{BEDA62F9-763E-456B-98CE-CD629F8B60B5}" dt="2023-03-11T15:35:02.255" v="4954" actId="171"/>
+          <ac:picMkLst>
+            <pc:docMk/>
+            <pc:sldMk cId="3772663247" sldId="274"/>
+            <ac:picMk id="4" creationId="{532DC256-479A-4871-7D59-B55A99F6937A}"/>
+          </ac:picMkLst>
+        </pc:picChg>
+        <pc:picChg chg="ord">
+          <ac:chgData name="u3576731@connect.hku.hk" userId="0de5b9f1-4841-4bf4-9210-fdfbf365d198" providerId="ADAL" clId="{BEDA62F9-763E-456B-98CE-CD629F8B60B5}" dt="2023-03-11T15:34:27.330" v="4946" actId="166"/>
+          <ac:picMkLst>
+            <pc:docMk/>
+            <pc:sldMk cId="3772663247" sldId="274"/>
+            <ac:picMk id="5" creationId="{9F1039F9-5615-15EF-339D-7F95C7D183D2}"/>
+          </ac:picMkLst>
+        </pc:picChg>
+        <pc:picChg chg="del">
+          <ac:chgData name="u3576731@connect.hku.hk" userId="0de5b9f1-4841-4bf4-9210-fdfbf365d198" providerId="ADAL" clId="{BEDA62F9-763E-456B-98CE-CD629F8B60B5}" dt="2023-03-11T15:35:08.340" v="4955" actId="478"/>
+          <ac:picMkLst>
+            <pc:docMk/>
+            <pc:sldMk cId="3772663247" sldId="274"/>
+            <ac:picMk id="12" creationId="{D18BA5F3-82AF-5286-44C7-19128F16A921}"/>
+          </ac:picMkLst>
+        </pc:picChg>
+      </pc:sldChg>
+      <pc:sldMasterChg chg="setBg modSldLayout">
+        <pc:chgData name="u3576731@connect.hku.hk" userId="0de5b9f1-4841-4bf4-9210-fdfbf365d198" providerId="ADAL" clId="{BEDA62F9-763E-456B-98CE-CD629F8B60B5}" dt="2023-03-10T10:17:56.802" v="564"/>
+        <pc:sldMasterMkLst>
+          <pc:docMk/>
+          <pc:sldMasterMk cId="94561244" sldId="2147483648"/>
+        </pc:sldMasterMkLst>
+        <pc:sldLayoutChg chg="setBg">
+          <pc:chgData name="u3576731@connect.hku.hk" userId="0de5b9f1-4841-4bf4-9210-fdfbf365d198" providerId="ADAL" clId="{BEDA62F9-763E-456B-98CE-CD629F8B60B5}" dt="2023-03-10T10:17:56.802" v="564"/>
+          <pc:sldLayoutMkLst>
+            <pc:docMk/>
+            <pc:sldMasterMk cId="94561244" sldId="2147483648"/>
+            <pc:sldLayoutMk cId="3567854995" sldId="2147483649"/>
+          </pc:sldLayoutMkLst>
+        </pc:sldLayoutChg>
+        <pc:sldLayoutChg chg="setBg">
+          <pc:chgData name="u3576731@connect.hku.hk" userId="0de5b9f1-4841-4bf4-9210-fdfbf365d198" providerId="ADAL" clId="{BEDA62F9-763E-456B-98CE-CD629F8B60B5}" dt="2023-03-10T10:17:56.802" v="564"/>
+          <pc:sldLayoutMkLst>
+            <pc:docMk/>
+            <pc:sldMasterMk cId="94561244" sldId="2147483648"/>
+            <pc:sldLayoutMk cId="3856904075" sldId="2147483650"/>
+          </pc:sldLayoutMkLst>
+        </pc:sldLayoutChg>
+        <pc:sldLayoutChg chg="setBg">
+          <pc:chgData name="u3576731@connect.hku.hk" userId="0de5b9f1-4841-4bf4-9210-fdfbf365d198" providerId="ADAL" clId="{BEDA62F9-763E-456B-98CE-CD629F8B60B5}" dt="2023-03-10T10:17:56.802" v="564"/>
+          <pc:sldLayoutMkLst>
+            <pc:docMk/>
+            <pc:sldMasterMk cId="94561244" sldId="2147483648"/>
+            <pc:sldLayoutMk cId="2584790739" sldId="2147483651"/>
+          </pc:sldLayoutMkLst>
+        </pc:sldLayoutChg>
+        <pc:sldLayoutChg chg="setBg">
+          <pc:chgData name="u3576731@connect.hku.hk" userId="0de5b9f1-4841-4bf4-9210-fdfbf365d198" providerId="ADAL" clId="{BEDA62F9-763E-456B-98CE-CD629F8B60B5}" dt="2023-03-10T10:17:56.802" v="564"/>
+          <pc:sldLayoutMkLst>
+            <pc:docMk/>
+            <pc:sldMasterMk cId="94561244" sldId="2147483648"/>
+            <pc:sldLayoutMk cId="3942939655" sldId="2147483652"/>
+          </pc:sldLayoutMkLst>
+        </pc:sldLayoutChg>
+        <pc:sldLayoutChg chg="setBg">
+          <pc:chgData name="u3576731@connect.hku.hk" userId="0de5b9f1-4841-4bf4-9210-fdfbf365d198" providerId="ADAL" clId="{BEDA62F9-763E-456B-98CE-CD629F8B60B5}" dt="2023-03-10T10:17:56.802" v="564"/>
+          <pc:sldLayoutMkLst>
+            <pc:docMk/>
+            <pc:sldMasterMk cId="94561244" sldId="2147483648"/>
+            <pc:sldLayoutMk cId="1465525162" sldId="2147483653"/>
+          </pc:sldLayoutMkLst>
+        </pc:sldLayoutChg>
+        <pc:sldLayoutChg chg="setBg">
+          <pc:chgData name="u3576731@connect.hku.hk" userId="0de5b9f1-4841-4bf4-9210-fdfbf365d198" providerId="ADAL" clId="{BEDA62F9-763E-456B-98CE-CD629F8B60B5}" dt="2023-03-10T10:17:56.802" v="564"/>
+          <pc:sldLayoutMkLst>
+            <pc:docMk/>
+            <pc:sldMasterMk cId="94561244" sldId="2147483648"/>
+            <pc:sldLayoutMk cId="747849196" sldId="2147483654"/>
+          </pc:sldLayoutMkLst>
+        </pc:sldLayoutChg>
+        <pc:sldLayoutChg chg="setBg">
+          <pc:chgData name="u3576731@connect.hku.hk" userId="0de5b9f1-4841-4bf4-9210-fdfbf365d198" providerId="ADAL" clId="{BEDA62F9-763E-456B-98CE-CD629F8B60B5}" dt="2023-03-10T10:17:56.802" v="564"/>
+          <pc:sldLayoutMkLst>
+            <pc:docMk/>
+            <pc:sldMasterMk cId="94561244" sldId="2147483648"/>
+            <pc:sldLayoutMk cId="386944501" sldId="2147483655"/>
+          </pc:sldLayoutMkLst>
+        </pc:sldLayoutChg>
+        <pc:sldLayoutChg chg="setBg">
+          <pc:chgData name="u3576731@connect.hku.hk" userId="0de5b9f1-4841-4bf4-9210-fdfbf365d198" providerId="ADAL" clId="{BEDA62F9-763E-456B-98CE-CD629F8B60B5}" dt="2023-03-10T10:17:56.802" v="564"/>
+          <pc:sldLayoutMkLst>
+            <pc:docMk/>
+            <pc:sldMasterMk cId="94561244" sldId="2147483648"/>
+            <pc:sldLayoutMk cId="3290626690" sldId="2147483656"/>
+          </pc:sldLayoutMkLst>
+        </pc:sldLayoutChg>
+        <pc:sldLayoutChg chg="setBg">
+          <pc:chgData name="u3576731@connect.hku.hk" userId="0de5b9f1-4841-4bf4-9210-fdfbf365d198" providerId="ADAL" clId="{BEDA62F9-763E-456B-98CE-CD629F8B60B5}" dt="2023-03-10T10:17:56.802" v="564"/>
+          <pc:sldLayoutMkLst>
+            <pc:docMk/>
+            <pc:sldMasterMk cId="94561244" sldId="2147483648"/>
+            <pc:sldLayoutMk cId="967642333" sldId="2147483657"/>
+          </pc:sldLayoutMkLst>
+        </pc:sldLayoutChg>
+        <pc:sldLayoutChg chg="setBg">
+          <pc:chgData name="u3576731@connect.hku.hk" userId="0de5b9f1-4841-4bf4-9210-fdfbf365d198" providerId="ADAL" clId="{BEDA62F9-763E-456B-98CE-CD629F8B60B5}" dt="2023-03-10T10:17:56.802" v="564"/>
+          <pc:sldLayoutMkLst>
+            <pc:docMk/>
+            <pc:sldMasterMk cId="94561244" sldId="2147483648"/>
+            <pc:sldLayoutMk cId="755406093" sldId="2147483658"/>
+          </pc:sldLayoutMkLst>
+        </pc:sldLayoutChg>
+        <pc:sldLayoutChg chg="setBg">
+          <pc:chgData name="u3576731@connect.hku.hk" userId="0de5b9f1-4841-4bf4-9210-fdfbf365d198" providerId="ADAL" clId="{BEDA62F9-763E-456B-98CE-CD629F8B60B5}" dt="2023-03-10T10:17:56.802" v="564"/>
+          <pc:sldLayoutMkLst>
+            <pc:docMk/>
+            <pc:sldMasterMk cId="94561244" sldId="2147483648"/>
+            <pc:sldLayoutMk cId="281694103" sldId="2147483659"/>
+          </pc:sldLayoutMkLst>
+        </pc:sldLayoutChg>
+      </pc:sldMasterChg>
     </pc:docChg>
   </pc:docChgLst>
   <pc:docChgLst>
@@ -1082,1925 +2993,27 @@
     </pc:docChg>
   </pc:docChgLst>
   <pc:docChgLst>
-    <pc:chgData name="u3576731@connect.hku.hk" userId="0de5b9f1-4841-4bf4-9210-fdfbf365d198" providerId="ADAL" clId="{BEDA62F9-763E-456B-98CE-CD629F8B60B5}"/>
-    <pc:docChg chg="undo redo custSel addSld delSld modSld sldOrd modMainMaster">
-      <pc:chgData name="u3576731@connect.hku.hk" userId="0de5b9f1-4841-4bf4-9210-fdfbf365d198" providerId="ADAL" clId="{BEDA62F9-763E-456B-98CE-CD629F8B60B5}" dt="2023-03-13T14:12:21.882" v="5721" actId="20577"/>
+    <pc:chgData name="u3576731@connect.hku.hk" userId="0de5b9f1-4841-4bf4-9210-fdfbf365d198" providerId="ADAL" clId="{57A580F1-1EC4-4278-9B21-5E4DF28A6768}"/>
+    <pc:docChg chg="custSel modSld">
+      <pc:chgData name="u3576731@connect.hku.hk" userId="0de5b9f1-4841-4bf4-9210-fdfbf365d198" providerId="ADAL" clId="{57A580F1-1EC4-4278-9B21-5E4DF28A6768}" dt="2023-05-18T03:43:41.088" v="1" actId="478"/>
       <pc:docMkLst>
         <pc:docMk/>
       </pc:docMkLst>
-      <pc:sldChg chg="addSp modSp new del mod setBg">
-        <pc:chgData name="u3576731@connect.hku.hk" userId="0de5b9f1-4841-4bf4-9210-fdfbf365d198" providerId="ADAL" clId="{BEDA62F9-763E-456B-98CE-CD629F8B60B5}" dt="2023-03-10T10:21:24.724" v="573" actId="47"/>
-        <pc:sldMkLst>
-          <pc:docMk/>
-          <pc:sldMk cId="2843035987" sldId="256"/>
-        </pc:sldMkLst>
-        <pc:picChg chg="add mod">
-          <ac:chgData name="u3576731@connect.hku.hk" userId="0de5b9f1-4841-4bf4-9210-fdfbf365d198" providerId="ADAL" clId="{BEDA62F9-763E-456B-98CE-CD629F8B60B5}" dt="2023-03-10T10:17:00.947" v="560" actId="962"/>
-          <ac:picMkLst>
-            <pc:docMk/>
-            <pc:sldMk cId="2843035987" sldId="256"/>
-            <ac:picMk id="5" creationId="{9F1039F9-5615-15EF-339D-7F95C7D183D2}"/>
-          </ac:picMkLst>
-        </pc:picChg>
-      </pc:sldChg>
-      <pc:sldChg chg="new del">
-        <pc:chgData name="u3576731@connect.hku.hk" userId="0de5b9f1-4841-4bf4-9210-fdfbf365d198" providerId="ADAL" clId="{BEDA62F9-763E-456B-98CE-CD629F8B60B5}" dt="2023-03-10T10:17:34.228" v="563" actId="47"/>
-        <pc:sldMkLst>
-          <pc:docMk/>
-          <pc:sldMk cId="606966404" sldId="257"/>
-        </pc:sldMkLst>
-      </pc:sldChg>
-      <pc:sldChg chg="add del setBg">
-        <pc:chgData name="u3576731@connect.hku.hk" userId="0de5b9f1-4841-4bf4-9210-fdfbf365d198" providerId="ADAL" clId="{BEDA62F9-763E-456B-98CE-CD629F8B60B5}" dt="2023-03-10T10:20:33.894" v="572" actId="47"/>
-        <pc:sldMkLst>
-          <pc:docMk/>
-          <pc:sldMk cId="681201108" sldId="258"/>
-        </pc:sldMkLst>
-      </pc:sldChg>
-      <pc:sldChg chg="addSp delSp modSp add del mod">
-        <pc:chgData name="u3576731@connect.hku.hk" userId="0de5b9f1-4841-4bf4-9210-fdfbf365d198" providerId="ADAL" clId="{BEDA62F9-763E-456B-98CE-CD629F8B60B5}" dt="2023-03-10T10:24:54.546" v="591" actId="47"/>
-        <pc:sldMkLst>
-          <pc:docMk/>
-          <pc:sldMk cId="1160855035" sldId="259"/>
-        </pc:sldMkLst>
-        <pc:picChg chg="del mod">
-          <ac:chgData name="u3576731@connect.hku.hk" userId="0de5b9f1-4841-4bf4-9210-fdfbf365d198" providerId="ADAL" clId="{BEDA62F9-763E-456B-98CE-CD629F8B60B5}" dt="2023-03-10T10:23:14.303" v="577" actId="478"/>
-          <ac:picMkLst>
-            <pc:docMk/>
-            <pc:sldMk cId="1160855035" sldId="259"/>
-            <ac:picMk id="5" creationId="{9F1039F9-5615-15EF-339D-7F95C7D183D2}"/>
-          </ac:picMkLst>
-        </pc:picChg>
-        <pc:picChg chg="add mod ord">
-          <ac:chgData name="u3576731@connect.hku.hk" userId="0de5b9f1-4841-4bf4-9210-fdfbf365d198" providerId="ADAL" clId="{BEDA62F9-763E-456B-98CE-CD629F8B60B5}" dt="2023-03-10T10:23:21.228" v="581" actId="167"/>
-          <ac:picMkLst>
-            <pc:docMk/>
-            <pc:sldMk cId="1160855035" sldId="259"/>
-            <ac:picMk id="6" creationId="{02CC6E63-5F9A-0E37-70CA-9C5FC55381DF}"/>
-          </ac:picMkLst>
-        </pc:picChg>
-      </pc:sldChg>
-      <pc:sldChg chg="modSp add del mod">
-        <pc:chgData name="u3576731@connect.hku.hk" userId="0de5b9f1-4841-4bf4-9210-fdfbf365d198" providerId="ADAL" clId="{BEDA62F9-763E-456B-98CE-CD629F8B60B5}" dt="2023-03-10T11:38:49.989" v="971" actId="47"/>
-        <pc:sldMkLst>
-          <pc:docMk/>
-          <pc:sldMk cId="1940001396" sldId="260"/>
-        </pc:sldMkLst>
-        <pc:spChg chg="mod">
-          <ac:chgData name="u3576731@connect.hku.hk" userId="0de5b9f1-4841-4bf4-9210-fdfbf365d198" providerId="ADAL" clId="{BEDA62F9-763E-456B-98CE-CD629F8B60B5}" dt="2023-03-10T11:37:29.822" v="957" actId="120"/>
-          <ac:spMkLst>
-            <pc:docMk/>
-            <pc:sldMk cId="1940001396" sldId="260"/>
-            <ac:spMk id="2" creationId="{11E1370A-20E2-1B1D-09CA-88E4572C6CDE}"/>
-          </ac:spMkLst>
-        </pc:spChg>
-        <pc:picChg chg="mod ord">
-          <ac:chgData name="u3576731@connect.hku.hk" userId="0de5b9f1-4841-4bf4-9210-fdfbf365d198" providerId="ADAL" clId="{BEDA62F9-763E-456B-98CE-CD629F8B60B5}" dt="2023-03-10T10:25:30.778" v="593" actId="34135"/>
-          <ac:picMkLst>
-            <pc:docMk/>
-            <pc:sldMk cId="1940001396" sldId="260"/>
-            <ac:picMk id="5" creationId="{9F1039F9-5615-15EF-339D-7F95C7D183D2}"/>
-          </ac:picMkLst>
-        </pc:picChg>
-      </pc:sldChg>
-      <pc:sldChg chg="addSp delSp modSp add mod ord">
-        <pc:chgData name="u3576731@connect.hku.hk" userId="0de5b9f1-4841-4bf4-9210-fdfbf365d198" providerId="ADAL" clId="{BEDA62F9-763E-456B-98CE-CD629F8B60B5}" dt="2023-03-10T16:37:20.120" v="1352" actId="692"/>
+      <pc:sldChg chg="delSp modSp mod">
+        <pc:chgData name="u3576731@connect.hku.hk" userId="0de5b9f1-4841-4bf4-9210-fdfbf365d198" providerId="ADAL" clId="{57A580F1-1EC4-4278-9B21-5E4DF28A6768}" dt="2023-05-18T03:43:41.088" v="1" actId="478"/>
         <pc:sldMkLst>
           <pc:docMk/>
           <pc:sldMk cId="2266166171" sldId="261"/>
         </pc:sldMkLst>
-        <pc:spChg chg="mod">
-          <ac:chgData name="u3576731@connect.hku.hk" userId="0de5b9f1-4841-4bf4-9210-fdfbf365d198" providerId="ADAL" clId="{BEDA62F9-763E-456B-98CE-CD629F8B60B5}" dt="2023-03-10T11:24:26.977" v="822" actId="20577"/>
-          <ac:spMkLst>
-            <pc:docMk/>
-            <pc:sldMk cId="2266166171" sldId="261"/>
-            <ac:spMk id="2" creationId="{11E1370A-20E2-1B1D-09CA-88E4572C6CDE}"/>
-          </ac:spMkLst>
-        </pc:spChg>
-        <pc:spChg chg="mod">
-          <ac:chgData name="u3576731@connect.hku.hk" userId="0de5b9f1-4841-4bf4-9210-fdfbf365d198" providerId="ADAL" clId="{BEDA62F9-763E-456B-98CE-CD629F8B60B5}" dt="2023-03-10T11:31:25.868" v="837" actId="2711"/>
+        <pc:spChg chg="del mod">
+          <ac:chgData name="u3576731@connect.hku.hk" userId="0de5b9f1-4841-4bf4-9210-fdfbf365d198" providerId="ADAL" clId="{57A580F1-1EC4-4278-9B21-5E4DF28A6768}" dt="2023-05-18T03:43:41.088" v="1" actId="478"/>
           <ac:spMkLst>
             <pc:docMk/>
             <pc:sldMk cId="2266166171" sldId="261"/>
             <ac:spMk id="3" creationId="{B6C157C3-CCB7-2CCB-8B5B-67137A4A96EC}"/>
           </ac:spMkLst>
         </pc:spChg>
-        <pc:picChg chg="del">
-          <ac:chgData name="u3576731@connect.hku.hk" userId="0de5b9f1-4841-4bf4-9210-fdfbf365d198" providerId="ADAL" clId="{BEDA62F9-763E-456B-98CE-CD629F8B60B5}" dt="2023-03-10T10:24:39.429" v="585" actId="478"/>
-          <ac:picMkLst>
-            <pc:docMk/>
-            <pc:sldMk cId="2266166171" sldId="261"/>
-            <ac:picMk id="5" creationId="{9F1039F9-5615-15EF-339D-7F95C7D183D2}"/>
-          </ac:picMkLst>
-        </pc:picChg>
-        <pc:picChg chg="add del mod ord">
-          <ac:chgData name="u3576731@connect.hku.hk" userId="0de5b9f1-4841-4bf4-9210-fdfbf365d198" providerId="ADAL" clId="{BEDA62F9-763E-456B-98CE-CD629F8B60B5}" dt="2023-03-10T10:26:24.084" v="598" actId="478"/>
-          <ac:picMkLst>
-            <pc:docMk/>
-            <pc:sldMk cId="2266166171" sldId="261"/>
-            <ac:picMk id="6" creationId="{E186F13E-D6E2-C281-037C-7E2A5BBBF377}"/>
-          </ac:picMkLst>
-        </pc:picChg>
-        <pc:picChg chg="add del mod">
-          <ac:chgData name="u3576731@connect.hku.hk" userId="0de5b9f1-4841-4bf4-9210-fdfbf365d198" providerId="ADAL" clId="{BEDA62F9-763E-456B-98CE-CD629F8B60B5}" dt="2023-03-10T10:26:53.558" v="604" actId="478"/>
-          <ac:picMkLst>
-            <pc:docMk/>
-            <pc:sldMk cId="2266166171" sldId="261"/>
-            <ac:picMk id="8" creationId="{4F3AC8C1-D175-8577-6111-CC303BE748FD}"/>
-          </ac:picMkLst>
-        </pc:picChg>
-        <pc:picChg chg="add del mod">
-          <ac:chgData name="u3576731@connect.hku.hk" userId="0de5b9f1-4841-4bf4-9210-fdfbf365d198" providerId="ADAL" clId="{BEDA62F9-763E-456B-98CE-CD629F8B60B5}" dt="2023-03-10T10:27:39.475" v="608" actId="478"/>
-          <ac:picMkLst>
-            <pc:docMk/>
-            <pc:sldMk cId="2266166171" sldId="261"/>
-            <ac:picMk id="10" creationId="{CA252619-C808-8428-8E22-774875DD7671}"/>
-          </ac:picMkLst>
-        </pc:picChg>
-        <pc:picChg chg="add del mod">
-          <ac:chgData name="u3576731@connect.hku.hk" userId="0de5b9f1-4841-4bf4-9210-fdfbf365d198" providerId="ADAL" clId="{BEDA62F9-763E-456B-98CE-CD629F8B60B5}" dt="2023-03-10T10:28:31.900" v="614" actId="478"/>
-          <ac:picMkLst>
-            <pc:docMk/>
-            <pc:sldMk cId="2266166171" sldId="261"/>
-            <ac:picMk id="12" creationId="{6B6B5A9B-D195-9C8F-3002-965FEF5D98FC}"/>
-          </ac:picMkLst>
-        </pc:picChg>
-        <pc:picChg chg="add mod ord">
-          <ac:chgData name="u3576731@connect.hku.hk" userId="0de5b9f1-4841-4bf4-9210-fdfbf365d198" providerId="ADAL" clId="{BEDA62F9-763E-456B-98CE-CD629F8B60B5}" dt="2023-03-10T10:29:19.492" v="621" actId="34135"/>
-          <ac:picMkLst>
-            <pc:docMk/>
-            <pc:sldMk cId="2266166171" sldId="261"/>
-            <ac:picMk id="14" creationId="{6684FA47-D634-C6D9-F3E8-05BFA85E1403}"/>
-          </ac:picMkLst>
-        </pc:picChg>
-        <pc:cxnChg chg="add mod">
-          <ac:chgData name="u3576731@connect.hku.hk" userId="0de5b9f1-4841-4bf4-9210-fdfbf365d198" providerId="ADAL" clId="{BEDA62F9-763E-456B-98CE-CD629F8B60B5}" dt="2023-03-10T16:37:20.120" v="1352" actId="692"/>
-          <ac:cxnSpMkLst>
-            <pc:docMk/>
-            <pc:sldMk cId="2266166171" sldId="261"/>
-            <ac:cxnSpMk id="16" creationId="{5D2BD860-A6E8-C1B0-EC19-5BEA4522E629}"/>
-          </ac:cxnSpMkLst>
-        </pc:cxnChg>
       </pc:sldChg>
-      <pc:sldChg chg="addSp delSp modSp add mod">
-        <pc:chgData name="u3576731@connect.hku.hk" userId="0de5b9f1-4841-4bf4-9210-fdfbf365d198" providerId="ADAL" clId="{BEDA62F9-763E-456B-98CE-CD629F8B60B5}" dt="2023-03-10T16:48:02.495" v="1998" actId="164"/>
-        <pc:sldMkLst>
-          <pc:docMk/>
-          <pc:sldMk cId="1208938695" sldId="262"/>
-        </pc:sldMkLst>
-        <pc:spChg chg="mod ord">
-          <ac:chgData name="u3576731@connect.hku.hk" userId="0de5b9f1-4841-4bf4-9210-fdfbf365d198" providerId="ADAL" clId="{BEDA62F9-763E-456B-98CE-CD629F8B60B5}" dt="2023-03-10T16:44:23.707" v="1780" actId="166"/>
-          <ac:spMkLst>
-            <pc:docMk/>
-            <pc:sldMk cId="1208938695" sldId="262"/>
-            <ac:spMk id="2" creationId="{11E1370A-20E2-1B1D-09CA-88E4572C6CDE}"/>
-          </ac:spMkLst>
-        </pc:spChg>
-        <pc:spChg chg="del">
-          <ac:chgData name="u3576731@connect.hku.hk" userId="0de5b9f1-4841-4bf4-9210-fdfbf365d198" providerId="ADAL" clId="{BEDA62F9-763E-456B-98CE-CD629F8B60B5}" dt="2023-03-10T10:37:24.975" v="632" actId="478"/>
-          <ac:spMkLst>
-            <pc:docMk/>
-            <pc:sldMk cId="1208938695" sldId="262"/>
-            <ac:spMk id="3" creationId="{B6C157C3-CCB7-2CCB-8B5B-67137A4A96EC}"/>
-          </ac:spMkLst>
-        </pc:spChg>
-        <pc:spChg chg="add del mod">
-          <ac:chgData name="u3576731@connect.hku.hk" userId="0de5b9f1-4841-4bf4-9210-fdfbf365d198" providerId="ADAL" clId="{BEDA62F9-763E-456B-98CE-CD629F8B60B5}" dt="2023-03-10T16:46:26.559" v="1939" actId="478"/>
-          <ac:spMkLst>
-            <pc:docMk/>
-            <pc:sldMk cId="1208938695" sldId="262"/>
-            <ac:spMk id="24" creationId="{E5C5A91A-1401-2282-F28C-D8DE10299C8E}"/>
-          </ac:spMkLst>
-        </pc:spChg>
-        <pc:grpChg chg="add mod">
-          <ac:chgData name="u3576731@connect.hku.hk" userId="0de5b9f1-4841-4bf4-9210-fdfbf365d198" providerId="ADAL" clId="{BEDA62F9-763E-456B-98CE-CD629F8B60B5}" dt="2023-03-10T16:48:02.495" v="1998" actId="164"/>
-          <ac:grpSpMkLst>
-            <pc:docMk/>
-            <pc:sldMk cId="1208938695" sldId="262"/>
-            <ac:grpSpMk id="29" creationId="{C1A2015B-51E1-77FB-7B61-BFB1689C0D26}"/>
-          </ac:grpSpMkLst>
-        </pc:grpChg>
-        <pc:cxnChg chg="add del mod ord">
-          <ac:chgData name="u3576731@connect.hku.hk" userId="0de5b9f1-4841-4bf4-9210-fdfbf365d198" providerId="ADAL" clId="{BEDA62F9-763E-456B-98CE-CD629F8B60B5}" dt="2023-03-10T16:35:29.083" v="1306" actId="478"/>
-          <ac:cxnSpMkLst>
-            <pc:docMk/>
-            <pc:sldMk cId="1208938695" sldId="262"/>
-            <ac:cxnSpMk id="3" creationId="{D9610166-3C3F-E207-80EB-6826D1175F83}"/>
-          </ac:cxnSpMkLst>
-        </pc:cxnChg>
-        <pc:cxnChg chg="add del mod">
-          <ac:chgData name="u3576731@connect.hku.hk" userId="0de5b9f1-4841-4bf4-9210-fdfbf365d198" providerId="ADAL" clId="{BEDA62F9-763E-456B-98CE-CD629F8B60B5}" dt="2023-03-10T16:39:17.129" v="1637" actId="478"/>
-          <ac:cxnSpMkLst>
-            <pc:docMk/>
-            <pc:sldMk cId="1208938695" sldId="262"/>
-            <ac:cxnSpMk id="20" creationId="{5C30E31C-F2BA-DF87-5CA4-A3A36B2C4AFE}"/>
-          </ac:cxnSpMkLst>
-        </pc:cxnChg>
-        <pc:cxnChg chg="add mod">
-          <ac:chgData name="u3576731@connect.hku.hk" userId="0de5b9f1-4841-4bf4-9210-fdfbf365d198" providerId="ADAL" clId="{BEDA62F9-763E-456B-98CE-CD629F8B60B5}" dt="2023-03-10T16:48:02.495" v="1998" actId="164"/>
-          <ac:cxnSpMkLst>
-            <pc:docMk/>
-            <pc:sldMk cId="1208938695" sldId="262"/>
-            <ac:cxnSpMk id="25" creationId="{9B80A4B0-7B40-7446-657F-556D5EB1EB64}"/>
-          </ac:cxnSpMkLst>
-        </pc:cxnChg>
-        <pc:cxnChg chg="add mod">
-          <ac:chgData name="u3576731@connect.hku.hk" userId="0de5b9f1-4841-4bf4-9210-fdfbf365d198" providerId="ADAL" clId="{BEDA62F9-763E-456B-98CE-CD629F8B60B5}" dt="2023-03-10T16:48:02.495" v="1998" actId="164"/>
-          <ac:cxnSpMkLst>
-            <pc:docMk/>
-            <pc:sldMk cId="1208938695" sldId="262"/>
-            <ac:cxnSpMk id="26" creationId="{94190567-ECF1-1EA8-506C-F481FA3F6460}"/>
-          </ac:cxnSpMkLst>
-        </pc:cxnChg>
-      </pc:sldChg>
-      <pc:sldChg chg="modSp add del mod">
-        <pc:chgData name="u3576731@connect.hku.hk" userId="0de5b9f1-4841-4bf4-9210-fdfbf365d198" providerId="ADAL" clId="{BEDA62F9-763E-456B-98CE-CD629F8B60B5}" dt="2023-03-10T11:38:50.893" v="972" actId="47"/>
-        <pc:sldMkLst>
-          <pc:docMk/>
-          <pc:sldMk cId="242367566" sldId="263"/>
-        </pc:sldMkLst>
-        <pc:spChg chg="mod">
-          <ac:chgData name="u3576731@connect.hku.hk" userId="0de5b9f1-4841-4bf4-9210-fdfbf365d198" providerId="ADAL" clId="{BEDA62F9-763E-456B-98CE-CD629F8B60B5}" dt="2023-03-10T11:37:33.809" v="958" actId="120"/>
-          <ac:spMkLst>
-            <pc:docMk/>
-            <pc:sldMk cId="242367566" sldId="263"/>
-            <ac:spMk id="2" creationId="{11E1370A-20E2-1B1D-09CA-88E4572C6CDE}"/>
-          </ac:spMkLst>
-        </pc:spChg>
-      </pc:sldChg>
-      <pc:sldChg chg="addSp delSp modSp add mod ord">
-        <pc:chgData name="u3576731@connect.hku.hk" userId="0de5b9f1-4841-4bf4-9210-fdfbf365d198" providerId="ADAL" clId="{BEDA62F9-763E-456B-98CE-CD629F8B60B5}" dt="2023-03-11T16:46:12.225" v="5675" actId="20577"/>
-        <pc:sldMkLst>
-          <pc:docMk/>
-          <pc:sldMk cId="3704382441" sldId="264"/>
-        </pc:sldMkLst>
-        <pc:spChg chg="mod">
-          <ac:chgData name="u3576731@connect.hku.hk" userId="0de5b9f1-4841-4bf4-9210-fdfbf365d198" providerId="ADAL" clId="{BEDA62F9-763E-456B-98CE-CD629F8B60B5}" dt="2023-03-10T11:38:32.992" v="969" actId="14100"/>
-          <ac:spMkLst>
-            <pc:docMk/>
-            <pc:sldMk cId="3704382441" sldId="264"/>
-            <ac:spMk id="2" creationId="{11E1370A-20E2-1B1D-09CA-88E4572C6CDE}"/>
-          </ac:spMkLst>
-        </pc:spChg>
-        <pc:spChg chg="del mod">
-          <ac:chgData name="u3576731@connect.hku.hk" userId="0de5b9f1-4841-4bf4-9210-fdfbf365d198" providerId="ADAL" clId="{BEDA62F9-763E-456B-98CE-CD629F8B60B5}" dt="2023-03-11T16:40:23.990" v="5620" actId="478"/>
-          <ac:spMkLst>
-            <pc:docMk/>
-            <pc:sldMk cId="3704382441" sldId="264"/>
-            <ac:spMk id="3" creationId="{B6C157C3-CCB7-2CCB-8B5B-67137A4A96EC}"/>
-          </ac:spMkLst>
-        </pc:spChg>
-        <pc:spChg chg="add mod">
-          <ac:chgData name="u3576731@connect.hku.hk" userId="0de5b9f1-4841-4bf4-9210-fdfbf365d198" providerId="ADAL" clId="{BEDA62F9-763E-456B-98CE-CD629F8B60B5}" dt="2023-03-11T16:46:12.225" v="5675" actId="20577"/>
-          <ac:spMkLst>
-            <pc:docMk/>
-            <pc:sldMk cId="3704382441" sldId="264"/>
-            <ac:spMk id="4" creationId="{71580798-AD98-EECE-BE7A-CAE91A706CD4}"/>
-          </ac:spMkLst>
-        </pc:spChg>
-        <pc:spChg chg="add del">
-          <ac:chgData name="u3576731@connect.hku.hk" userId="0de5b9f1-4841-4bf4-9210-fdfbf365d198" providerId="ADAL" clId="{BEDA62F9-763E-456B-98CE-CD629F8B60B5}" dt="2023-03-11T16:35:45.455" v="5561" actId="22"/>
-          <ac:spMkLst>
-            <pc:docMk/>
-            <pc:sldMk cId="3704382441" sldId="264"/>
-            <ac:spMk id="10" creationId="{DB0FD824-53C4-5F43-BFA7-7D6E4330C7E4}"/>
-          </ac:spMkLst>
-        </pc:spChg>
-        <pc:spChg chg="add mod">
-          <ac:chgData name="u3576731@connect.hku.hk" userId="0de5b9f1-4841-4bf4-9210-fdfbf365d198" providerId="ADAL" clId="{BEDA62F9-763E-456B-98CE-CD629F8B60B5}" dt="2023-03-11T16:44:24.667" v="5663" actId="20577"/>
-          <ac:spMkLst>
-            <pc:docMk/>
-            <pc:sldMk cId="3704382441" sldId="264"/>
-            <ac:spMk id="12" creationId="{FAC542CD-D7BF-04E1-D0ED-545D14EEC2AB}"/>
-          </ac:spMkLst>
-        </pc:spChg>
-        <pc:cxnChg chg="add del mod">
-          <ac:chgData name="u3576731@connect.hku.hk" userId="0de5b9f1-4841-4bf4-9210-fdfbf365d198" providerId="ADAL" clId="{BEDA62F9-763E-456B-98CE-CD629F8B60B5}" dt="2023-03-11T16:41:04.498" v="5630" actId="478"/>
-          <ac:cxnSpMkLst>
-            <pc:docMk/>
-            <pc:sldMk cId="3704382441" sldId="264"/>
-            <ac:cxnSpMk id="6" creationId="{DBDE1996-C941-041E-B8AE-A29F1D5FCE7C}"/>
-          </ac:cxnSpMkLst>
-        </pc:cxnChg>
-        <pc:cxnChg chg="add mod">
-          <ac:chgData name="u3576731@connect.hku.hk" userId="0de5b9f1-4841-4bf4-9210-fdfbf365d198" providerId="ADAL" clId="{BEDA62F9-763E-456B-98CE-CD629F8B60B5}" dt="2023-03-11T16:42:28.229" v="5642" actId="1076"/>
-          <ac:cxnSpMkLst>
-            <pc:docMk/>
-            <pc:sldMk cId="3704382441" sldId="264"/>
-            <ac:cxnSpMk id="25" creationId="{18368088-67A3-594C-6A5E-D87187449669}"/>
-          </ac:cxnSpMkLst>
-        </pc:cxnChg>
-      </pc:sldChg>
-      <pc:sldChg chg="modSp add del mod">
-        <pc:chgData name="u3576731@connect.hku.hk" userId="0de5b9f1-4841-4bf4-9210-fdfbf365d198" providerId="ADAL" clId="{BEDA62F9-763E-456B-98CE-CD629F8B60B5}" dt="2023-03-10T11:38:51.858" v="973" actId="47"/>
-        <pc:sldMkLst>
-          <pc:docMk/>
-          <pc:sldMk cId="2093380017" sldId="265"/>
-        </pc:sldMkLst>
-        <pc:spChg chg="mod">
-          <ac:chgData name="u3576731@connect.hku.hk" userId="0de5b9f1-4841-4bf4-9210-fdfbf365d198" providerId="ADAL" clId="{BEDA62F9-763E-456B-98CE-CD629F8B60B5}" dt="2023-03-10T11:37:37.391" v="959" actId="120"/>
-          <ac:spMkLst>
-            <pc:docMk/>
-            <pc:sldMk cId="2093380017" sldId="265"/>
-            <ac:spMk id="2" creationId="{11E1370A-20E2-1B1D-09CA-88E4572C6CDE}"/>
-          </ac:spMkLst>
-        </pc:spChg>
-      </pc:sldChg>
-      <pc:sldChg chg="modSp add mod">
-        <pc:chgData name="u3576731@connect.hku.hk" userId="0de5b9f1-4841-4bf4-9210-fdfbf365d198" providerId="ADAL" clId="{BEDA62F9-763E-456B-98CE-CD629F8B60B5}" dt="2023-03-10T11:40:04.815" v="993"/>
-        <pc:sldMkLst>
-          <pc:docMk/>
-          <pc:sldMk cId="2115501710" sldId="265"/>
-        </pc:sldMkLst>
-        <pc:spChg chg="mod">
-          <ac:chgData name="u3576731@connect.hku.hk" userId="0de5b9f1-4841-4bf4-9210-fdfbf365d198" providerId="ADAL" clId="{BEDA62F9-763E-456B-98CE-CD629F8B60B5}" dt="2023-03-10T11:40:04.815" v="993"/>
-          <ac:spMkLst>
-            <pc:docMk/>
-            <pc:sldMk cId="2115501710" sldId="265"/>
-            <ac:spMk id="2" creationId="{11E1370A-20E2-1B1D-09CA-88E4572C6CDE}"/>
-          </ac:spMkLst>
-        </pc:spChg>
-      </pc:sldChg>
-      <pc:sldChg chg="modSp add del mod">
-        <pc:chgData name="u3576731@connect.hku.hk" userId="0de5b9f1-4841-4bf4-9210-fdfbf365d198" providerId="ADAL" clId="{BEDA62F9-763E-456B-98CE-CD629F8B60B5}" dt="2023-03-10T11:38:52.872" v="974" actId="47"/>
-        <pc:sldMkLst>
-          <pc:docMk/>
-          <pc:sldMk cId="2409266869" sldId="266"/>
-        </pc:sldMkLst>
-        <pc:spChg chg="mod">
-          <ac:chgData name="u3576731@connect.hku.hk" userId="0de5b9f1-4841-4bf4-9210-fdfbf365d198" providerId="ADAL" clId="{BEDA62F9-763E-456B-98CE-CD629F8B60B5}" dt="2023-03-10T11:37:40.698" v="960" actId="120"/>
-          <ac:spMkLst>
-            <pc:docMk/>
-            <pc:sldMk cId="2409266869" sldId="266"/>
-            <ac:spMk id="2" creationId="{11E1370A-20E2-1B1D-09CA-88E4572C6CDE}"/>
-          </ac:spMkLst>
-        </pc:spChg>
-      </pc:sldChg>
-      <pc:sldChg chg="modSp add mod">
-        <pc:chgData name="u3576731@connect.hku.hk" userId="0de5b9f1-4841-4bf4-9210-fdfbf365d198" providerId="ADAL" clId="{BEDA62F9-763E-456B-98CE-CD629F8B60B5}" dt="2023-03-10T11:44:05.490" v="1012" actId="20577"/>
-        <pc:sldMkLst>
-          <pc:docMk/>
-          <pc:sldMk cId="2932351163" sldId="266"/>
-        </pc:sldMkLst>
-        <pc:spChg chg="mod">
-          <ac:chgData name="u3576731@connect.hku.hk" userId="0de5b9f1-4841-4bf4-9210-fdfbf365d198" providerId="ADAL" clId="{BEDA62F9-763E-456B-98CE-CD629F8B60B5}" dt="2023-03-10T11:44:05.490" v="1012" actId="20577"/>
-          <ac:spMkLst>
-            <pc:docMk/>
-            <pc:sldMk cId="2932351163" sldId="266"/>
-            <ac:spMk id="2" creationId="{11E1370A-20E2-1B1D-09CA-88E4572C6CDE}"/>
-          </ac:spMkLst>
-        </pc:spChg>
-      </pc:sldChg>
-      <pc:sldChg chg="modSp add mod">
-        <pc:chgData name="u3576731@connect.hku.hk" userId="0de5b9f1-4841-4bf4-9210-fdfbf365d198" providerId="ADAL" clId="{BEDA62F9-763E-456B-98CE-CD629F8B60B5}" dt="2023-03-10T11:44:02.889" v="1011" actId="20577"/>
-        <pc:sldMkLst>
-          <pc:docMk/>
-          <pc:sldMk cId="2976592220" sldId="267"/>
-        </pc:sldMkLst>
-        <pc:spChg chg="mod">
-          <ac:chgData name="u3576731@connect.hku.hk" userId="0de5b9f1-4841-4bf4-9210-fdfbf365d198" providerId="ADAL" clId="{BEDA62F9-763E-456B-98CE-CD629F8B60B5}" dt="2023-03-10T11:44:02.889" v="1011" actId="20577"/>
-          <ac:spMkLst>
-            <pc:docMk/>
-            <pc:sldMk cId="2976592220" sldId="267"/>
-            <ac:spMk id="2" creationId="{11E1370A-20E2-1B1D-09CA-88E4572C6CDE}"/>
-          </ac:spMkLst>
-        </pc:spChg>
-      </pc:sldChg>
-      <pc:sldChg chg="add del">
-        <pc:chgData name="u3576731@connect.hku.hk" userId="0de5b9f1-4841-4bf4-9210-fdfbf365d198" providerId="ADAL" clId="{BEDA62F9-763E-456B-98CE-CD629F8B60B5}" dt="2023-03-10T11:35:53.061" v="924"/>
-        <pc:sldMkLst>
-          <pc:docMk/>
-          <pc:sldMk cId="3015544404" sldId="267"/>
-        </pc:sldMkLst>
-      </pc:sldChg>
-      <pc:sldChg chg="modSp add mod">
-        <pc:chgData name="u3576731@connect.hku.hk" userId="0de5b9f1-4841-4bf4-9210-fdfbf365d198" providerId="ADAL" clId="{BEDA62F9-763E-456B-98CE-CD629F8B60B5}" dt="2023-03-10T11:43:57.980" v="1010"/>
-        <pc:sldMkLst>
-          <pc:docMk/>
-          <pc:sldMk cId="1612596117" sldId="268"/>
-        </pc:sldMkLst>
-        <pc:spChg chg="mod">
-          <ac:chgData name="u3576731@connect.hku.hk" userId="0de5b9f1-4841-4bf4-9210-fdfbf365d198" providerId="ADAL" clId="{BEDA62F9-763E-456B-98CE-CD629F8B60B5}" dt="2023-03-10T11:43:57.980" v="1010"/>
-          <ac:spMkLst>
-            <pc:docMk/>
-            <pc:sldMk cId="1612596117" sldId="268"/>
-            <ac:spMk id="2" creationId="{11E1370A-20E2-1B1D-09CA-88E4572C6CDE}"/>
-          </ac:spMkLst>
-        </pc:spChg>
-      </pc:sldChg>
-      <pc:sldChg chg="addSp delSp modSp add mod">
-        <pc:chgData name="u3576731@connect.hku.hk" userId="0de5b9f1-4841-4bf4-9210-fdfbf365d198" providerId="ADAL" clId="{BEDA62F9-763E-456B-98CE-CD629F8B60B5}" dt="2023-03-13T14:12:21.882" v="5721" actId="20577"/>
-        <pc:sldMkLst>
-          <pc:docMk/>
-          <pc:sldMk cId="2484361493" sldId="269"/>
-        </pc:sldMkLst>
-        <pc:spChg chg="mod">
-          <ac:chgData name="u3576731@connect.hku.hk" userId="0de5b9f1-4841-4bf4-9210-fdfbf365d198" providerId="ADAL" clId="{BEDA62F9-763E-456B-98CE-CD629F8B60B5}" dt="2023-03-13T14:12:21.882" v="5721" actId="20577"/>
-          <ac:spMkLst>
-            <pc:docMk/>
-            <pc:sldMk cId="2484361493" sldId="269"/>
-            <ac:spMk id="2" creationId="{11E1370A-20E2-1B1D-09CA-88E4572C6CDE}"/>
-          </ac:spMkLst>
-        </pc:spChg>
-        <pc:spChg chg="del">
-          <ac:chgData name="u3576731@connect.hku.hk" userId="0de5b9f1-4841-4bf4-9210-fdfbf365d198" providerId="ADAL" clId="{BEDA62F9-763E-456B-98CE-CD629F8B60B5}" dt="2023-03-11T09:13:37.578" v="2035" actId="478"/>
-          <ac:spMkLst>
-            <pc:docMk/>
-            <pc:sldMk cId="2484361493" sldId="269"/>
-            <ac:spMk id="3" creationId="{B6C157C3-CCB7-2CCB-8B5B-67137A4A96EC}"/>
-          </ac:spMkLst>
-        </pc:spChg>
-        <pc:spChg chg="add del mod">
-          <ac:chgData name="u3576731@connect.hku.hk" userId="0de5b9f1-4841-4bf4-9210-fdfbf365d198" providerId="ADAL" clId="{BEDA62F9-763E-456B-98CE-CD629F8B60B5}" dt="2023-03-11T15:50:12.593" v="5068" actId="478"/>
-          <ac:spMkLst>
-            <pc:docMk/>
-            <pc:sldMk cId="2484361493" sldId="269"/>
-            <ac:spMk id="13" creationId="{5EDE47A6-30B6-BE8A-6903-CCA68704C7DF}"/>
-          </ac:spMkLst>
-        </pc:spChg>
-        <pc:spChg chg="add del mod">
-          <ac:chgData name="u3576731@connect.hku.hk" userId="0de5b9f1-4841-4bf4-9210-fdfbf365d198" providerId="ADAL" clId="{BEDA62F9-763E-456B-98CE-CD629F8B60B5}" dt="2023-03-11T09:57:44.020" v="3574" actId="478"/>
-          <ac:spMkLst>
-            <pc:docMk/>
-            <pc:sldMk cId="2484361493" sldId="269"/>
-            <ac:spMk id="14" creationId="{FDE9AADC-7A54-EFB0-2D82-C367B0E88BC7}"/>
-          </ac:spMkLst>
-        </pc:spChg>
-        <pc:spChg chg="add del mod">
-          <ac:chgData name="u3576731@connect.hku.hk" userId="0de5b9f1-4841-4bf4-9210-fdfbf365d198" providerId="ADAL" clId="{BEDA62F9-763E-456B-98CE-CD629F8B60B5}" dt="2023-03-11T09:57:53.876" v="3577" actId="478"/>
-          <ac:spMkLst>
-            <pc:docMk/>
-            <pc:sldMk cId="2484361493" sldId="269"/>
-            <ac:spMk id="15" creationId="{ED268122-93A8-1AB4-A876-333DC4C1467E}"/>
-          </ac:spMkLst>
-        </pc:spChg>
-        <pc:spChg chg="add del mod">
-          <ac:chgData name="u3576731@connect.hku.hk" userId="0de5b9f1-4841-4bf4-9210-fdfbf365d198" providerId="ADAL" clId="{BEDA62F9-763E-456B-98CE-CD629F8B60B5}" dt="2023-03-11T09:48:23.036" v="2267" actId="478"/>
-          <ac:spMkLst>
-            <pc:docMk/>
-            <pc:sldMk cId="2484361493" sldId="269"/>
-            <ac:spMk id="16" creationId="{600DD1A0-3BD6-8E73-5C5E-E5DDDCD00E6C}"/>
-          </ac:spMkLst>
-        </pc:spChg>
-        <pc:spChg chg="add del mod">
-          <ac:chgData name="u3576731@connect.hku.hk" userId="0de5b9f1-4841-4bf4-9210-fdfbf365d198" providerId="ADAL" clId="{BEDA62F9-763E-456B-98CE-CD629F8B60B5}" dt="2023-03-11T09:48:25.293" v="2269" actId="478"/>
-          <ac:spMkLst>
-            <pc:docMk/>
-            <pc:sldMk cId="2484361493" sldId="269"/>
-            <ac:spMk id="19" creationId="{E690A522-3BD3-28E4-C0A6-24C8B4B8B5A1}"/>
-          </ac:spMkLst>
-        </pc:spChg>
-        <pc:spChg chg="add mod ord">
-          <ac:chgData name="u3576731@connect.hku.hk" userId="0de5b9f1-4841-4bf4-9210-fdfbf365d198" providerId="ADAL" clId="{BEDA62F9-763E-456B-98CE-CD629F8B60B5}" dt="2023-03-11T09:56:51.429" v="3571" actId="207"/>
-          <ac:spMkLst>
-            <pc:docMk/>
-            <pc:sldMk cId="2484361493" sldId="269"/>
-            <ac:spMk id="20" creationId="{E72BE26C-26F5-84AC-EC76-2960570FC2D2}"/>
-          </ac:spMkLst>
-        </pc:spChg>
-        <pc:spChg chg="add mod ord">
-          <ac:chgData name="u3576731@connect.hku.hk" userId="0de5b9f1-4841-4bf4-9210-fdfbf365d198" providerId="ADAL" clId="{BEDA62F9-763E-456B-98CE-CD629F8B60B5}" dt="2023-03-11T10:00:05.834" v="3612" actId="1076"/>
-          <ac:spMkLst>
-            <pc:docMk/>
-            <pc:sldMk cId="2484361493" sldId="269"/>
-            <ac:spMk id="21" creationId="{C1A36B4C-61FF-B6FD-7D08-015A6B8CB44A}"/>
-          </ac:spMkLst>
-        </pc:spChg>
-        <pc:spChg chg="add mod ord">
-          <ac:chgData name="u3576731@connect.hku.hk" userId="0de5b9f1-4841-4bf4-9210-fdfbf365d198" providerId="ADAL" clId="{BEDA62F9-763E-456B-98CE-CD629F8B60B5}" dt="2023-03-13T11:55:24.599" v="5676" actId="1076"/>
-          <ac:spMkLst>
-            <pc:docMk/>
-            <pc:sldMk cId="2484361493" sldId="269"/>
-            <ac:spMk id="22" creationId="{3F5842D3-20CE-5D45-8ECD-360AEFBB9A6D}"/>
-          </ac:spMkLst>
-        </pc:spChg>
-        <pc:spChg chg="add del mod ord">
-          <ac:chgData name="u3576731@connect.hku.hk" userId="0de5b9f1-4841-4bf4-9210-fdfbf365d198" providerId="ADAL" clId="{BEDA62F9-763E-456B-98CE-CD629F8B60B5}" dt="2023-03-11T15:50:10.726" v="5067" actId="478"/>
-          <ac:spMkLst>
-            <pc:docMk/>
-            <pc:sldMk cId="2484361493" sldId="269"/>
-            <ac:spMk id="23" creationId="{9EC36D28-E60C-DEF2-AF52-473B668F4BE6}"/>
-          </ac:spMkLst>
-        </pc:spChg>
-        <pc:spChg chg="add del">
-          <ac:chgData name="u3576731@connect.hku.hk" userId="0de5b9f1-4841-4bf4-9210-fdfbf365d198" providerId="ADAL" clId="{BEDA62F9-763E-456B-98CE-CD629F8B60B5}" dt="2023-03-11T09:58:01.174" v="3579" actId="22"/>
-          <ac:spMkLst>
-            <pc:docMk/>
-            <pc:sldMk cId="2484361493" sldId="269"/>
-            <ac:spMk id="25" creationId="{2DD58CA5-469B-4EE4-E60F-DEE439A76BE5}"/>
-          </ac:spMkLst>
-        </pc:spChg>
-        <pc:spChg chg="add mod">
-          <ac:chgData name="u3576731@connect.hku.hk" userId="0de5b9f1-4841-4bf4-9210-fdfbf365d198" providerId="ADAL" clId="{BEDA62F9-763E-456B-98CE-CD629F8B60B5}" dt="2023-03-11T10:00:38.934" v="3615" actId="1076"/>
-          <ac:spMkLst>
-            <pc:docMk/>
-            <pc:sldMk cId="2484361493" sldId="269"/>
-            <ac:spMk id="27" creationId="{45DF21AF-E114-A4CD-546F-049554F45D91}"/>
-          </ac:spMkLst>
-        </pc:spChg>
-        <pc:spChg chg="add mod">
-          <ac:chgData name="u3576731@connect.hku.hk" userId="0de5b9f1-4841-4bf4-9210-fdfbf365d198" providerId="ADAL" clId="{BEDA62F9-763E-456B-98CE-CD629F8B60B5}" dt="2023-03-11T10:00:38.934" v="3615" actId="1076"/>
-          <ac:spMkLst>
-            <pc:docMk/>
-            <pc:sldMk cId="2484361493" sldId="269"/>
-            <ac:spMk id="28" creationId="{83922FFC-7D19-A135-6F63-31FF811DD165}"/>
-          </ac:spMkLst>
-        </pc:spChg>
-        <pc:spChg chg="add mod">
-          <ac:chgData name="u3576731@connect.hku.hk" userId="0de5b9f1-4841-4bf4-9210-fdfbf365d198" providerId="ADAL" clId="{BEDA62F9-763E-456B-98CE-CD629F8B60B5}" dt="2023-03-13T11:55:24.599" v="5676" actId="1076"/>
-          <ac:spMkLst>
-            <pc:docMk/>
-            <pc:sldMk cId="2484361493" sldId="269"/>
-            <ac:spMk id="29" creationId="{D26C60EC-0CA2-3B56-BFA0-529ED03A08CC}"/>
-          </ac:spMkLst>
-        </pc:spChg>
-        <pc:picChg chg="add del mod modCrop">
-          <ac:chgData name="u3576731@connect.hku.hk" userId="0de5b9f1-4841-4bf4-9210-fdfbf365d198" providerId="ADAL" clId="{BEDA62F9-763E-456B-98CE-CD629F8B60B5}" dt="2023-03-11T09:19:21.343" v="2055" actId="478"/>
-          <ac:picMkLst>
-            <pc:docMk/>
-            <pc:sldMk cId="2484361493" sldId="269"/>
-            <ac:picMk id="6" creationId="{A5E0D9B6-F5DA-7F7C-E24F-D012A5E570A1}"/>
-          </ac:picMkLst>
-        </pc:picChg>
-        <pc:picChg chg="add del mod">
-          <ac:chgData name="u3576731@connect.hku.hk" userId="0de5b9f1-4841-4bf4-9210-fdfbf365d198" providerId="ADAL" clId="{BEDA62F9-763E-456B-98CE-CD629F8B60B5}" dt="2023-03-11T09:18:04.689" v="2046" actId="478"/>
-          <ac:picMkLst>
-            <pc:docMk/>
-            <pc:sldMk cId="2484361493" sldId="269"/>
-            <ac:picMk id="8" creationId="{91D46E39-5E85-DB0F-CC0F-09797F9ABC78}"/>
-          </ac:picMkLst>
-        </pc:picChg>
-        <pc:picChg chg="add del mod modCrop">
-          <ac:chgData name="u3576731@connect.hku.hk" userId="0de5b9f1-4841-4bf4-9210-fdfbf365d198" providerId="ADAL" clId="{BEDA62F9-763E-456B-98CE-CD629F8B60B5}" dt="2023-03-11T09:19:55.874" v="2059" actId="478"/>
-          <ac:picMkLst>
-            <pc:docMk/>
-            <pc:sldMk cId="2484361493" sldId="269"/>
-            <ac:picMk id="10" creationId="{A2AB4B6A-5A32-416E-8FD7-F89F57A52B10}"/>
-          </ac:picMkLst>
-        </pc:picChg>
-        <pc:picChg chg="add mod modCrop">
-          <ac:chgData name="u3576731@connect.hku.hk" userId="0de5b9f1-4841-4bf4-9210-fdfbf365d198" providerId="ADAL" clId="{BEDA62F9-763E-456B-98CE-CD629F8B60B5}" dt="2023-03-11T15:50:20.556" v="5069" actId="732"/>
-          <ac:picMkLst>
-            <pc:docMk/>
-            <pc:sldMk cId="2484361493" sldId="269"/>
-            <ac:picMk id="12" creationId="{D18BA5F3-82AF-5286-44C7-19128F16A921}"/>
-          </ac:picMkLst>
-        </pc:picChg>
-        <pc:cxnChg chg="add del mod">
-          <ac:chgData name="u3576731@connect.hku.hk" userId="0de5b9f1-4841-4bf4-9210-fdfbf365d198" providerId="ADAL" clId="{BEDA62F9-763E-456B-98CE-CD629F8B60B5}" dt="2023-03-11T09:48:24.143" v="2268" actId="478"/>
-          <ac:cxnSpMkLst>
-            <pc:docMk/>
-            <pc:sldMk cId="2484361493" sldId="269"/>
-            <ac:cxnSpMk id="18" creationId="{A61BD8A9-9793-1CE5-0412-9636C6B0232A}"/>
-          </ac:cxnSpMkLst>
-        </pc:cxnChg>
-      </pc:sldChg>
-      <pc:sldChg chg="addSp delSp modSp mod modAnim">
-        <pc:chgData name="u3576731@connect.hku.hk" userId="0de5b9f1-4841-4bf4-9210-fdfbf365d198" providerId="ADAL" clId="{BEDA62F9-763E-456B-98CE-CD629F8B60B5}" dt="2023-03-13T14:10:28.144" v="5685" actId="20577"/>
-        <pc:sldMkLst>
-          <pc:docMk/>
-          <pc:sldMk cId="4015023268" sldId="270"/>
-        </pc:sldMkLst>
-        <pc:spChg chg="mod">
-          <ac:chgData name="u3576731@connect.hku.hk" userId="0de5b9f1-4841-4bf4-9210-fdfbf365d198" providerId="ADAL" clId="{BEDA62F9-763E-456B-98CE-CD629F8B60B5}" dt="2023-03-13T14:10:28.144" v="5685" actId="20577"/>
-          <ac:spMkLst>
-            <pc:docMk/>
-            <pc:sldMk cId="4015023268" sldId="270"/>
-            <ac:spMk id="2" creationId="{11E1370A-20E2-1B1D-09CA-88E4572C6CDE}"/>
-          </ac:spMkLst>
-        </pc:spChg>
-        <pc:spChg chg="del">
-          <ac:chgData name="u3576731@connect.hku.hk" userId="0de5b9f1-4841-4bf4-9210-fdfbf365d198" providerId="ADAL" clId="{BEDA62F9-763E-456B-98CE-CD629F8B60B5}" dt="2023-03-11T09:22:45.107" v="2084" actId="478"/>
-          <ac:spMkLst>
-            <pc:docMk/>
-            <pc:sldMk cId="4015023268" sldId="270"/>
-            <ac:spMk id="3" creationId="{B6C157C3-CCB7-2CCB-8B5B-67137A4A96EC}"/>
-          </ac:spMkLst>
-        </pc:spChg>
-        <pc:spChg chg="add del mod">
-          <ac:chgData name="u3576731@connect.hku.hk" userId="0de5b9f1-4841-4bf4-9210-fdfbf365d198" providerId="ADAL" clId="{BEDA62F9-763E-456B-98CE-CD629F8B60B5}" dt="2023-03-11T10:03:04.427" v="3631" actId="478"/>
-          <ac:spMkLst>
-            <pc:docMk/>
-            <pc:sldMk cId="4015023268" sldId="270"/>
-            <ac:spMk id="8" creationId="{57EA736F-3109-C29A-F471-87C132A1DCAD}"/>
-          </ac:spMkLst>
-        </pc:spChg>
-        <pc:spChg chg="add del">
-          <ac:chgData name="u3576731@connect.hku.hk" userId="0de5b9f1-4841-4bf4-9210-fdfbf365d198" providerId="ADAL" clId="{BEDA62F9-763E-456B-98CE-CD629F8B60B5}" dt="2023-03-11T10:03:01.806" v="3630"/>
-          <ac:spMkLst>
-            <pc:docMk/>
-            <pc:sldMk cId="4015023268" sldId="270"/>
-            <ac:spMk id="9" creationId="{984A4E02-AA62-CB64-FA8D-F8E0B6D62B77}"/>
-          </ac:spMkLst>
-        </pc:spChg>
-        <pc:spChg chg="add mod">
-          <ac:chgData name="u3576731@connect.hku.hk" userId="0de5b9f1-4841-4bf4-9210-fdfbf365d198" providerId="ADAL" clId="{BEDA62F9-763E-456B-98CE-CD629F8B60B5}" dt="2023-03-11T10:40:48.794" v="4059" actId="164"/>
-          <ac:spMkLst>
-            <pc:docMk/>
-            <pc:sldMk cId="4015023268" sldId="270"/>
-            <ac:spMk id="10" creationId="{476375AF-A227-03C8-C40A-DBD9D4A41BEB}"/>
-          </ac:spMkLst>
-        </pc:spChg>
-        <pc:spChg chg="add del mod">
-          <ac:chgData name="u3576731@connect.hku.hk" userId="0de5b9f1-4841-4bf4-9210-fdfbf365d198" providerId="ADAL" clId="{BEDA62F9-763E-456B-98CE-CD629F8B60B5}" dt="2023-03-11T10:18:49.763" v="3769" actId="478"/>
-          <ac:spMkLst>
-            <pc:docMk/>
-            <pc:sldMk cId="4015023268" sldId="270"/>
-            <ac:spMk id="11" creationId="{7D29F666-15AD-A9EC-3ADA-E5C2C97EFF94}"/>
-          </ac:spMkLst>
-        </pc:spChg>
-        <pc:spChg chg="add mod topLvl">
-          <ac:chgData name="u3576731@connect.hku.hk" userId="0de5b9f1-4841-4bf4-9210-fdfbf365d198" providerId="ADAL" clId="{BEDA62F9-763E-456B-98CE-CD629F8B60B5}" dt="2023-03-11T14:59:32.206" v="4749" actId="207"/>
-          <ac:spMkLst>
-            <pc:docMk/>
-            <pc:sldMk cId="4015023268" sldId="270"/>
-            <ac:spMk id="12" creationId="{102C1A16-05E2-BB07-9DF5-846646A46143}"/>
-          </ac:spMkLst>
-        </pc:spChg>
-        <pc:spChg chg="add del mod">
-          <ac:chgData name="u3576731@connect.hku.hk" userId="0de5b9f1-4841-4bf4-9210-fdfbf365d198" providerId="ADAL" clId="{BEDA62F9-763E-456B-98CE-CD629F8B60B5}" dt="2023-03-11T10:09:02.260" v="3670" actId="478"/>
-          <ac:spMkLst>
-            <pc:docMk/>
-            <pc:sldMk cId="4015023268" sldId="270"/>
-            <ac:spMk id="13" creationId="{6B72220F-FCD5-BEB5-AACC-89E9D8F267A7}"/>
-          </ac:spMkLst>
-        </pc:spChg>
-        <pc:spChg chg="add mod topLvl">
-          <ac:chgData name="u3576731@connect.hku.hk" userId="0de5b9f1-4841-4bf4-9210-fdfbf365d198" providerId="ADAL" clId="{BEDA62F9-763E-456B-98CE-CD629F8B60B5}" dt="2023-03-11T10:42:32.415" v="4069" actId="164"/>
-          <ac:spMkLst>
-            <pc:docMk/>
-            <pc:sldMk cId="4015023268" sldId="270"/>
-            <ac:spMk id="14" creationId="{F3E80AFE-6993-1496-D64E-55EF90541CAD}"/>
-          </ac:spMkLst>
-        </pc:spChg>
-        <pc:spChg chg="add del">
-          <ac:chgData name="u3576731@connect.hku.hk" userId="0de5b9f1-4841-4bf4-9210-fdfbf365d198" providerId="ADAL" clId="{BEDA62F9-763E-456B-98CE-CD629F8B60B5}" dt="2023-03-11T10:09:31.822" v="3676" actId="22"/>
-          <ac:spMkLst>
-            <pc:docMk/>
-            <pc:sldMk cId="4015023268" sldId="270"/>
-            <ac:spMk id="16" creationId="{941BDB31-8756-00B6-A590-D6BE04F40041}"/>
-          </ac:spMkLst>
-        </pc:spChg>
-        <pc:spChg chg="add mod topLvl">
-          <ac:chgData name="u3576731@connect.hku.hk" userId="0de5b9f1-4841-4bf4-9210-fdfbf365d198" providerId="ADAL" clId="{BEDA62F9-763E-456B-98CE-CD629F8B60B5}" dt="2023-03-11T10:42:18.628" v="4067" actId="165"/>
-          <ac:spMkLst>
-            <pc:docMk/>
-            <pc:sldMk cId="4015023268" sldId="270"/>
-            <ac:spMk id="18" creationId="{DF369FA1-21F4-1EF5-87BB-C5455DCCBBC9}"/>
-          </ac:spMkLst>
-        </pc:spChg>
-        <pc:spChg chg="add mod topLvl">
-          <ac:chgData name="u3576731@connect.hku.hk" userId="0de5b9f1-4841-4bf4-9210-fdfbf365d198" providerId="ADAL" clId="{BEDA62F9-763E-456B-98CE-CD629F8B60B5}" dt="2023-03-11T10:39:24.350" v="4049" actId="164"/>
-          <ac:spMkLst>
-            <pc:docMk/>
-            <pc:sldMk cId="4015023268" sldId="270"/>
-            <ac:spMk id="19" creationId="{48466296-3859-6CCA-F90A-2E517E415A50}"/>
-          </ac:spMkLst>
-        </pc:spChg>
-        <pc:spChg chg="add mod topLvl">
-          <ac:chgData name="u3576731@connect.hku.hk" userId="0de5b9f1-4841-4bf4-9210-fdfbf365d198" providerId="ADAL" clId="{BEDA62F9-763E-456B-98CE-CD629F8B60B5}" dt="2023-03-11T10:39:24.350" v="4049" actId="164"/>
-          <ac:spMkLst>
-            <pc:docMk/>
-            <pc:sldMk cId="4015023268" sldId="270"/>
-            <ac:spMk id="20" creationId="{855F5F1B-F6CD-5AEE-6515-F4529177D4F4}"/>
-          </ac:spMkLst>
-        </pc:spChg>
-        <pc:spChg chg="add mod topLvl">
-          <ac:chgData name="u3576731@connect.hku.hk" userId="0de5b9f1-4841-4bf4-9210-fdfbf365d198" providerId="ADAL" clId="{BEDA62F9-763E-456B-98CE-CD629F8B60B5}" dt="2023-03-11T10:39:24.350" v="4049" actId="164"/>
-          <ac:spMkLst>
-            <pc:docMk/>
-            <pc:sldMk cId="4015023268" sldId="270"/>
-            <ac:spMk id="21" creationId="{B9B6A386-3D60-C01F-E8BA-76B97F0B8D02}"/>
-          </ac:spMkLst>
-        </pc:spChg>
-        <pc:spChg chg="add mod topLvl">
-          <ac:chgData name="u3576731@connect.hku.hk" userId="0de5b9f1-4841-4bf4-9210-fdfbf365d198" providerId="ADAL" clId="{BEDA62F9-763E-456B-98CE-CD629F8B60B5}" dt="2023-03-11T10:39:24.350" v="4049" actId="164"/>
-          <ac:spMkLst>
-            <pc:docMk/>
-            <pc:sldMk cId="4015023268" sldId="270"/>
-            <ac:spMk id="22" creationId="{105818C5-1111-1FDF-00D1-4F42368C23E6}"/>
-          </ac:spMkLst>
-        </pc:spChg>
-        <pc:spChg chg="add mod">
-          <ac:chgData name="u3576731@connect.hku.hk" userId="0de5b9f1-4841-4bf4-9210-fdfbf365d198" providerId="ADAL" clId="{BEDA62F9-763E-456B-98CE-CD629F8B60B5}" dt="2023-03-11T10:40:48.794" v="4059" actId="164"/>
-          <ac:spMkLst>
-            <pc:docMk/>
-            <pc:sldMk cId="4015023268" sldId="270"/>
-            <ac:spMk id="25" creationId="{F3F388D1-6C89-01E5-AA52-BE748F1895BA}"/>
-          </ac:spMkLst>
-        </pc:spChg>
-        <pc:spChg chg="mod">
-          <ac:chgData name="u3576731@connect.hku.hk" userId="0de5b9f1-4841-4bf4-9210-fdfbf365d198" providerId="ADAL" clId="{BEDA62F9-763E-456B-98CE-CD629F8B60B5}" dt="2023-03-11T10:25:29.690" v="3842" actId="1076"/>
-          <ac:spMkLst>
-            <pc:docMk/>
-            <pc:sldMk cId="4015023268" sldId="270"/>
-            <ac:spMk id="29" creationId="{F0AB0BB5-0955-9F68-00CE-5E4C8264057A}"/>
-          </ac:spMkLst>
-        </pc:spChg>
-        <pc:spChg chg="mod">
-          <ac:chgData name="u3576731@connect.hku.hk" userId="0de5b9f1-4841-4bf4-9210-fdfbf365d198" providerId="ADAL" clId="{BEDA62F9-763E-456B-98CE-CD629F8B60B5}" dt="2023-03-11T10:27:15.816" v="3878" actId="1076"/>
-          <ac:spMkLst>
-            <pc:docMk/>
-            <pc:sldMk cId="4015023268" sldId="270"/>
-            <ac:spMk id="30" creationId="{5596D9FD-5B19-A277-6DFB-BB7F2237C8B4}"/>
-          </ac:spMkLst>
-        </pc:spChg>
-        <pc:spChg chg="add mod">
-          <ac:chgData name="u3576731@connect.hku.hk" userId="0de5b9f1-4841-4bf4-9210-fdfbf365d198" providerId="ADAL" clId="{BEDA62F9-763E-456B-98CE-CD629F8B60B5}" dt="2023-03-11T10:43:41.572" v="4075" actId="164"/>
-          <ac:spMkLst>
-            <pc:docMk/>
-            <pc:sldMk cId="4015023268" sldId="270"/>
-            <ac:spMk id="31" creationId="{1EA223B9-AEC8-B456-48E2-6BBE6D1F497A}"/>
-          </ac:spMkLst>
-        </pc:spChg>
-        <pc:spChg chg="add mod">
-          <ac:chgData name="u3576731@connect.hku.hk" userId="0de5b9f1-4841-4bf4-9210-fdfbf365d198" providerId="ADAL" clId="{BEDA62F9-763E-456B-98CE-CD629F8B60B5}" dt="2023-03-11T10:43:52.863" v="4076" actId="164"/>
-          <ac:spMkLst>
-            <pc:docMk/>
-            <pc:sldMk cId="4015023268" sldId="270"/>
-            <ac:spMk id="32" creationId="{51BD7C98-CAD2-D046-02EB-ACFFDAC9ED23}"/>
-          </ac:spMkLst>
-        </pc:spChg>
-        <pc:spChg chg="add mod">
-          <ac:chgData name="u3576731@connect.hku.hk" userId="0de5b9f1-4841-4bf4-9210-fdfbf365d198" providerId="ADAL" clId="{BEDA62F9-763E-456B-98CE-CD629F8B60B5}" dt="2023-03-11T10:43:52.863" v="4076" actId="164"/>
-          <ac:spMkLst>
-            <pc:docMk/>
-            <pc:sldMk cId="4015023268" sldId="270"/>
-            <ac:spMk id="33" creationId="{8FD7AAAF-DA2D-E9E1-8728-4D23DC2316C4}"/>
-          </ac:spMkLst>
-        </pc:spChg>
-        <pc:spChg chg="add mod">
-          <ac:chgData name="u3576731@connect.hku.hk" userId="0de5b9f1-4841-4bf4-9210-fdfbf365d198" providerId="ADAL" clId="{BEDA62F9-763E-456B-98CE-CD629F8B60B5}" dt="2023-03-11T10:43:52.863" v="4076" actId="164"/>
-          <ac:spMkLst>
-            <pc:docMk/>
-            <pc:sldMk cId="4015023268" sldId="270"/>
-            <ac:spMk id="34" creationId="{DE9BF1BF-20DE-BD6D-3E71-DE9F7EA0DD03}"/>
-          </ac:spMkLst>
-        </pc:spChg>
-        <pc:spChg chg="add mod">
-          <ac:chgData name="u3576731@connect.hku.hk" userId="0de5b9f1-4841-4bf4-9210-fdfbf365d198" providerId="ADAL" clId="{BEDA62F9-763E-456B-98CE-CD629F8B60B5}" dt="2023-03-11T10:43:52.863" v="4076" actId="164"/>
-          <ac:spMkLst>
-            <pc:docMk/>
-            <pc:sldMk cId="4015023268" sldId="270"/>
-            <ac:spMk id="35" creationId="{CEA36402-D2AB-FF89-301A-328D62351D36}"/>
-          </ac:spMkLst>
-        </pc:spChg>
-        <pc:grpChg chg="add del mod">
-          <ac:chgData name="u3576731@connect.hku.hk" userId="0de5b9f1-4841-4bf4-9210-fdfbf365d198" providerId="ADAL" clId="{BEDA62F9-763E-456B-98CE-CD629F8B60B5}" dt="2023-03-11T10:19:53.053" v="3774" actId="165"/>
-          <ac:grpSpMkLst>
-            <pc:docMk/>
-            <pc:sldMk cId="4015023268" sldId="270"/>
-            <ac:grpSpMk id="23" creationId="{50EF05C5-B0E3-170C-AA5E-615DD91C77B1}"/>
-          </ac:grpSpMkLst>
-        </pc:grpChg>
-        <pc:grpChg chg="add del mod">
-          <ac:chgData name="u3576731@connect.hku.hk" userId="0de5b9f1-4841-4bf4-9210-fdfbf365d198" providerId="ADAL" clId="{BEDA62F9-763E-456B-98CE-CD629F8B60B5}" dt="2023-03-11T10:24:36.122" v="3804" actId="165"/>
-          <ac:grpSpMkLst>
-            <pc:docMk/>
-            <pc:sldMk cId="4015023268" sldId="270"/>
-            <ac:grpSpMk id="24" creationId="{6BADF588-FAC4-7BDB-0A98-67B704C62EDA}"/>
-          </ac:grpSpMkLst>
-        </pc:grpChg>
-        <pc:grpChg chg="add mod topLvl">
-          <ac:chgData name="u3576731@connect.hku.hk" userId="0de5b9f1-4841-4bf4-9210-fdfbf365d198" providerId="ADAL" clId="{BEDA62F9-763E-456B-98CE-CD629F8B60B5}" dt="2023-03-11T10:42:27.033" v="4068" actId="164"/>
-          <ac:grpSpMkLst>
-            <pc:docMk/>
-            <pc:sldMk cId="4015023268" sldId="270"/>
-            <ac:grpSpMk id="27" creationId="{F8554D0F-1DCB-FCDC-FECB-5FAF60851CD0}"/>
-          </ac:grpSpMkLst>
-        </pc:grpChg>
-        <pc:grpChg chg="add mod">
-          <ac:chgData name="u3576731@connect.hku.hk" userId="0de5b9f1-4841-4bf4-9210-fdfbf365d198" providerId="ADAL" clId="{BEDA62F9-763E-456B-98CE-CD629F8B60B5}" dt="2023-03-11T10:43:41.572" v="4075" actId="164"/>
-          <ac:grpSpMkLst>
-            <pc:docMk/>
-            <pc:sldMk cId="4015023268" sldId="270"/>
-            <ac:grpSpMk id="28" creationId="{EA995675-DF1B-B167-7AE6-195F438235DE}"/>
-          </ac:grpSpMkLst>
-        </pc:grpChg>
-        <pc:grpChg chg="add mod">
-          <ac:chgData name="u3576731@connect.hku.hk" userId="0de5b9f1-4841-4bf4-9210-fdfbf365d198" providerId="ADAL" clId="{BEDA62F9-763E-456B-98CE-CD629F8B60B5}" dt="2023-03-11T10:42:32.415" v="4069" actId="164"/>
-          <ac:grpSpMkLst>
-            <pc:docMk/>
-            <pc:sldMk cId="4015023268" sldId="270"/>
-            <ac:grpSpMk id="36" creationId="{709ACBE7-ED3E-B136-EA9C-2BAF9146A990}"/>
-          </ac:grpSpMkLst>
-        </pc:grpChg>
-        <pc:grpChg chg="add mod">
-          <ac:chgData name="u3576731@connect.hku.hk" userId="0de5b9f1-4841-4bf4-9210-fdfbf365d198" providerId="ADAL" clId="{BEDA62F9-763E-456B-98CE-CD629F8B60B5}" dt="2023-03-11T10:42:27.033" v="4068" actId="164"/>
-          <ac:grpSpMkLst>
-            <pc:docMk/>
-            <pc:sldMk cId="4015023268" sldId="270"/>
-            <ac:grpSpMk id="37" creationId="{1E67D983-7790-A782-DAF7-F1A2A8A1D678}"/>
-          </ac:grpSpMkLst>
-        </pc:grpChg>
-        <pc:grpChg chg="add del mod">
-          <ac:chgData name="u3576731@connect.hku.hk" userId="0de5b9f1-4841-4bf4-9210-fdfbf365d198" providerId="ADAL" clId="{BEDA62F9-763E-456B-98CE-CD629F8B60B5}" dt="2023-03-11T10:42:18.628" v="4067" actId="165"/>
-          <ac:grpSpMkLst>
-            <pc:docMk/>
-            <pc:sldMk cId="4015023268" sldId="270"/>
-            <ac:grpSpMk id="38" creationId="{BC1A18CD-7DFB-8846-6762-991514920779}"/>
-          </ac:grpSpMkLst>
-        </pc:grpChg>
-        <pc:grpChg chg="add mod">
-          <ac:chgData name="u3576731@connect.hku.hk" userId="0de5b9f1-4841-4bf4-9210-fdfbf365d198" providerId="ADAL" clId="{BEDA62F9-763E-456B-98CE-CD629F8B60B5}" dt="2023-03-11T10:42:27.033" v="4068" actId="164"/>
-          <ac:grpSpMkLst>
-            <pc:docMk/>
-            <pc:sldMk cId="4015023268" sldId="270"/>
-            <ac:grpSpMk id="39" creationId="{2330600F-1532-784D-052C-0DAE3E15A947}"/>
-          </ac:grpSpMkLst>
-        </pc:grpChg>
-        <pc:grpChg chg="add mod">
-          <ac:chgData name="u3576731@connect.hku.hk" userId="0de5b9f1-4841-4bf4-9210-fdfbf365d198" providerId="ADAL" clId="{BEDA62F9-763E-456B-98CE-CD629F8B60B5}" dt="2023-03-11T10:42:32.415" v="4069" actId="164"/>
-          <ac:grpSpMkLst>
-            <pc:docMk/>
-            <pc:sldMk cId="4015023268" sldId="270"/>
-            <ac:grpSpMk id="40" creationId="{1C110D02-39D3-AF9C-4B3F-54366A25DCBD}"/>
-          </ac:grpSpMkLst>
-        </pc:grpChg>
-        <pc:grpChg chg="add mod">
-          <ac:chgData name="u3576731@connect.hku.hk" userId="0de5b9f1-4841-4bf4-9210-fdfbf365d198" providerId="ADAL" clId="{BEDA62F9-763E-456B-98CE-CD629F8B60B5}" dt="2023-03-11T10:43:41.572" v="4075" actId="164"/>
-          <ac:grpSpMkLst>
-            <pc:docMk/>
-            <pc:sldMk cId="4015023268" sldId="270"/>
-            <ac:grpSpMk id="41" creationId="{45007148-5678-0363-2157-28326DBCB92A}"/>
-          </ac:grpSpMkLst>
-        </pc:grpChg>
-        <pc:grpChg chg="add mod">
-          <ac:chgData name="u3576731@connect.hku.hk" userId="0de5b9f1-4841-4bf4-9210-fdfbf365d198" providerId="ADAL" clId="{BEDA62F9-763E-456B-98CE-CD629F8B60B5}" dt="2023-03-11T10:43:52.863" v="4076" actId="164"/>
-          <ac:grpSpMkLst>
-            <pc:docMk/>
-            <pc:sldMk cId="4015023268" sldId="270"/>
-            <ac:grpSpMk id="42" creationId="{0F87BBCE-E20D-BB17-9D22-5E0F8113D5FD}"/>
-          </ac:grpSpMkLst>
-        </pc:grpChg>
-        <pc:picChg chg="add mod ord modCrop">
-          <ac:chgData name="u3576731@connect.hku.hk" userId="0de5b9f1-4841-4bf4-9210-fdfbf365d198" providerId="ADAL" clId="{BEDA62F9-763E-456B-98CE-CD629F8B60B5}" dt="2023-03-11T10:37:39.475" v="4030" actId="1076"/>
-          <ac:picMkLst>
-            <pc:docMk/>
-            <pc:sldMk cId="4015023268" sldId="270"/>
-            <ac:picMk id="6" creationId="{B176959D-102C-4E79-6FDE-EA63257D4D35}"/>
-          </ac:picMkLst>
-        </pc:picChg>
-        <pc:picChg chg="add del mod modCrop">
-          <ac:chgData name="u3576731@connect.hku.hk" userId="0de5b9f1-4841-4bf4-9210-fdfbf365d198" providerId="ADAL" clId="{BEDA62F9-763E-456B-98CE-CD629F8B60B5}" dt="2023-03-11T09:25:25.960" v="2115" actId="478"/>
-          <ac:picMkLst>
-            <pc:docMk/>
-            <pc:sldMk cId="4015023268" sldId="270"/>
-            <ac:picMk id="7" creationId="{5B9FC8BA-961A-BF50-0190-ED3A2EDE6A8A}"/>
-          </ac:picMkLst>
-        </pc:picChg>
-        <pc:picChg chg="add mod ord">
-          <ac:chgData name="u3576731@connect.hku.hk" userId="0de5b9f1-4841-4bf4-9210-fdfbf365d198" providerId="ADAL" clId="{BEDA62F9-763E-456B-98CE-CD629F8B60B5}" dt="2023-03-11T10:23:09.228" v="3800" actId="171"/>
-          <ac:picMkLst>
-            <pc:docMk/>
-            <pc:sldMk cId="4015023268" sldId="270"/>
-            <ac:picMk id="26" creationId="{F4E811F4-5954-45A1-7870-67CF75F9E1D1}"/>
-          </ac:picMkLst>
-        </pc:picChg>
-      </pc:sldChg>
-      <pc:sldChg chg="addSp delSp modSp mod ord addAnim delAnim modAnim">
-        <pc:chgData name="u3576731@connect.hku.hk" userId="0de5b9f1-4841-4bf4-9210-fdfbf365d198" providerId="ADAL" clId="{BEDA62F9-763E-456B-98CE-CD629F8B60B5}" dt="2023-03-11T15:46:00.995" v="5066"/>
-        <pc:sldMkLst>
-          <pc:docMk/>
-          <pc:sldMk cId="2674250743" sldId="271"/>
-        </pc:sldMkLst>
-        <pc:spChg chg="del">
-          <ac:chgData name="u3576731@connect.hku.hk" userId="0de5b9f1-4841-4bf4-9210-fdfbf365d198" providerId="ADAL" clId="{BEDA62F9-763E-456B-98CE-CD629F8B60B5}" dt="2023-03-11T09:27:45.716" v="2138" actId="478"/>
-          <ac:spMkLst>
-            <pc:docMk/>
-            <pc:sldMk cId="2674250743" sldId="271"/>
-            <ac:spMk id="3" creationId="{B6C157C3-CCB7-2CCB-8B5B-67137A4A96EC}"/>
-          </ac:spMkLst>
-        </pc:spChg>
-        <pc:spChg chg="add mod">
-          <ac:chgData name="u3576731@connect.hku.hk" userId="0de5b9f1-4841-4bf4-9210-fdfbf365d198" providerId="ADAL" clId="{BEDA62F9-763E-456B-98CE-CD629F8B60B5}" dt="2023-03-11T15:08:23.002" v="4805" actId="164"/>
-          <ac:spMkLst>
-            <pc:docMk/>
-            <pc:sldMk cId="2674250743" sldId="271"/>
-            <ac:spMk id="22" creationId="{4D7C461B-3069-F78C-4E67-4EB50A5D7D96}"/>
-          </ac:spMkLst>
-        </pc:spChg>
-        <pc:grpChg chg="add mod">
-          <ac:chgData name="u3576731@connect.hku.hk" userId="0de5b9f1-4841-4bf4-9210-fdfbf365d198" providerId="ADAL" clId="{BEDA62F9-763E-456B-98CE-CD629F8B60B5}" dt="2023-03-11T15:08:23.002" v="4805" actId="164"/>
-          <ac:grpSpMkLst>
-            <pc:docMk/>
-            <pc:sldMk cId="2674250743" sldId="271"/>
-            <ac:grpSpMk id="34" creationId="{573E2112-6668-B43C-6382-660595A7D8F6}"/>
-          </ac:grpSpMkLst>
-        </pc:grpChg>
-        <pc:picChg chg="add del mod modCrop">
-          <ac:chgData name="u3576731@connect.hku.hk" userId="0de5b9f1-4841-4bf4-9210-fdfbf365d198" providerId="ADAL" clId="{BEDA62F9-763E-456B-98CE-CD629F8B60B5}" dt="2023-03-11T10:46:48.616" v="4082" actId="478"/>
-          <ac:picMkLst>
-            <pc:docMk/>
-            <pc:sldMk cId="2674250743" sldId="271"/>
-            <ac:picMk id="4" creationId="{CBB118C9-F2F7-7938-7A78-CBF3F637A500}"/>
-          </ac:picMkLst>
-        </pc:picChg>
-        <pc:picChg chg="add del mod modCrop">
-          <ac:chgData name="u3576731@connect.hku.hk" userId="0de5b9f1-4841-4bf4-9210-fdfbf365d198" providerId="ADAL" clId="{BEDA62F9-763E-456B-98CE-CD629F8B60B5}" dt="2023-03-11T11:24:59.273" v="4172" actId="478"/>
-          <ac:picMkLst>
-            <pc:docMk/>
-            <pc:sldMk cId="2674250743" sldId="271"/>
-            <ac:picMk id="7" creationId="{A398A98A-FC86-7659-21B1-DA6B9C6C4216}"/>
-          </ac:picMkLst>
-        </pc:picChg>
-        <pc:picChg chg="add mod modCrop">
-          <ac:chgData name="u3576731@connect.hku.hk" userId="0de5b9f1-4841-4bf4-9210-fdfbf365d198" providerId="ADAL" clId="{BEDA62F9-763E-456B-98CE-CD629F8B60B5}" dt="2023-03-11T11:27:20.271" v="4192" actId="1076"/>
-          <ac:picMkLst>
-            <pc:docMk/>
-            <pc:sldMk cId="2674250743" sldId="271"/>
-            <ac:picMk id="9" creationId="{5076B4FF-DB2C-EE51-2978-9B8678D1E2FA}"/>
-          </ac:picMkLst>
-        </pc:picChg>
-        <pc:picChg chg="add mod ord modCrop">
-          <ac:chgData name="u3576731@connect.hku.hk" userId="0de5b9f1-4841-4bf4-9210-fdfbf365d198" providerId="ADAL" clId="{BEDA62F9-763E-456B-98CE-CD629F8B60B5}" dt="2023-03-11T14:18:28.687" v="4368" actId="171"/>
-          <ac:picMkLst>
-            <pc:docMk/>
-            <pc:sldMk cId="2674250743" sldId="271"/>
-            <ac:picMk id="10" creationId="{F58403D4-D427-ABD4-2A83-136BA4F8CFC0}"/>
-          </ac:picMkLst>
-        </pc:picChg>
-        <pc:picChg chg="add del mod modCrop">
-          <ac:chgData name="u3576731@connect.hku.hk" userId="0de5b9f1-4841-4bf4-9210-fdfbf365d198" providerId="ADAL" clId="{BEDA62F9-763E-456B-98CE-CD629F8B60B5}" dt="2023-03-11T11:39:18.128" v="4215" actId="478"/>
-          <ac:picMkLst>
-            <pc:docMk/>
-            <pc:sldMk cId="2674250743" sldId="271"/>
-            <ac:picMk id="11" creationId="{57219205-6FFA-D6C9-294A-9085413AB59A}"/>
-          </ac:picMkLst>
-        </pc:picChg>
-        <pc:picChg chg="add del mod modCrop">
-          <ac:chgData name="u3576731@connect.hku.hk" userId="0de5b9f1-4841-4bf4-9210-fdfbf365d198" providerId="ADAL" clId="{BEDA62F9-763E-456B-98CE-CD629F8B60B5}" dt="2023-03-11T14:49:21.150" v="4563" actId="1076"/>
-          <ac:picMkLst>
-            <pc:docMk/>
-            <pc:sldMk cId="2674250743" sldId="271"/>
-            <ac:picMk id="13" creationId="{70B72D9D-C585-F7C0-9A8A-0F472B592A91}"/>
-          </ac:picMkLst>
-        </pc:picChg>
-        <pc:picChg chg="add del mod">
-          <ac:chgData name="u3576731@connect.hku.hk" userId="0de5b9f1-4841-4bf4-9210-fdfbf365d198" providerId="ADAL" clId="{BEDA62F9-763E-456B-98CE-CD629F8B60B5}" dt="2023-03-11T14:25:25.777" v="4384" actId="478"/>
-          <ac:picMkLst>
-            <pc:docMk/>
-            <pc:sldMk cId="2674250743" sldId="271"/>
-            <ac:picMk id="15" creationId="{F4941FF3-0DE6-43AA-F299-443F68E5E501}"/>
-          </ac:picMkLst>
-        </pc:picChg>
-        <pc:picChg chg="add mod ord modCrop">
-          <ac:chgData name="u3576731@connect.hku.hk" userId="0de5b9f1-4841-4bf4-9210-fdfbf365d198" providerId="ADAL" clId="{BEDA62F9-763E-456B-98CE-CD629F8B60B5}" dt="2023-03-11T14:43:00.767" v="4528" actId="171"/>
-          <ac:picMkLst>
-            <pc:docMk/>
-            <pc:sldMk cId="2674250743" sldId="271"/>
-            <ac:picMk id="17" creationId="{81ACB6BE-A608-DA0C-8135-FFEA56211FCB}"/>
-          </ac:picMkLst>
-        </pc:picChg>
-        <pc:picChg chg="add mod ord modCrop">
-          <ac:chgData name="u3576731@connect.hku.hk" userId="0de5b9f1-4841-4bf4-9210-fdfbf365d198" providerId="ADAL" clId="{BEDA62F9-763E-456B-98CE-CD629F8B60B5}" dt="2023-03-11T14:43:07.452" v="4529" actId="171"/>
-          <ac:picMkLst>
-            <pc:docMk/>
-            <pc:sldMk cId="2674250743" sldId="271"/>
-            <ac:picMk id="19" creationId="{56720341-639E-BB4F-D71B-4E1858A68C36}"/>
-          </ac:picMkLst>
-        </pc:picChg>
-        <pc:picChg chg="add mod modCrop">
-          <ac:chgData name="u3576731@connect.hku.hk" userId="0de5b9f1-4841-4bf4-9210-fdfbf365d198" providerId="ADAL" clId="{BEDA62F9-763E-456B-98CE-CD629F8B60B5}" dt="2023-03-11T14:49:34.728" v="4565" actId="1076"/>
-          <ac:picMkLst>
-            <pc:docMk/>
-            <pc:sldMk cId="2674250743" sldId="271"/>
-            <ac:picMk id="21" creationId="{7199D10A-1D07-4F0D-EAE9-901480DF5A4F}"/>
-          </ac:picMkLst>
-        </pc:picChg>
-        <pc:cxnChg chg="add del mod">
-          <ac:chgData name="u3576731@connect.hku.hk" userId="0de5b9f1-4841-4bf4-9210-fdfbf365d198" providerId="ADAL" clId="{BEDA62F9-763E-456B-98CE-CD629F8B60B5}" dt="2023-03-11T15:06:08.374" v="4786" actId="478"/>
-          <ac:cxnSpMkLst>
-            <pc:docMk/>
-            <pc:sldMk cId="2674250743" sldId="271"/>
-            <ac:cxnSpMk id="24" creationId="{A05284BB-94A0-D377-22A4-F3490595D3DD}"/>
-          </ac:cxnSpMkLst>
-        </pc:cxnChg>
-        <pc:cxnChg chg="add mod">
-          <ac:chgData name="u3576731@connect.hku.hk" userId="0de5b9f1-4841-4bf4-9210-fdfbf365d198" providerId="ADAL" clId="{BEDA62F9-763E-456B-98CE-CD629F8B60B5}" dt="2023-03-11T15:08:23.002" v="4805" actId="164"/>
-          <ac:cxnSpMkLst>
-            <pc:docMk/>
-            <pc:sldMk cId="2674250743" sldId="271"/>
-            <ac:cxnSpMk id="29" creationId="{8AA62797-6E24-3782-B444-933BCF26BBF7}"/>
-          </ac:cxnSpMkLst>
-        </pc:cxnChg>
-        <pc:cxnChg chg="add mod">
-          <ac:chgData name="u3576731@connect.hku.hk" userId="0de5b9f1-4841-4bf4-9210-fdfbf365d198" providerId="ADAL" clId="{BEDA62F9-763E-456B-98CE-CD629F8B60B5}" dt="2023-03-11T15:07:59.030" v="4804" actId="1076"/>
-          <ac:cxnSpMkLst>
-            <pc:docMk/>
-            <pc:sldMk cId="2674250743" sldId="271"/>
-            <ac:cxnSpMk id="33" creationId="{1258D1A0-5ABA-E731-5C02-1276C5A76145}"/>
-          </ac:cxnSpMkLst>
-        </pc:cxnChg>
-      </pc:sldChg>
-      <pc:sldChg chg="addSp delSp modSp add mod delAnim modAnim">
-        <pc:chgData name="u3576731@connect.hku.hk" userId="0de5b9f1-4841-4bf4-9210-fdfbf365d198" providerId="ADAL" clId="{BEDA62F9-763E-456B-98CE-CD629F8B60B5}" dt="2023-03-13T14:10:33.182" v="5692" actId="20577"/>
-        <pc:sldMkLst>
-          <pc:docMk/>
-          <pc:sldMk cId="2759843426" sldId="272"/>
-        </pc:sldMkLst>
-        <pc:spChg chg="mod">
-          <ac:chgData name="u3576731@connect.hku.hk" userId="0de5b9f1-4841-4bf4-9210-fdfbf365d198" providerId="ADAL" clId="{BEDA62F9-763E-456B-98CE-CD629F8B60B5}" dt="2023-03-13T14:10:33.182" v="5692" actId="20577"/>
-          <ac:spMkLst>
-            <pc:docMk/>
-            <pc:sldMk cId="2759843426" sldId="272"/>
-            <ac:spMk id="2" creationId="{11E1370A-20E2-1B1D-09CA-88E4572C6CDE}"/>
-          </ac:spMkLst>
-        </pc:spChg>
-        <pc:spChg chg="mod topLvl">
-          <ac:chgData name="u3576731@connect.hku.hk" userId="0de5b9f1-4841-4bf4-9210-fdfbf365d198" providerId="ADAL" clId="{BEDA62F9-763E-456B-98CE-CD629F8B60B5}" dt="2023-03-11T10:49:17.630" v="4100" actId="164"/>
-          <ac:spMkLst>
-            <pc:docMk/>
-            <pc:sldMk cId="2759843426" sldId="272"/>
-            <ac:spMk id="8" creationId="{7956A64E-51DD-4EFE-6477-8C4EDAFF8D70}"/>
-          </ac:spMkLst>
-        </pc:spChg>
-        <pc:spChg chg="del mod topLvl">
-          <ac:chgData name="u3576731@connect.hku.hk" userId="0de5b9f1-4841-4bf4-9210-fdfbf365d198" providerId="ADAL" clId="{BEDA62F9-763E-456B-98CE-CD629F8B60B5}" dt="2023-03-11T10:48:59.352" v="4099" actId="478"/>
-          <ac:spMkLst>
-            <pc:docMk/>
-            <pc:sldMk cId="2759843426" sldId="272"/>
-            <ac:spMk id="9" creationId="{635D1AFB-8922-2D2D-E17D-15823FC3D2E5}"/>
-          </ac:spMkLst>
-        </pc:spChg>
-        <pc:spChg chg="mod topLvl">
-          <ac:chgData name="u3576731@connect.hku.hk" userId="0de5b9f1-4841-4bf4-9210-fdfbf365d198" providerId="ADAL" clId="{BEDA62F9-763E-456B-98CE-CD629F8B60B5}" dt="2023-03-11T10:49:17.630" v="4100" actId="164"/>
-          <ac:spMkLst>
-            <pc:docMk/>
-            <pc:sldMk cId="2759843426" sldId="272"/>
-            <ac:spMk id="10" creationId="{035A478A-B38E-6D8B-9243-122EE6F79A4C}"/>
-          </ac:spMkLst>
-        </pc:spChg>
-        <pc:spChg chg="mod topLvl">
-          <ac:chgData name="u3576731@connect.hku.hk" userId="0de5b9f1-4841-4bf4-9210-fdfbf365d198" providerId="ADAL" clId="{BEDA62F9-763E-456B-98CE-CD629F8B60B5}" dt="2023-03-11T10:49:17.630" v="4100" actId="164"/>
-          <ac:spMkLst>
-            <pc:docMk/>
-            <pc:sldMk cId="2759843426" sldId="272"/>
-            <ac:spMk id="11" creationId="{0115A6DF-C613-B0D0-82B6-A18533DD8C45}"/>
-          </ac:spMkLst>
-        </pc:spChg>
-        <pc:spChg chg="del mod topLvl">
-          <ac:chgData name="u3576731@connect.hku.hk" userId="0de5b9f1-4841-4bf4-9210-fdfbf365d198" providerId="ADAL" clId="{BEDA62F9-763E-456B-98CE-CD629F8B60B5}" dt="2023-03-11T10:48:30.610" v="4088" actId="478"/>
-          <ac:spMkLst>
-            <pc:docMk/>
-            <pc:sldMk cId="2759843426" sldId="272"/>
-            <ac:spMk id="13" creationId="{52C31733-955D-2E6F-9A7F-B1824975F6D7}"/>
-          </ac:spMkLst>
-        </pc:spChg>
-        <pc:spChg chg="add del mod topLvl">
-          <ac:chgData name="u3576731@connect.hku.hk" userId="0de5b9f1-4841-4bf4-9210-fdfbf365d198" providerId="ADAL" clId="{BEDA62F9-763E-456B-98CE-CD629F8B60B5}" dt="2023-03-11T10:48:39.856" v="4093" actId="478"/>
-          <ac:spMkLst>
-            <pc:docMk/>
-            <pc:sldMk cId="2759843426" sldId="272"/>
-            <ac:spMk id="15" creationId="{4946F550-B30C-2310-59F0-981375083427}"/>
-          </ac:spMkLst>
-        </pc:spChg>
-        <pc:spChg chg="add del mod topLvl">
-          <ac:chgData name="u3576731@connect.hku.hk" userId="0de5b9f1-4841-4bf4-9210-fdfbf365d198" providerId="ADAL" clId="{BEDA62F9-763E-456B-98CE-CD629F8B60B5}" dt="2023-03-11T10:48:38.694" v="4092" actId="478"/>
-          <ac:spMkLst>
-            <pc:docMk/>
-            <pc:sldMk cId="2759843426" sldId="272"/>
-            <ac:spMk id="16" creationId="{8E4BFA9A-8E78-68AE-31BF-25C2E71844E0}"/>
-          </ac:spMkLst>
-        </pc:spChg>
-        <pc:spChg chg="add del mod topLvl">
-          <ac:chgData name="u3576731@connect.hku.hk" userId="0de5b9f1-4841-4bf4-9210-fdfbf365d198" providerId="ADAL" clId="{BEDA62F9-763E-456B-98CE-CD629F8B60B5}" dt="2023-03-11T10:49:17.630" v="4100" actId="164"/>
-          <ac:spMkLst>
-            <pc:docMk/>
-            <pc:sldMk cId="2759843426" sldId="272"/>
-            <ac:spMk id="17" creationId="{5CD9CA43-BE03-6EB6-D683-BE0D0AC68018}"/>
-          </ac:spMkLst>
-        </pc:spChg>
-        <pc:spChg chg="add del mod topLvl">
-          <ac:chgData name="u3576731@connect.hku.hk" userId="0de5b9f1-4841-4bf4-9210-fdfbf365d198" providerId="ADAL" clId="{BEDA62F9-763E-456B-98CE-CD629F8B60B5}" dt="2023-03-11T10:49:17.630" v="4100" actId="164"/>
-          <ac:spMkLst>
-            <pc:docMk/>
-            <pc:sldMk cId="2759843426" sldId="272"/>
-            <ac:spMk id="18" creationId="{C93546E1-421A-FBE2-7848-8097C4B269CF}"/>
-          </ac:spMkLst>
-        </pc:spChg>
-        <pc:spChg chg="add del mod ord">
-          <ac:chgData name="u3576731@connect.hku.hk" userId="0de5b9f1-4841-4bf4-9210-fdfbf365d198" providerId="ADAL" clId="{BEDA62F9-763E-456B-98CE-CD629F8B60B5}" dt="2023-03-11T14:14:43.942" v="4339" actId="478"/>
-          <ac:spMkLst>
-            <pc:docMk/>
-            <pc:sldMk cId="2759843426" sldId="272"/>
-            <ac:spMk id="29" creationId="{1371E5F2-21B6-98CE-C3A0-AF85329CAA75}"/>
-          </ac:spMkLst>
-        </pc:spChg>
-        <pc:spChg chg="add mod">
-          <ac:chgData name="u3576731@connect.hku.hk" userId="0de5b9f1-4841-4bf4-9210-fdfbf365d198" providerId="ADAL" clId="{BEDA62F9-763E-456B-98CE-CD629F8B60B5}" dt="2023-03-11T16:01:30.292" v="5162" actId="164"/>
-          <ac:spMkLst>
-            <pc:docMk/>
-            <pc:sldMk cId="2759843426" sldId="272"/>
-            <ac:spMk id="31" creationId="{00398BEA-9621-9FFB-EC22-8A38DE56E2FE}"/>
-          </ac:spMkLst>
-        </pc:spChg>
-        <pc:grpChg chg="add del mod">
-          <ac:chgData name="u3576731@connect.hku.hk" userId="0de5b9f1-4841-4bf4-9210-fdfbf365d198" providerId="ADAL" clId="{BEDA62F9-763E-456B-98CE-CD629F8B60B5}" dt="2023-03-11T10:48:56.937" v="4098" actId="165"/>
-          <ac:grpSpMkLst>
-            <pc:docMk/>
-            <pc:sldMk cId="2759843426" sldId="272"/>
-            <ac:grpSpMk id="7" creationId="{5A07CDE1-8824-B2CF-D9D1-DC9E4CB439B5}"/>
-          </ac:grpSpMkLst>
-        </pc:grpChg>
-        <pc:grpChg chg="add del mod">
-          <ac:chgData name="u3576731@connect.hku.hk" userId="0de5b9f1-4841-4bf4-9210-fdfbf365d198" providerId="ADAL" clId="{BEDA62F9-763E-456B-98CE-CD629F8B60B5}" dt="2023-03-11T10:48:26.218" v="4087" actId="165"/>
-          <ac:grpSpMkLst>
-            <pc:docMk/>
-            <pc:sldMk cId="2759843426" sldId="272"/>
-            <ac:grpSpMk id="12" creationId="{B3D62BCB-236C-3D3B-C79E-39A9133B244A}"/>
-          </ac:grpSpMkLst>
-        </pc:grpChg>
-        <pc:grpChg chg="del mod topLvl">
-          <ac:chgData name="u3576731@connect.hku.hk" userId="0de5b9f1-4841-4bf4-9210-fdfbf365d198" providerId="ADAL" clId="{BEDA62F9-763E-456B-98CE-CD629F8B60B5}" dt="2023-03-11T10:48:33.290" v="4089" actId="165"/>
-          <ac:grpSpMkLst>
-            <pc:docMk/>
-            <pc:sldMk cId="2759843426" sldId="272"/>
-            <ac:grpSpMk id="14" creationId="{82771DF1-531A-A4CF-D723-101E543A12D9}"/>
-          </ac:grpSpMkLst>
-        </pc:grpChg>
-        <pc:grpChg chg="add del mod">
-          <ac:chgData name="u3576731@connect.hku.hk" userId="0de5b9f1-4841-4bf4-9210-fdfbf365d198" providerId="ADAL" clId="{BEDA62F9-763E-456B-98CE-CD629F8B60B5}" dt="2023-03-11T10:51:20.956" v="4102" actId="478"/>
-          <ac:grpSpMkLst>
-            <pc:docMk/>
-            <pc:sldMk cId="2759843426" sldId="272"/>
-            <ac:grpSpMk id="19" creationId="{30A58E29-BBD5-63E7-EB7F-D0B644CE6DCE}"/>
-          </ac:grpSpMkLst>
-        </pc:grpChg>
-        <pc:grpChg chg="add mod ord">
-          <ac:chgData name="u3576731@connect.hku.hk" userId="0de5b9f1-4841-4bf4-9210-fdfbf365d198" providerId="ADAL" clId="{BEDA62F9-763E-456B-98CE-CD629F8B60B5}" dt="2023-03-11T16:01:30.292" v="5162" actId="164"/>
-          <ac:grpSpMkLst>
-            <pc:docMk/>
-            <pc:sldMk cId="2759843426" sldId="272"/>
-            <ac:grpSpMk id="30" creationId="{C8F34954-2EC8-F07A-4931-024BBF23F50C}"/>
-          </ac:grpSpMkLst>
-        </pc:grpChg>
-        <pc:grpChg chg="add mod">
-          <ac:chgData name="u3576731@connect.hku.hk" userId="0de5b9f1-4841-4bf4-9210-fdfbf365d198" providerId="ADAL" clId="{BEDA62F9-763E-456B-98CE-CD629F8B60B5}" dt="2023-03-11T16:01:30.292" v="5162" actId="164"/>
-          <ac:grpSpMkLst>
-            <pc:docMk/>
-            <pc:sldMk cId="2759843426" sldId="272"/>
-            <ac:grpSpMk id="32" creationId="{73D083CE-D01A-15CF-4C91-683A83ECC730}"/>
-          </ac:grpSpMkLst>
-        </pc:grpChg>
-        <pc:picChg chg="del">
-          <ac:chgData name="u3576731@connect.hku.hk" userId="0de5b9f1-4841-4bf4-9210-fdfbf365d198" providerId="ADAL" clId="{BEDA62F9-763E-456B-98CE-CD629F8B60B5}" dt="2023-03-11T09:28:55.368" v="2144" actId="478"/>
-          <ac:picMkLst>
-            <pc:docMk/>
-            <pc:sldMk cId="2759843426" sldId="272"/>
-            <ac:picMk id="4" creationId="{CBB118C9-F2F7-7938-7A78-CBF3F637A500}"/>
-          </ac:picMkLst>
-        </pc:picChg>
-        <pc:picChg chg="add del mod modCrop">
-          <ac:chgData name="u3576731@connect.hku.hk" userId="0de5b9f1-4841-4bf4-9210-fdfbf365d198" providerId="ADAL" clId="{BEDA62F9-763E-456B-98CE-CD629F8B60B5}" dt="2023-03-11T10:51:48.738" v="4103" actId="478"/>
-          <ac:picMkLst>
-            <pc:docMk/>
-            <pc:sldMk cId="2759843426" sldId="272"/>
-            <ac:picMk id="6" creationId="{A8E8763D-1796-5B0A-FBA7-729CB6FBBDC6}"/>
-          </ac:picMkLst>
-        </pc:picChg>
-        <pc:picChg chg="add del mod modCrop">
-          <ac:chgData name="u3576731@connect.hku.hk" userId="0de5b9f1-4841-4bf4-9210-fdfbf365d198" providerId="ADAL" clId="{BEDA62F9-763E-456B-98CE-CD629F8B60B5}" dt="2023-03-11T11:10:04.346" v="4127" actId="478"/>
-          <ac:picMkLst>
-            <pc:docMk/>
-            <pc:sldMk cId="2759843426" sldId="272"/>
-            <ac:picMk id="21" creationId="{5DCE317D-6410-C645-D84C-778F95AE18CE}"/>
-          </ac:picMkLst>
-        </pc:picChg>
-        <pc:picChg chg="add del mod ord modCrop">
-          <ac:chgData name="u3576731@connect.hku.hk" userId="0de5b9f1-4841-4bf4-9210-fdfbf365d198" providerId="ADAL" clId="{BEDA62F9-763E-456B-98CE-CD629F8B60B5}" dt="2023-03-11T11:10:01.241" v="4126" actId="478"/>
-          <ac:picMkLst>
-            <pc:docMk/>
-            <pc:sldMk cId="2759843426" sldId="272"/>
-            <ac:picMk id="22" creationId="{DA10FB96-489A-EC4C-7D3C-9BC47F275611}"/>
-          </ac:picMkLst>
-        </pc:picChg>
-        <pc:picChg chg="add mod ord modCrop">
-          <ac:chgData name="u3576731@connect.hku.hk" userId="0de5b9f1-4841-4bf4-9210-fdfbf365d198" providerId="ADAL" clId="{BEDA62F9-763E-456B-98CE-CD629F8B60B5}" dt="2023-03-11T14:15:33.680" v="4349" actId="1076"/>
-          <ac:picMkLst>
-            <pc:docMk/>
-            <pc:sldMk cId="2759843426" sldId="272"/>
-            <ac:picMk id="24" creationId="{0872CF3F-6E2E-1E28-1876-4E5328548889}"/>
-          </ac:picMkLst>
-        </pc:picChg>
-        <pc:picChg chg="add mod ord modCrop">
-          <ac:chgData name="u3576731@connect.hku.hk" userId="0de5b9f1-4841-4bf4-9210-fdfbf365d198" providerId="ADAL" clId="{BEDA62F9-763E-456B-98CE-CD629F8B60B5}" dt="2023-03-11T11:13:02.156" v="4157" actId="171"/>
-          <ac:picMkLst>
-            <pc:docMk/>
-            <pc:sldMk cId="2759843426" sldId="272"/>
-            <ac:picMk id="25" creationId="{1FF10B89-F8A4-EDD3-7F19-9853AD461E0C}"/>
-          </ac:picMkLst>
-        </pc:picChg>
-        <pc:picChg chg="add mod modCrop">
-          <ac:chgData name="u3576731@connect.hku.hk" userId="0de5b9f1-4841-4bf4-9210-fdfbf365d198" providerId="ADAL" clId="{BEDA62F9-763E-456B-98CE-CD629F8B60B5}" dt="2023-03-11T14:14:22.115" v="4333" actId="164"/>
-          <ac:picMkLst>
-            <pc:docMk/>
-            <pc:sldMk cId="2759843426" sldId="272"/>
-            <ac:picMk id="27" creationId="{771B48B7-A124-816B-32F8-FABF1ABAF56E}"/>
-          </ac:picMkLst>
-        </pc:picChg>
-        <pc:picChg chg="add mod modCrop">
-          <ac:chgData name="u3576731@connect.hku.hk" userId="0de5b9f1-4841-4bf4-9210-fdfbf365d198" providerId="ADAL" clId="{BEDA62F9-763E-456B-98CE-CD629F8B60B5}" dt="2023-03-11T14:15:57.154" v="4351" actId="1076"/>
-          <ac:picMkLst>
-            <pc:docMk/>
-            <pc:sldMk cId="2759843426" sldId="272"/>
-            <ac:picMk id="28" creationId="{5674F6DE-CEFE-888D-0684-47DEF931AA46}"/>
-          </ac:picMkLst>
-        </pc:picChg>
-      </pc:sldChg>
-      <pc:sldChg chg="addSp delSp modSp add mod setBg addAnim delAnim modAnim">
-        <pc:chgData name="u3576731@connect.hku.hk" userId="0de5b9f1-4841-4bf4-9210-fdfbf365d198" providerId="ADAL" clId="{BEDA62F9-763E-456B-98CE-CD629F8B60B5}" dt="2023-03-13T14:10:47.094" v="5701" actId="20577"/>
-        <pc:sldMkLst>
-          <pc:docMk/>
-          <pc:sldMk cId="3054228238" sldId="273"/>
-        </pc:sldMkLst>
-        <pc:spChg chg="mod">
-          <ac:chgData name="u3576731@connect.hku.hk" userId="0de5b9f1-4841-4bf4-9210-fdfbf365d198" providerId="ADAL" clId="{BEDA62F9-763E-456B-98CE-CD629F8B60B5}" dt="2023-03-13T14:10:47.094" v="5701" actId="20577"/>
-          <ac:spMkLst>
-            <pc:docMk/>
-            <pc:sldMk cId="3054228238" sldId="273"/>
-            <ac:spMk id="2" creationId="{11E1370A-20E2-1B1D-09CA-88E4572C6CDE}"/>
-          </ac:spMkLst>
-        </pc:spChg>
-        <pc:spChg chg="add mod">
-          <ac:chgData name="u3576731@connect.hku.hk" userId="0de5b9f1-4841-4bf4-9210-fdfbf365d198" providerId="ADAL" clId="{BEDA62F9-763E-456B-98CE-CD629F8B60B5}" dt="2023-03-11T16:24:10.213" v="5470" actId="1076"/>
-          <ac:spMkLst>
-            <pc:docMk/>
-            <pc:sldMk cId="3054228238" sldId="273"/>
-            <ac:spMk id="10" creationId="{206DEF2A-C47B-4C53-2D9B-43F397ED6A7C}"/>
-          </ac:spMkLst>
-        </pc:spChg>
-        <pc:spChg chg="add del mod">
-          <ac:chgData name="u3576731@connect.hku.hk" userId="0de5b9f1-4841-4bf4-9210-fdfbf365d198" providerId="ADAL" clId="{BEDA62F9-763E-456B-98CE-CD629F8B60B5}" dt="2023-03-11T14:54:11.236" v="4615"/>
-          <ac:spMkLst>
-            <pc:docMk/>
-            <pc:sldMk cId="3054228238" sldId="273"/>
-            <ac:spMk id="11" creationId="{48F369F5-EB20-5926-B056-20CE67CF8DD3}"/>
-          </ac:spMkLst>
-        </pc:spChg>
-        <pc:spChg chg="add del mod">
-          <ac:chgData name="u3576731@connect.hku.hk" userId="0de5b9f1-4841-4bf4-9210-fdfbf365d198" providerId="ADAL" clId="{BEDA62F9-763E-456B-98CE-CD629F8B60B5}" dt="2023-03-11T14:54:10.552" v="4614"/>
-          <ac:spMkLst>
-            <pc:docMk/>
-            <pc:sldMk cId="3054228238" sldId="273"/>
-            <ac:spMk id="12" creationId="{5E110DDB-AB74-98BE-A2C3-505E1B6D1A0F}"/>
-          </ac:spMkLst>
-        </pc:spChg>
-        <pc:spChg chg="add del mod">
-          <ac:chgData name="u3576731@connect.hku.hk" userId="0de5b9f1-4841-4bf4-9210-fdfbf365d198" providerId="ADAL" clId="{BEDA62F9-763E-456B-98CE-CD629F8B60B5}" dt="2023-03-11T14:54:10.212" v="4613"/>
-          <ac:spMkLst>
-            <pc:docMk/>
-            <pc:sldMk cId="3054228238" sldId="273"/>
-            <ac:spMk id="13" creationId="{9AEA5079-52EA-FCD8-24A5-D3095084D572}"/>
-          </ac:spMkLst>
-        </pc:spChg>
-        <pc:spChg chg="add del mod">
-          <ac:chgData name="u3576731@connect.hku.hk" userId="0de5b9f1-4841-4bf4-9210-fdfbf365d198" providerId="ADAL" clId="{BEDA62F9-763E-456B-98CE-CD629F8B60B5}" dt="2023-03-11T14:54:09.912" v="4612"/>
-          <ac:spMkLst>
-            <pc:docMk/>
-            <pc:sldMk cId="3054228238" sldId="273"/>
-            <ac:spMk id="14" creationId="{AB6F184C-C3BC-4F8C-3258-84C7288462E6}"/>
-          </ac:spMkLst>
-        </pc:spChg>
-        <pc:spChg chg="add del mod">
-          <ac:chgData name="u3576731@connect.hku.hk" userId="0de5b9f1-4841-4bf4-9210-fdfbf365d198" providerId="ADAL" clId="{BEDA62F9-763E-456B-98CE-CD629F8B60B5}" dt="2023-03-11T14:54:09.637" v="4611"/>
-          <ac:spMkLst>
-            <pc:docMk/>
-            <pc:sldMk cId="3054228238" sldId="273"/>
-            <ac:spMk id="15" creationId="{E00910C7-F90B-75E2-0FF8-571E9D228D8B}"/>
-          </ac:spMkLst>
-        </pc:spChg>
-        <pc:spChg chg="add del mod">
-          <ac:chgData name="u3576731@connect.hku.hk" userId="0de5b9f1-4841-4bf4-9210-fdfbf365d198" providerId="ADAL" clId="{BEDA62F9-763E-456B-98CE-CD629F8B60B5}" dt="2023-03-11T14:54:09.361" v="4610"/>
-          <ac:spMkLst>
-            <pc:docMk/>
-            <pc:sldMk cId="3054228238" sldId="273"/>
-            <ac:spMk id="16" creationId="{87FB8D24-6ACD-113B-610C-77A368CA6915}"/>
-          </ac:spMkLst>
-        </pc:spChg>
-        <pc:spChg chg="add del mod">
-          <ac:chgData name="u3576731@connect.hku.hk" userId="0de5b9f1-4841-4bf4-9210-fdfbf365d198" providerId="ADAL" clId="{BEDA62F9-763E-456B-98CE-CD629F8B60B5}" dt="2023-03-11T14:54:09.098" v="4609"/>
-          <ac:spMkLst>
-            <pc:docMk/>
-            <pc:sldMk cId="3054228238" sldId="273"/>
-            <ac:spMk id="17" creationId="{6DF6CBC5-ADBB-372A-6804-004A6AED4707}"/>
-          </ac:spMkLst>
-        </pc:spChg>
-        <pc:spChg chg="add del mod">
-          <ac:chgData name="u3576731@connect.hku.hk" userId="0de5b9f1-4841-4bf4-9210-fdfbf365d198" providerId="ADAL" clId="{BEDA62F9-763E-456B-98CE-CD629F8B60B5}" dt="2023-03-11T14:54:08.875" v="4608"/>
-          <ac:spMkLst>
-            <pc:docMk/>
-            <pc:sldMk cId="3054228238" sldId="273"/>
-            <ac:spMk id="18" creationId="{1FA77DFF-75DF-849A-FFB6-167CAFC9FE4C}"/>
-          </ac:spMkLst>
-        </pc:spChg>
-        <pc:spChg chg="add del mod">
-          <ac:chgData name="u3576731@connect.hku.hk" userId="0de5b9f1-4841-4bf4-9210-fdfbf365d198" providerId="ADAL" clId="{BEDA62F9-763E-456B-98CE-CD629F8B60B5}" dt="2023-03-11T14:54:08.625" v="4607"/>
-          <ac:spMkLst>
-            <pc:docMk/>
-            <pc:sldMk cId="3054228238" sldId="273"/>
-            <ac:spMk id="19" creationId="{B79DD98C-46F2-4875-D5A4-79F7C60CA9F1}"/>
-          </ac:spMkLst>
-        </pc:spChg>
-        <pc:spChg chg="add del mod">
-          <ac:chgData name="u3576731@connect.hku.hk" userId="0de5b9f1-4841-4bf4-9210-fdfbf365d198" providerId="ADAL" clId="{BEDA62F9-763E-456B-98CE-CD629F8B60B5}" dt="2023-03-11T14:54:08.374" v="4606"/>
-          <ac:spMkLst>
-            <pc:docMk/>
-            <pc:sldMk cId="3054228238" sldId="273"/>
-            <ac:spMk id="20" creationId="{0C337175-A86E-AF3D-5413-66C43C93D711}"/>
-          </ac:spMkLst>
-        </pc:spChg>
-        <pc:spChg chg="add del mod">
-          <ac:chgData name="u3576731@connect.hku.hk" userId="0de5b9f1-4841-4bf4-9210-fdfbf365d198" providerId="ADAL" clId="{BEDA62F9-763E-456B-98CE-CD629F8B60B5}" dt="2023-03-11T14:54:08.111" v="4605"/>
-          <ac:spMkLst>
-            <pc:docMk/>
-            <pc:sldMk cId="3054228238" sldId="273"/>
-            <ac:spMk id="21" creationId="{1A8EEC23-0ABA-71CF-68F5-20123C8624E1}"/>
-          </ac:spMkLst>
-        </pc:spChg>
-        <pc:spChg chg="add del mod">
-          <ac:chgData name="u3576731@connect.hku.hk" userId="0de5b9f1-4841-4bf4-9210-fdfbf365d198" providerId="ADAL" clId="{BEDA62F9-763E-456B-98CE-CD629F8B60B5}" dt="2023-03-11T14:54:40.362" v="4638"/>
-          <ac:spMkLst>
-            <pc:docMk/>
-            <pc:sldMk cId="3054228238" sldId="273"/>
-            <ac:spMk id="22" creationId="{8E47575F-0491-CACF-7330-E4AE34823FCB}"/>
-          </ac:spMkLst>
-        </pc:spChg>
-        <pc:spChg chg="add del mod">
-          <ac:chgData name="u3576731@connect.hku.hk" userId="0de5b9f1-4841-4bf4-9210-fdfbf365d198" providerId="ADAL" clId="{BEDA62F9-763E-456B-98CE-CD629F8B60B5}" dt="2023-03-11T14:54:40.024" v="4637"/>
-          <ac:spMkLst>
-            <pc:docMk/>
-            <pc:sldMk cId="3054228238" sldId="273"/>
-            <ac:spMk id="23" creationId="{39100F1A-FFB0-90A8-A7BF-03BB0E544F74}"/>
-          </ac:spMkLst>
-        </pc:spChg>
-        <pc:spChg chg="add del mod">
-          <ac:chgData name="u3576731@connect.hku.hk" userId="0de5b9f1-4841-4bf4-9210-fdfbf365d198" providerId="ADAL" clId="{BEDA62F9-763E-456B-98CE-CD629F8B60B5}" dt="2023-03-11T14:54:39.763" v="4636"/>
-          <ac:spMkLst>
-            <pc:docMk/>
-            <pc:sldMk cId="3054228238" sldId="273"/>
-            <ac:spMk id="24" creationId="{D8966A9A-C8C4-23C5-795E-D976184D0D46}"/>
-          </ac:spMkLst>
-        </pc:spChg>
-        <pc:spChg chg="add del mod">
-          <ac:chgData name="u3576731@connect.hku.hk" userId="0de5b9f1-4841-4bf4-9210-fdfbf365d198" providerId="ADAL" clId="{BEDA62F9-763E-456B-98CE-CD629F8B60B5}" dt="2023-03-11T14:54:39.474" v="4635"/>
-          <ac:spMkLst>
-            <pc:docMk/>
-            <pc:sldMk cId="3054228238" sldId="273"/>
-            <ac:spMk id="25" creationId="{C30B2BED-93BF-2FE9-D483-021E2B89A832}"/>
-          </ac:spMkLst>
-        </pc:spChg>
-        <pc:spChg chg="add del mod">
-          <ac:chgData name="u3576731@connect.hku.hk" userId="0de5b9f1-4841-4bf4-9210-fdfbf365d198" providerId="ADAL" clId="{BEDA62F9-763E-456B-98CE-CD629F8B60B5}" dt="2023-03-11T14:54:39.163" v="4634"/>
-          <ac:spMkLst>
-            <pc:docMk/>
-            <pc:sldMk cId="3054228238" sldId="273"/>
-            <ac:spMk id="26" creationId="{640938B4-0333-6186-9E61-ED8F49BD572E}"/>
-          </ac:spMkLst>
-        </pc:spChg>
-        <pc:spChg chg="add del mod">
-          <ac:chgData name="u3576731@connect.hku.hk" userId="0de5b9f1-4841-4bf4-9210-fdfbf365d198" providerId="ADAL" clId="{BEDA62F9-763E-456B-98CE-CD629F8B60B5}" dt="2023-03-11T14:54:38.910" v="4633"/>
-          <ac:spMkLst>
-            <pc:docMk/>
-            <pc:sldMk cId="3054228238" sldId="273"/>
-            <ac:spMk id="27" creationId="{44271BEE-D364-AAB3-C951-ED3A792740AD}"/>
-          </ac:spMkLst>
-        </pc:spChg>
-        <pc:spChg chg="add del mod">
-          <ac:chgData name="u3576731@connect.hku.hk" userId="0de5b9f1-4841-4bf4-9210-fdfbf365d198" providerId="ADAL" clId="{BEDA62F9-763E-456B-98CE-CD629F8B60B5}" dt="2023-03-11T14:54:38.650" v="4632"/>
-          <ac:spMkLst>
-            <pc:docMk/>
-            <pc:sldMk cId="3054228238" sldId="273"/>
-            <ac:spMk id="28" creationId="{FB26D63D-C626-7532-44B9-96D84D042193}"/>
-          </ac:spMkLst>
-        </pc:spChg>
-        <pc:spChg chg="add del mod">
-          <ac:chgData name="u3576731@connect.hku.hk" userId="0de5b9f1-4841-4bf4-9210-fdfbf365d198" providerId="ADAL" clId="{BEDA62F9-763E-456B-98CE-CD629F8B60B5}" dt="2023-03-11T14:54:38.348" v="4631"/>
-          <ac:spMkLst>
-            <pc:docMk/>
-            <pc:sldMk cId="3054228238" sldId="273"/>
-            <ac:spMk id="29" creationId="{593E8F68-37FB-C392-8A56-531E57602905}"/>
-          </ac:spMkLst>
-        </pc:spChg>
-        <pc:spChg chg="add del mod">
-          <ac:chgData name="u3576731@connect.hku.hk" userId="0de5b9f1-4841-4bf4-9210-fdfbf365d198" providerId="ADAL" clId="{BEDA62F9-763E-456B-98CE-CD629F8B60B5}" dt="2023-03-11T14:54:37.449" v="4630"/>
-          <ac:spMkLst>
-            <pc:docMk/>
-            <pc:sldMk cId="3054228238" sldId="273"/>
-            <ac:spMk id="30" creationId="{16587FC5-2D8F-B607-A922-FCB03F9A9B0A}"/>
-          </ac:spMkLst>
-        </pc:spChg>
-        <pc:spChg chg="add del mod">
-          <ac:chgData name="u3576731@connect.hku.hk" userId="0de5b9f1-4841-4bf4-9210-fdfbf365d198" providerId="ADAL" clId="{BEDA62F9-763E-456B-98CE-CD629F8B60B5}" dt="2023-03-11T14:54:37.210" v="4629"/>
-          <ac:spMkLst>
-            <pc:docMk/>
-            <pc:sldMk cId="3054228238" sldId="273"/>
-            <ac:spMk id="31" creationId="{BB2C6151-1C31-4CB2-76AE-7B147536891E}"/>
-          </ac:spMkLst>
-        </pc:spChg>
-        <pc:spChg chg="add mod">
-          <ac:chgData name="u3576731@connect.hku.hk" userId="0de5b9f1-4841-4bf4-9210-fdfbf365d198" providerId="ADAL" clId="{BEDA62F9-763E-456B-98CE-CD629F8B60B5}" dt="2023-03-11T16:24:10.213" v="5470" actId="1076"/>
-          <ac:spMkLst>
-            <pc:docMk/>
-            <pc:sldMk cId="3054228238" sldId="273"/>
-            <ac:spMk id="32" creationId="{05607D17-59EC-B9AD-8FDF-DF7A0A9D5475}"/>
-          </ac:spMkLst>
-        </pc:spChg>
-        <pc:spChg chg="add mod">
-          <ac:chgData name="u3576731@connect.hku.hk" userId="0de5b9f1-4841-4bf4-9210-fdfbf365d198" providerId="ADAL" clId="{BEDA62F9-763E-456B-98CE-CD629F8B60B5}" dt="2023-03-11T16:24:10.213" v="5470" actId="1076"/>
-          <ac:spMkLst>
-            <pc:docMk/>
-            <pc:sldMk cId="3054228238" sldId="273"/>
-            <ac:spMk id="33" creationId="{61B35B44-1537-E721-5F73-B7D17F6B0B8C}"/>
-          </ac:spMkLst>
-        </pc:spChg>
-        <pc:spChg chg="add mod">
-          <ac:chgData name="u3576731@connect.hku.hk" userId="0de5b9f1-4841-4bf4-9210-fdfbf365d198" providerId="ADAL" clId="{BEDA62F9-763E-456B-98CE-CD629F8B60B5}" dt="2023-03-11T16:24:10.213" v="5470" actId="1076"/>
-          <ac:spMkLst>
-            <pc:docMk/>
-            <pc:sldMk cId="3054228238" sldId="273"/>
-            <ac:spMk id="34" creationId="{806AAC94-95CF-3382-27C2-909FF782DABD}"/>
-          </ac:spMkLst>
-        </pc:spChg>
-        <pc:spChg chg="add mod">
-          <ac:chgData name="u3576731@connect.hku.hk" userId="0de5b9f1-4841-4bf4-9210-fdfbf365d198" providerId="ADAL" clId="{BEDA62F9-763E-456B-98CE-CD629F8B60B5}" dt="2023-03-11T16:24:10.213" v="5470" actId="1076"/>
-          <ac:spMkLst>
-            <pc:docMk/>
-            <pc:sldMk cId="3054228238" sldId="273"/>
-            <ac:spMk id="35" creationId="{13254579-C92A-304B-3BD4-793B4F2696DA}"/>
-          </ac:spMkLst>
-        </pc:spChg>
-        <pc:spChg chg="add mod">
-          <ac:chgData name="u3576731@connect.hku.hk" userId="0de5b9f1-4841-4bf4-9210-fdfbf365d198" providerId="ADAL" clId="{BEDA62F9-763E-456B-98CE-CD629F8B60B5}" dt="2023-03-11T16:24:10.213" v="5470" actId="1076"/>
-          <ac:spMkLst>
-            <pc:docMk/>
-            <pc:sldMk cId="3054228238" sldId="273"/>
-            <ac:spMk id="36" creationId="{43FBD6D1-99DF-0A6C-326D-1C48E34269E7}"/>
-          </ac:spMkLst>
-        </pc:spChg>
-        <pc:spChg chg="add mod">
-          <ac:chgData name="u3576731@connect.hku.hk" userId="0de5b9f1-4841-4bf4-9210-fdfbf365d198" providerId="ADAL" clId="{BEDA62F9-763E-456B-98CE-CD629F8B60B5}" dt="2023-03-11T16:24:10.213" v="5470" actId="1076"/>
-          <ac:spMkLst>
-            <pc:docMk/>
-            <pc:sldMk cId="3054228238" sldId="273"/>
-            <ac:spMk id="37" creationId="{A98B3479-41A7-AA35-3ACF-96537B592191}"/>
-          </ac:spMkLst>
-        </pc:spChg>
-        <pc:spChg chg="add mod">
-          <ac:chgData name="u3576731@connect.hku.hk" userId="0de5b9f1-4841-4bf4-9210-fdfbf365d198" providerId="ADAL" clId="{BEDA62F9-763E-456B-98CE-CD629F8B60B5}" dt="2023-03-11T16:24:10.213" v="5470" actId="1076"/>
-          <ac:spMkLst>
-            <pc:docMk/>
-            <pc:sldMk cId="3054228238" sldId="273"/>
-            <ac:spMk id="38" creationId="{A12EBA4D-BFDC-2CC4-C12E-663D3ED703FD}"/>
-          </ac:spMkLst>
-        </pc:spChg>
-        <pc:spChg chg="add mod">
-          <ac:chgData name="u3576731@connect.hku.hk" userId="0de5b9f1-4841-4bf4-9210-fdfbf365d198" providerId="ADAL" clId="{BEDA62F9-763E-456B-98CE-CD629F8B60B5}" dt="2023-03-11T16:24:10.213" v="5470" actId="1076"/>
-          <ac:spMkLst>
-            <pc:docMk/>
-            <pc:sldMk cId="3054228238" sldId="273"/>
-            <ac:spMk id="39" creationId="{A00EC488-B72B-F2C9-13CE-AE747623CB5F}"/>
-          </ac:spMkLst>
-        </pc:spChg>
-        <pc:spChg chg="add mod">
-          <ac:chgData name="u3576731@connect.hku.hk" userId="0de5b9f1-4841-4bf4-9210-fdfbf365d198" providerId="ADAL" clId="{BEDA62F9-763E-456B-98CE-CD629F8B60B5}" dt="2023-03-11T16:24:10.213" v="5470" actId="1076"/>
-          <ac:spMkLst>
-            <pc:docMk/>
-            <pc:sldMk cId="3054228238" sldId="273"/>
-            <ac:spMk id="40" creationId="{CF21ACFB-1E89-4BF3-313D-C361472A025B}"/>
-          </ac:spMkLst>
-        </pc:spChg>
-        <pc:spChg chg="add mod">
-          <ac:chgData name="u3576731@connect.hku.hk" userId="0de5b9f1-4841-4bf4-9210-fdfbf365d198" providerId="ADAL" clId="{BEDA62F9-763E-456B-98CE-CD629F8B60B5}" dt="2023-03-11T16:24:10.213" v="5470" actId="1076"/>
-          <ac:spMkLst>
-            <pc:docMk/>
-            <pc:sldMk cId="3054228238" sldId="273"/>
-            <ac:spMk id="41" creationId="{D6869E60-202E-E9E5-51F0-3AA11BF0D217}"/>
-          </ac:spMkLst>
-        </pc:spChg>
-        <pc:spChg chg="add mod">
-          <ac:chgData name="u3576731@connect.hku.hk" userId="0de5b9f1-4841-4bf4-9210-fdfbf365d198" providerId="ADAL" clId="{BEDA62F9-763E-456B-98CE-CD629F8B60B5}" dt="2023-03-11T16:24:15.366" v="5471" actId="1076"/>
-          <ac:spMkLst>
-            <pc:docMk/>
-            <pc:sldMk cId="3054228238" sldId="273"/>
-            <ac:spMk id="42" creationId="{76E51B3B-A7E0-3C95-D472-9F8A767C7DFE}"/>
-          </ac:spMkLst>
-        </pc:spChg>
-        <pc:spChg chg="add mod">
-          <ac:chgData name="u3576731@connect.hku.hk" userId="0de5b9f1-4841-4bf4-9210-fdfbf365d198" providerId="ADAL" clId="{BEDA62F9-763E-456B-98CE-CD629F8B60B5}" dt="2023-03-11T16:24:10.213" v="5470" actId="1076"/>
-          <ac:spMkLst>
-            <pc:docMk/>
-            <pc:sldMk cId="3054228238" sldId="273"/>
-            <ac:spMk id="43" creationId="{705C21F5-9760-F0BC-C649-E4B6EE849206}"/>
-          </ac:spMkLst>
-        </pc:spChg>
-        <pc:spChg chg="add mod">
-          <ac:chgData name="u3576731@connect.hku.hk" userId="0de5b9f1-4841-4bf4-9210-fdfbf365d198" providerId="ADAL" clId="{BEDA62F9-763E-456B-98CE-CD629F8B60B5}" dt="2023-03-11T16:24:10.213" v="5470" actId="1076"/>
-          <ac:spMkLst>
-            <pc:docMk/>
-            <pc:sldMk cId="3054228238" sldId="273"/>
-            <ac:spMk id="44" creationId="{6FFA9316-4FE6-1415-B876-19F17D6D4BD6}"/>
-          </ac:spMkLst>
-        </pc:spChg>
-        <pc:spChg chg="add mod">
-          <ac:chgData name="u3576731@connect.hku.hk" userId="0de5b9f1-4841-4bf4-9210-fdfbf365d198" providerId="ADAL" clId="{BEDA62F9-763E-456B-98CE-CD629F8B60B5}" dt="2023-03-11T16:24:10.213" v="5470" actId="1076"/>
-          <ac:spMkLst>
-            <pc:docMk/>
-            <pc:sldMk cId="3054228238" sldId="273"/>
-            <ac:spMk id="45" creationId="{AA8246A5-BFA2-F439-95D8-CFFC1146085E}"/>
-          </ac:spMkLst>
-        </pc:spChg>
-        <pc:spChg chg="add mod">
-          <ac:chgData name="u3576731@connect.hku.hk" userId="0de5b9f1-4841-4bf4-9210-fdfbf365d198" providerId="ADAL" clId="{BEDA62F9-763E-456B-98CE-CD629F8B60B5}" dt="2023-03-11T16:24:10.213" v="5470" actId="1076"/>
-          <ac:spMkLst>
-            <pc:docMk/>
-            <pc:sldMk cId="3054228238" sldId="273"/>
-            <ac:spMk id="46" creationId="{0A2D21FA-C01A-DA19-2AC7-C237C22639EF}"/>
-          </ac:spMkLst>
-        </pc:spChg>
-        <pc:spChg chg="add mod">
-          <ac:chgData name="u3576731@connect.hku.hk" userId="0de5b9f1-4841-4bf4-9210-fdfbf365d198" providerId="ADAL" clId="{BEDA62F9-763E-456B-98CE-CD629F8B60B5}" dt="2023-03-11T16:24:10.213" v="5470" actId="1076"/>
-          <ac:spMkLst>
-            <pc:docMk/>
-            <pc:sldMk cId="3054228238" sldId="273"/>
-            <ac:spMk id="47" creationId="{54E0975C-3A9F-C094-868D-8BDEA4FA9723}"/>
-          </ac:spMkLst>
-        </pc:spChg>
-        <pc:spChg chg="add mod">
-          <ac:chgData name="u3576731@connect.hku.hk" userId="0de5b9f1-4841-4bf4-9210-fdfbf365d198" providerId="ADAL" clId="{BEDA62F9-763E-456B-98CE-CD629F8B60B5}" dt="2023-03-11T16:24:10.213" v="5470" actId="1076"/>
-          <ac:spMkLst>
-            <pc:docMk/>
-            <pc:sldMk cId="3054228238" sldId="273"/>
-            <ac:spMk id="48" creationId="{99131304-3ABB-45A3-E2B9-83A8276E1F94}"/>
-          </ac:spMkLst>
-        </pc:spChg>
-        <pc:spChg chg="add mod">
-          <ac:chgData name="u3576731@connect.hku.hk" userId="0de5b9f1-4841-4bf4-9210-fdfbf365d198" providerId="ADAL" clId="{BEDA62F9-763E-456B-98CE-CD629F8B60B5}" dt="2023-03-11T16:24:10.213" v="5470" actId="1076"/>
-          <ac:spMkLst>
-            <pc:docMk/>
-            <pc:sldMk cId="3054228238" sldId="273"/>
-            <ac:spMk id="49" creationId="{81D26C38-F0F6-7871-799C-5308C707B046}"/>
-          </ac:spMkLst>
-        </pc:spChg>
-        <pc:spChg chg="add mod topLvl">
-          <ac:chgData name="u3576731@connect.hku.hk" userId="0de5b9f1-4841-4bf4-9210-fdfbf365d198" providerId="ADAL" clId="{BEDA62F9-763E-456B-98CE-CD629F8B60B5}" dt="2023-03-11T16:24:10.213" v="5470" actId="1076"/>
-          <ac:spMkLst>
-            <pc:docMk/>
-            <pc:sldMk cId="3054228238" sldId="273"/>
-            <ac:spMk id="58" creationId="{139BC0C1-F6A3-FA54-21CA-1EF1D9FE0D23}"/>
-          </ac:spMkLst>
-        </pc:spChg>
-        <pc:spChg chg="add mod topLvl">
-          <ac:chgData name="u3576731@connect.hku.hk" userId="0de5b9f1-4841-4bf4-9210-fdfbf365d198" providerId="ADAL" clId="{BEDA62F9-763E-456B-98CE-CD629F8B60B5}" dt="2023-03-11T16:24:10.213" v="5470" actId="1076"/>
-          <ac:spMkLst>
-            <pc:docMk/>
-            <pc:sldMk cId="3054228238" sldId="273"/>
-            <ac:spMk id="59" creationId="{459D1AD2-9570-E2EF-6B65-1E0236693C0F}"/>
-          </ac:spMkLst>
-        </pc:spChg>
-        <pc:spChg chg="add mod topLvl">
-          <ac:chgData name="u3576731@connect.hku.hk" userId="0de5b9f1-4841-4bf4-9210-fdfbf365d198" providerId="ADAL" clId="{BEDA62F9-763E-456B-98CE-CD629F8B60B5}" dt="2023-03-11T16:24:10.213" v="5470" actId="1076"/>
-          <ac:spMkLst>
-            <pc:docMk/>
-            <pc:sldMk cId="3054228238" sldId="273"/>
-            <ac:spMk id="60" creationId="{079E15BE-A462-AA82-4FF3-2CB0C38DDE4F}"/>
-          </ac:spMkLst>
-        </pc:spChg>
-        <pc:spChg chg="add mod">
-          <ac:chgData name="u3576731@connect.hku.hk" userId="0de5b9f1-4841-4bf4-9210-fdfbf365d198" providerId="ADAL" clId="{BEDA62F9-763E-456B-98CE-CD629F8B60B5}" dt="2023-03-11T16:25:12.792" v="5478" actId="404"/>
-          <ac:spMkLst>
-            <pc:docMk/>
-            <pc:sldMk cId="3054228238" sldId="273"/>
-            <ac:spMk id="64" creationId="{CC6CF8F1-1B04-E249-873A-EE7D7C54425B}"/>
-          </ac:spMkLst>
-        </pc:spChg>
-        <pc:spChg chg="add del">
-          <ac:chgData name="u3576731@connect.hku.hk" userId="0de5b9f1-4841-4bf4-9210-fdfbf365d198" providerId="ADAL" clId="{BEDA62F9-763E-456B-98CE-CD629F8B60B5}" dt="2023-03-11T15:51:02.950" v="5073" actId="22"/>
-          <ac:spMkLst>
-            <pc:docMk/>
-            <pc:sldMk cId="3054228238" sldId="273"/>
-            <ac:spMk id="69" creationId="{0641F05B-1736-07FE-0606-A65802E95318}"/>
-          </ac:spMkLst>
-        </pc:spChg>
-        <pc:spChg chg="add mod">
-          <ac:chgData name="u3576731@connect.hku.hk" userId="0de5b9f1-4841-4bf4-9210-fdfbf365d198" providerId="ADAL" clId="{BEDA62F9-763E-456B-98CE-CD629F8B60B5}" dt="2023-03-11T16:25:10.422" v="5477" actId="1076"/>
-          <ac:spMkLst>
-            <pc:docMk/>
-            <pc:sldMk cId="3054228238" sldId="273"/>
-            <ac:spMk id="71" creationId="{AC12A11B-A5FB-C84A-635B-FEB37234EE4A}"/>
-          </ac:spMkLst>
-        </pc:spChg>
-        <pc:spChg chg="add mod">
-          <ac:chgData name="u3576731@connect.hku.hk" userId="0de5b9f1-4841-4bf4-9210-fdfbf365d198" providerId="ADAL" clId="{BEDA62F9-763E-456B-98CE-CD629F8B60B5}" dt="2023-03-11T16:26:59.503" v="5500" actId="404"/>
-          <ac:spMkLst>
-            <pc:docMk/>
-            <pc:sldMk cId="3054228238" sldId="273"/>
-            <ac:spMk id="100" creationId="{10E0E96E-F8A3-8BCA-5D0F-2A9EF1723716}"/>
-          </ac:spMkLst>
-        </pc:spChg>
-        <pc:spChg chg="add mod">
-          <ac:chgData name="u3576731@connect.hku.hk" userId="0de5b9f1-4841-4bf4-9210-fdfbf365d198" providerId="ADAL" clId="{BEDA62F9-763E-456B-98CE-CD629F8B60B5}" dt="2023-03-11T16:26:43.667" v="5498" actId="465"/>
-          <ac:spMkLst>
-            <pc:docMk/>
-            <pc:sldMk cId="3054228238" sldId="273"/>
-            <ac:spMk id="105" creationId="{1749DB72-1C58-D804-ED9E-B16CAF6DFAA5}"/>
-          </ac:spMkLst>
-        </pc:spChg>
-        <pc:spChg chg="add mod">
-          <ac:chgData name="u3576731@connect.hku.hk" userId="0de5b9f1-4841-4bf4-9210-fdfbf365d198" providerId="ADAL" clId="{BEDA62F9-763E-456B-98CE-CD629F8B60B5}" dt="2023-03-11T16:26:43.667" v="5498" actId="465"/>
-          <ac:spMkLst>
-            <pc:docMk/>
-            <pc:sldMk cId="3054228238" sldId="273"/>
-            <ac:spMk id="106" creationId="{29F8C43E-0A47-B39B-EE9B-D623174A66BB}"/>
-          </ac:spMkLst>
-        </pc:spChg>
-        <pc:spChg chg="add mod">
-          <ac:chgData name="u3576731@connect.hku.hk" userId="0de5b9f1-4841-4bf4-9210-fdfbf365d198" providerId="ADAL" clId="{BEDA62F9-763E-456B-98CE-CD629F8B60B5}" dt="2023-03-11T16:26:09.804" v="5485" actId="1076"/>
-          <ac:spMkLst>
-            <pc:docMk/>
-            <pc:sldMk cId="3054228238" sldId="273"/>
-            <ac:spMk id="107" creationId="{86658C21-3F1E-75EB-5C3B-636B49CB82B5}"/>
-          </ac:spMkLst>
-        </pc:spChg>
-        <pc:grpChg chg="add del mod">
-          <ac:chgData name="u3576731@connect.hku.hk" userId="0de5b9f1-4841-4bf4-9210-fdfbf365d198" providerId="ADAL" clId="{BEDA62F9-763E-456B-98CE-CD629F8B60B5}" dt="2023-03-11T15:18:39.581" v="4856" actId="165"/>
-          <ac:grpSpMkLst>
-            <pc:docMk/>
-            <pc:sldMk cId="3054228238" sldId="273"/>
-            <ac:grpSpMk id="63" creationId="{E8E068EA-DDA9-905F-28A9-A9D385A0D566}"/>
-          </ac:grpSpMkLst>
-        </pc:grpChg>
-        <pc:picChg chg="add del mod modCrop">
-          <ac:chgData name="u3576731@connect.hku.hk" userId="0de5b9f1-4841-4bf4-9210-fdfbf365d198" providerId="ADAL" clId="{BEDA62F9-763E-456B-98CE-CD629F8B60B5}" dt="2023-03-11T14:50:28.421" v="4566" actId="478"/>
-          <ac:picMkLst>
-            <pc:docMk/>
-            <pc:sldMk cId="3054228238" sldId="273"/>
-            <ac:picMk id="3" creationId="{179EA562-EC8A-CD4C-83BF-DF1A6E5D3319}"/>
-          </ac:picMkLst>
-        </pc:picChg>
-        <pc:picChg chg="del">
-          <ac:chgData name="u3576731@connect.hku.hk" userId="0de5b9f1-4841-4bf4-9210-fdfbf365d198" providerId="ADAL" clId="{BEDA62F9-763E-456B-98CE-CD629F8B60B5}" dt="2023-03-11T09:34:49.091" v="2185" actId="478"/>
-          <ac:picMkLst>
-            <pc:docMk/>
-            <pc:sldMk cId="3054228238" sldId="273"/>
-            <ac:picMk id="4" creationId="{CBB118C9-F2F7-7938-7A78-CBF3F637A500}"/>
-          </ac:picMkLst>
-        </pc:picChg>
-        <pc:picChg chg="mod">
-          <ac:chgData name="u3576731@connect.hku.hk" userId="0de5b9f1-4841-4bf4-9210-fdfbf365d198" providerId="ADAL" clId="{BEDA62F9-763E-456B-98CE-CD629F8B60B5}" dt="2023-03-11T15:16:25.642" v="4841" actId="1582"/>
-          <ac:picMkLst>
-            <pc:docMk/>
-            <pc:sldMk cId="3054228238" sldId="273"/>
-            <ac:picMk id="5" creationId="{9F1039F9-5615-15EF-339D-7F95C7D183D2}"/>
-          </ac:picMkLst>
-        </pc:picChg>
-        <pc:picChg chg="add mod modCrop">
-          <ac:chgData name="u3576731@connect.hku.hk" userId="0de5b9f1-4841-4bf4-9210-fdfbf365d198" providerId="ADAL" clId="{BEDA62F9-763E-456B-98CE-CD629F8B60B5}" dt="2023-03-11T16:26:24.916" v="5494" actId="1076"/>
-          <ac:picMkLst>
-            <pc:docMk/>
-            <pc:sldMk cId="3054228238" sldId="273"/>
-            <ac:picMk id="6" creationId="{6AF04E45-C83A-7A41-1FF6-B74BFB142167}"/>
-          </ac:picMkLst>
-        </pc:picChg>
-        <pc:cxnChg chg="add mod">
-          <ac:chgData name="u3576731@connect.hku.hk" userId="0de5b9f1-4841-4bf4-9210-fdfbf365d198" providerId="ADAL" clId="{BEDA62F9-763E-456B-98CE-CD629F8B60B5}" dt="2023-03-11T16:24:10.213" v="5470" actId="1076"/>
-          <ac:cxnSpMkLst>
-            <pc:docMk/>
-            <pc:sldMk cId="3054228238" sldId="273"/>
-            <ac:cxnSpMk id="8" creationId="{7079130B-FEEB-53CB-E0B7-2F4819683C41}"/>
-          </ac:cxnSpMkLst>
-        </pc:cxnChg>
-        <pc:cxnChg chg="add del mod">
-          <ac:chgData name="u3576731@connect.hku.hk" userId="0de5b9f1-4841-4bf4-9210-fdfbf365d198" providerId="ADAL" clId="{BEDA62F9-763E-456B-98CE-CD629F8B60B5}" dt="2023-03-11T15:57:18.927" v="5145" actId="478"/>
-          <ac:cxnSpMkLst>
-            <pc:docMk/>
-            <pc:sldMk cId="3054228238" sldId="273"/>
-            <ac:cxnSpMk id="73" creationId="{275661EB-F951-13EE-3A81-04A1D28D6B7F}"/>
-          </ac:cxnSpMkLst>
-        </pc:cxnChg>
-        <pc:cxnChg chg="add del mod">
-          <ac:chgData name="u3576731@connect.hku.hk" userId="0de5b9f1-4841-4bf4-9210-fdfbf365d198" providerId="ADAL" clId="{BEDA62F9-763E-456B-98CE-CD629F8B60B5}" dt="2023-03-11T16:24:10.213" v="5470" actId="1076"/>
-          <ac:cxnSpMkLst>
-            <pc:docMk/>
-            <pc:sldMk cId="3054228238" sldId="273"/>
-            <ac:cxnSpMk id="80" creationId="{01DF1AD4-3019-BAD8-6803-BA71D47EE0EB}"/>
-          </ac:cxnSpMkLst>
-        </pc:cxnChg>
-        <pc:cxnChg chg="add del mod">
-          <ac:chgData name="u3576731@connect.hku.hk" userId="0de5b9f1-4841-4bf4-9210-fdfbf365d198" providerId="ADAL" clId="{BEDA62F9-763E-456B-98CE-CD629F8B60B5}" dt="2023-03-11T16:24:10.213" v="5470" actId="1076"/>
-          <ac:cxnSpMkLst>
-            <pc:docMk/>
-            <pc:sldMk cId="3054228238" sldId="273"/>
-            <ac:cxnSpMk id="81" creationId="{09FAE401-8DB3-7C55-AB55-00B7D3A8EB0D}"/>
-          </ac:cxnSpMkLst>
-        </pc:cxnChg>
-        <pc:cxnChg chg="add del mod">
-          <ac:chgData name="u3576731@connect.hku.hk" userId="0de5b9f1-4841-4bf4-9210-fdfbf365d198" providerId="ADAL" clId="{BEDA62F9-763E-456B-98CE-CD629F8B60B5}" dt="2023-03-11T16:24:10.213" v="5470" actId="1076"/>
-          <ac:cxnSpMkLst>
-            <pc:docMk/>
-            <pc:sldMk cId="3054228238" sldId="273"/>
-            <ac:cxnSpMk id="82" creationId="{F8236AC4-304E-F541-3DD8-77B0CC13EC91}"/>
-          </ac:cxnSpMkLst>
-        </pc:cxnChg>
-      </pc:sldChg>
-      <pc:sldChg chg="addSp delSp modSp add mod">
-        <pc:chgData name="u3576731@connect.hku.hk" userId="0de5b9f1-4841-4bf4-9210-fdfbf365d198" providerId="ADAL" clId="{BEDA62F9-763E-456B-98CE-CD629F8B60B5}" dt="2023-03-13T14:10:55.782" v="5709" actId="20577"/>
-        <pc:sldMkLst>
-          <pc:docMk/>
-          <pc:sldMk cId="3772663247" sldId="274"/>
-        </pc:sldMkLst>
-        <pc:spChg chg="mod">
-          <ac:chgData name="u3576731@connect.hku.hk" userId="0de5b9f1-4841-4bf4-9210-fdfbf365d198" providerId="ADAL" clId="{BEDA62F9-763E-456B-98CE-CD629F8B60B5}" dt="2023-03-13T14:10:55.782" v="5709" actId="20577"/>
-          <ac:spMkLst>
-            <pc:docMk/>
-            <pc:sldMk cId="3772663247" sldId="274"/>
-            <ac:spMk id="2" creationId="{11E1370A-20E2-1B1D-09CA-88E4572C6CDE}"/>
-          </ac:spMkLst>
-        </pc:spChg>
-        <pc:spChg chg="mod ord">
-          <ac:chgData name="u3576731@connect.hku.hk" userId="0de5b9f1-4841-4bf4-9210-fdfbf365d198" providerId="ADAL" clId="{BEDA62F9-763E-456B-98CE-CD629F8B60B5}" dt="2023-03-11T15:39:47.301" v="5065" actId="1076"/>
-          <ac:spMkLst>
-            <pc:docMk/>
-            <pc:sldMk cId="3772663247" sldId="274"/>
-            <ac:spMk id="13" creationId="{5EDE47A6-30B6-BE8A-6903-CCA68704C7DF}"/>
-          </ac:spMkLst>
-        </pc:spChg>
-        <pc:spChg chg="mod ord">
-          <ac:chgData name="u3576731@connect.hku.hk" userId="0de5b9f1-4841-4bf4-9210-fdfbf365d198" providerId="ADAL" clId="{BEDA62F9-763E-456B-98CE-CD629F8B60B5}" dt="2023-03-11T15:38:00.702" v="5053" actId="1076"/>
-          <ac:spMkLst>
-            <pc:docMk/>
-            <pc:sldMk cId="3772663247" sldId="274"/>
-            <ac:spMk id="20" creationId="{E72BE26C-26F5-84AC-EC76-2960570FC2D2}"/>
-          </ac:spMkLst>
-        </pc:spChg>
-        <pc:spChg chg="mod ord">
-          <ac:chgData name="u3576731@connect.hku.hk" userId="0de5b9f1-4841-4bf4-9210-fdfbf365d198" providerId="ADAL" clId="{BEDA62F9-763E-456B-98CE-CD629F8B60B5}" dt="2023-03-11T15:36:04.476" v="4970" actId="14100"/>
-          <ac:spMkLst>
-            <pc:docMk/>
-            <pc:sldMk cId="3772663247" sldId="274"/>
-            <ac:spMk id="21" creationId="{C1A36B4C-61FF-B6FD-7D08-015A6B8CB44A}"/>
-          </ac:spMkLst>
-        </pc:spChg>
-        <pc:spChg chg="mod ord">
-          <ac:chgData name="u3576731@connect.hku.hk" userId="0de5b9f1-4841-4bf4-9210-fdfbf365d198" providerId="ADAL" clId="{BEDA62F9-763E-456B-98CE-CD629F8B60B5}" dt="2023-03-11T15:39:05.866" v="5061" actId="14100"/>
-          <ac:spMkLst>
-            <pc:docMk/>
-            <pc:sldMk cId="3772663247" sldId="274"/>
-            <ac:spMk id="22" creationId="{3F5842D3-20CE-5D45-8ECD-360AEFBB9A6D}"/>
-          </ac:spMkLst>
-        </pc:spChg>
-        <pc:spChg chg="del ord">
-          <ac:chgData name="u3576731@connect.hku.hk" userId="0de5b9f1-4841-4bf4-9210-fdfbf365d198" providerId="ADAL" clId="{BEDA62F9-763E-456B-98CE-CD629F8B60B5}" dt="2023-03-11T15:35:34.103" v="4960" actId="478"/>
-          <ac:spMkLst>
-            <pc:docMk/>
-            <pc:sldMk cId="3772663247" sldId="274"/>
-            <ac:spMk id="23" creationId="{9EC36D28-E60C-DEF2-AF52-473B668F4BE6}"/>
-          </ac:spMkLst>
-        </pc:spChg>
-        <pc:spChg chg="mod ord">
-          <ac:chgData name="u3576731@connect.hku.hk" userId="0de5b9f1-4841-4bf4-9210-fdfbf365d198" providerId="ADAL" clId="{BEDA62F9-763E-456B-98CE-CD629F8B60B5}" dt="2023-03-11T15:39:47.301" v="5065" actId="1076"/>
-          <ac:spMkLst>
-            <pc:docMk/>
-            <pc:sldMk cId="3772663247" sldId="274"/>
-            <ac:spMk id="27" creationId="{45DF21AF-E114-A4CD-546F-049554F45D91}"/>
-          </ac:spMkLst>
-        </pc:spChg>
-        <pc:spChg chg="mod ord">
-          <ac:chgData name="u3576731@connect.hku.hk" userId="0de5b9f1-4841-4bf4-9210-fdfbf365d198" providerId="ADAL" clId="{BEDA62F9-763E-456B-98CE-CD629F8B60B5}" dt="2023-03-11T15:39:47.301" v="5065" actId="1076"/>
-          <ac:spMkLst>
-            <pc:docMk/>
-            <pc:sldMk cId="3772663247" sldId="274"/>
-            <ac:spMk id="28" creationId="{83922FFC-7D19-A135-6F63-31FF811DD165}"/>
-          </ac:spMkLst>
-        </pc:spChg>
-        <pc:spChg chg="del ord">
-          <ac:chgData name="u3576731@connect.hku.hk" userId="0de5b9f1-4841-4bf4-9210-fdfbf365d198" providerId="ADAL" clId="{BEDA62F9-763E-456B-98CE-CD629F8B60B5}" dt="2023-03-11T15:37:14.049" v="5030" actId="478"/>
-          <ac:spMkLst>
-            <pc:docMk/>
-            <pc:sldMk cId="3772663247" sldId="274"/>
-            <ac:spMk id="29" creationId="{D26C60EC-0CA2-3B56-BFA0-529ED03A08CC}"/>
-          </ac:spMkLst>
-        </pc:spChg>
-        <pc:picChg chg="add mod ord modCrop">
-          <ac:chgData name="u3576731@connect.hku.hk" userId="0de5b9f1-4841-4bf4-9210-fdfbf365d198" providerId="ADAL" clId="{BEDA62F9-763E-456B-98CE-CD629F8B60B5}" dt="2023-03-11T15:35:02.255" v="4954" actId="171"/>
-          <ac:picMkLst>
-            <pc:docMk/>
-            <pc:sldMk cId="3772663247" sldId="274"/>
-            <ac:picMk id="4" creationId="{532DC256-479A-4871-7D59-B55A99F6937A}"/>
-          </ac:picMkLst>
-        </pc:picChg>
-        <pc:picChg chg="ord">
-          <ac:chgData name="u3576731@connect.hku.hk" userId="0de5b9f1-4841-4bf4-9210-fdfbf365d198" providerId="ADAL" clId="{BEDA62F9-763E-456B-98CE-CD629F8B60B5}" dt="2023-03-11T15:34:27.330" v="4946" actId="166"/>
-          <ac:picMkLst>
-            <pc:docMk/>
-            <pc:sldMk cId="3772663247" sldId="274"/>
-            <ac:picMk id="5" creationId="{9F1039F9-5615-15EF-339D-7F95C7D183D2}"/>
-          </ac:picMkLst>
-        </pc:picChg>
-        <pc:picChg chg="del">
-          <ac:chgData name="u3576731@connect.hku.hk" userId="0de5b9f1-4841-4bf4-9210-fdfbf365d198" providerId="ADAL" clId="{BEDA62F9-763E-456B-98CE-CD629F8B60B5}" dt="2023-03-11T15:35:08.340" v="4955" actId="478"/>
-          <ac:picMkLst>
-            <pc:docMk/>
-            <pc:sldMk cId="3772663247" sldId="274"/>
-            <ac:picMk id="12" creationId="{D18BA5F3-82AF-5286-44C7-19128F16A921}"/>
-          </ac:picMkLst>
-        </pc:picChg>
-      </pc:sldChg>
-      <pc:sldMasterChg chg="setBg modSldLayout">
-        <pc:chgData name="u3576731@connect.hku.hk" userId="0de5b9f1-4841-4bf4-9210-fdfbf365d198" providerId="ADAL" clId="{BEDA62F9-763E-456B-98CE-CD629F8B60B5}" dt="2023-03-10T10:17:56.802" v="564"/>
-        <pc:sldMasterMkLst>
-          <pc:docMk/>
-          <pc:sldMasterMk cId="94561244" sldId="2147483648"/>
-        </pc:sldMasterMkLst>
-        <pc:sldLayoutChg chg="setBg">
-          <pc:chgData name="u3576731@connect.hku.hk" userId="0de5b9f1-4841-4bf4-9210-fdfbf365d198" providerId="ADAL" clId="{BEDA62F9-763E-456B-98CE-CD629F8B60B5}" dt="2023-03-10T10:17:56.802" v="564"/>
-          <pc:sldLayoutMkLst>
-            <pc:docMk/>
-            <pc:sldMasterMk cId="94561244" sldId="2147483648"/>
-            <pc:sldLayoutMk cId="3567854995" sldId="2147483649"/>
-          </pc:sldLayoutMkLst>
-        </pc:sldLayoutChg>
-        <pc:sldLayoutChg chg="setBg">
-          <pc:chgData name="u3576731@connect.hku.hk" userId="0de5b9f1-4841-4bf4-9210-fdfbf365d198" providerId="ADAL" clId="{BEDA62F9-763E-456B-98CE-CD629F8B60B5}" dt="2023-03-10T10:17:56.802" v="564"/>
-          <pc:sldLayoutMkLst>
-            <pc:docMk/>
-            <pc:sldMasterMk cId="94561244" sldId="2147483648"/>
-            <pc:sldLayoutMk cId="3856904075" sldId="2147483650"/>
-          </pc:sldLayoutMkLst>
-        </pc:sldLayoutChg>
-        <pc:sldLayoutChg chg="setBg">
-          <pc:chgData name="u3576731@connect.hku.hk" userId="0de5b9f1-4841-4bf4-9210-fdfbf365d198" providerId="ADAL" clId="{BEDA62F9-763E-456B-98CE-CD629F8B60B5}" dt="2023-03-10T10:17:56.802" v="564"/>
-          <pc:sldLayoutMkLst>
-            <pc:docMk/>
-            <pc:sldMasterMk cId="94561244" sldId="2147483648"/>
-            <pc:sldLayoutMk cId="2584790739" sldId="2147483651"/>
-          </pc:sldLayoutMkLst>
-        </pc:sldLayoutChg>
-        <pc:sldLayoutChg chg="setBg">
-          <pc:chgData name="u3576731@connect.hku.hk" userId="0de5b9f1-4841-4bf4-9210-fdfbf365d198" providerId="ADAL" clId="{BEDA62F9-763E-456B-98CE-CD629F8B60B5}" dt="2023-03-10T10:17:56.802" v="564"/>
-          <pc:sldLayoutMkLst>
-            <pc:docMk/>
-            <pc:sldMasterMk cId="94561244" sldId="2147483648"/>
-            <pc:sldLayoutMk cId="3942939655" sldId="2147483652"/>
-          </pc:sldLayoutMkLst>
-        </pc:sldLayoutChg>
-        <pc:sldLayoutChg chg="setBg">
-          <pc:chgData name="u3576731@connect.hku.hk" userId="0de5b9f1-4841-4bf4-9210-fdfbf365d198" providerId="ADAL" clId="{BEDA62F9-763E-456B-98CE-CD629F8B60B5}" dt="2023-03-10T10:17:56.802" v="564"/>
-          <pc:sldLayoutMkLst>
-            <pc:docMk/>
-            <pc:sldMasterMk cId="94561244" sldId="2147483648"/>
-            <pc:sldLayoutMk cId="1465525162" sldId="2147483653"/>
-          </pc:sldLayoutMkLst>
-        </pc:sldLayoutChg>
-        <pc:sldLayoutChg chg="setBg">
-          <pc:chgData name="u3576731@connect.hku.hk" userId="0de5b9f1-4841-4bf4-9210-fdfbf365d198" providerId="ADAL" clId="{BEDA62F9-763E-456B-98CE-CD629F8B60B5}" dt="2023-03-10T10:17:56.802" v="564"/>
-          <pc:sldLayoutMkLst>
-            <pc:docMk/>
-            <pc:sldMasterMk cId="94561244" sldId="2147483648"/>
-            <pc:sldLayoutMk cId="747849196" sldId="2147483654"/>
-          </pc:sldLayoutMkLst>
-        </pc:sldLayoutChg>
-        <pc:sldLayoutChg chg="setBg">
-          <pc:chgData name="u3576731@connect.hku.hk" userId="0de5b9f1-4841-4bf4-9210-fdfbf365d198" providerId="ADAL" clId="{BEDA62F9-763E-456B-98CE-CD629F8B60B5}" dt="2023-03-10T10:17:56.802" v="564"/>
-          <pc:sldLayoutMkLst>
-            <pc:docMk/>
-            <pc:sldMasterMk cId="94561244" sldId="2147483648"/>
-            <pc:sldLayoutMk cId="386944501" sldId="2147483655"/>
-          </pc:sldLayoutMkLst>
-        </pc:sldLayoutChg>
-        <pc:sldLayoutChg chg="setBg">
-          <pc:chgData name="u3576731@connect.hku.hk" userId="0de5b9f1-4841-4bf4-9210-fdfbf365d198" providerId="ADAL" clId="{BEDA62F9-763E-456B-98CE-CD629F8B60B5}" dt="2023-03-10T10:17:56.802" v="564"/>
-          <pc:sldLayoutMkLst>
-            <pc:docMk/>
-            <pc:sldMasterMk cId="94561244" sldId="2147483648"/>
-            <pc:sldLayoutMk cId="3290626690" sldId="2147483656"/>
-          </pc:sldLayoutMkLst>
-        </pc:sldLayoutChg>
-        <pc:sldLayoutChg chg="setBg">
-          <pc:chgData name="u3576731@connect.hku.hk" userId="0de5b9f1-4841-4bf4-9210-fdfbf365d198" providerId="ADAL" clId="{BEDA62F9-763E-456B-98CE-CD629F8B60B5}" dt="2023-03-10T10:17:56.802" v="564"/>
-          <pc:sldLayoutMkLst>
-            <pc:docMk/>
-            <pc:sldMasterMk cId="94561244" sldId="2147483648"/>
-            <pc:sldLayoutMk cId="967642333" sldId="2147483657"/>
-          </pc:sldLayoutMkLst>
-        </pc:sldLayoutChg>
-        <pc:sldLayoutChg chg="setBg">
-          <pc:chgData name="u3576731@connect.hku.hk" userId="0de5b9f1-4841-4bf4-9210-fdfbf365d198" providerId="ADAL" clId="{BEDA62F9-763E-456B-98CE-CD629F8B60B5}" dt="2023-03-10T10:17:56.802" v="564"/>
-          <pc:sldLayoutMkLst>
-            <pc:docMk/>
-            <pc:sldMasterMk cId="94561244" sldId="2147483648"/>
-            <pc:sldLayoutMk cId="755406093" sldId="2147483658"/>
-          </pc:sldLayoutMkLst>
-        </pc:sldLayoutChg>
-        <pc:sldLayoutChg chg="setBg">
-          <pc:chgData name="u3576731@connect.hku.hk" userId="0de5b9f1-4841-4bf4-9210-fdfbf365d198" providerId="ADAL" clId="{BEDA62F9-763E-456B-98CE-CD629F8B60B5}" dt="2023-03-10T10:17:56.802" v="564"/>
-          <pc:sldLayoutMkLst>
-            <pc:docMk/>
-            <pc:sldMasterMk cId="94561244" sldId="2147483648"/>
-            <pc:sldLayoutMk cId="281694103" sldId="2147483659"/>
-          </pc:sldLayoutMkLst>
-        </pc:sldLayoutChg>
-      </pc:sldMasterChg>
     </pc:docChg>
   </pc:docChgLst>
   <pc:docChgLst>
@@ -3333,7 +3346,7 @@
           <a:p>
             <a:fld id="{AE036ED2-C0AB-4232-A871-269988C83269}" type="datetimeFigureOut">
               <a:rPr lang="zh-Hans-HK" altLang="en-US" smtClean="0"/>
-              <a:t>03/13/2023</a:t>
+              <a:t>18/5/2023</a:t>
             </a:fld>
             <a:endParaRPr lang="zh-Hans-HK" altLang="en-US"/>
           </a:p>
@@ -4002,7 +4015,7 @@
           <a:p>
             <a:fld id="{A2856F17-B7EA-48F2-A20C-FEA5A1F9DF23}" type="datetimeFigureOut">
               <a:rPr lang="zh-Hans-HK" altLang="en-US" smtClean="0"/>
-              <a:t>03/13/2023</a:t>
+              <a:t>18/5/2023</a:t>
             </a:fld>
             <a:endParaRPr lang="zh-Hans-HK" altLang="en-US"/>
           </a:p>
@@ -4202,7 +4215,7 @@
           <a:p>
             <a:fld id="{A2856F17-B7EA-48F2-A20C-FEA5A1F9DF23}" type="datetimeFigureOut">
               <a:rPr lang="zh-Hans-HK" altLang="en-US" smtClean="0"/>
-              <a:t>03/13/2023</a:t>
+              <a:t>18/5/2023</a:t>
             </a:fld>
             <a:endParaRPr lang="zh-Hans-HK" altLang="en-US"/>
           </a:p>
@@ -4412,7 +4425,7 @@
           <a:p>
             <a:fld id="{A2856F17-B7EA-48F2-A20C-FEA5A1F9DF23}" type="datetimeFigureOut">
               <a:rPr lang="zh-Hans-HK" altLang="en-US" smtClean="0"/>
-              <a:t>03/13/2023</a:t>
+              <a:t>18/5/2023</a:t>
             </a:fld>
             <a:endParaRPr lang="zh-Hans-HK" altLang="en-US"/>
           </a:p>
@@ -4612,7 +4625,7 @@
           <a:p>
             <a:fld id="{A2856F17-B7EA-48F2-A20C-FEA5A1F9DF23}" type="datetimeFigureOut">
               <a:rPr lang="zh-Hans-HK" altLang="en-US" smtClean="0"/>
-              <a:t>03/13/2023</a:t>
+              <a:t>18/5/2023</a:t>
             </a:fld>
             <a:endParaRPr lang="zh-Hans-HK" altLang="en-US"/>
           </a:p>
@@ -4888,7 +4901,7 @@
           <a:p>
             <a:fld id="{A2856F17-B7EA-48F2-A20C-FEA5A1F9DF23}" type="datetimeFigureOut">
               <a:rPr lang="zh-Hans-HK" altLang="en-US" smtClean="0"/>
-              <a:t>03/13/2023</a:t>
+              <a:t>18/5/2023</a:t>
             </a:fld>
             <a:endParaRPr lang="zh-Hans-HK" altLang="en-US"/>
           </a:p>
@@ -5156,7 +5169,7 @@
           <a:p>
             <a:fld id="{A2856F17-B7EA-48F2-A20C-FEA5A1F9DF23}" type="datetimeFigureOut">
               <a:rPr lang="zh-Hans-HK" altLang="en-US" smtClean="0"/>
-              <a:t>03/13/2023</a:t>
+              <a:t>18/5/2023</a:t>
             </a:fld>
             <a:endParaRPr lang="zh-Hans-HK" altLang="en-US"/>
           </a:p>
@@ -5571,7 +5584,7 @@
           <a:p>
             <a:fld id="{A2856F17-B7EA-48F2-A20C-FEA5A1F9DF23}" type="datetimeFigureOut">
               <a:rPr lang="zh-Hans-HK" altLang="en-US" smtClean="0"/>
-              <a:t>03/13/2023</a:t>
+              <a:t>18/5/2023</a:t>
             </a:fld>
             <a:endParaRPr lang="zh-Hans-HK" altLang="en-US"/>
           </a:p>
@@ -5713,7 +5726,7 @@
           <a:p>
             <a:fld id="{A2856F17-B7EA-48F2-A20C-FEA5A1F9DF23}" type="datetimeFigureOut">
               <a:rPr lang="zh-Hans-HK" altLang="en-US" smtClean="0"/>
-              <a:t>03/13/2023</a:t>
+              <a:t>18/5/2023</a:t>
             </a:fld>
             <a:endParaRPr lang="zh-Hans-HK" altLang="en-US"/>
           </a:p>
@@ -5826,7 +5839,7 @@
           <a:p>
             <a:fld id="{A2856F17-B7EA-48F2-A20C-FEA5A1F9DF23}" type="datetimeFigureOut">
               <a:rPr lang="zh-Hans-HK" altLang="en-US" smtClean="0"/>
-              <a:t>03/13/2023</a:t>
+              <a:t>18/5/2023</a:t>
             </a:fld>
             <a:endParaRPr lang="zh-Hans-HK" altLang="en-US"/>
           </a:p>
@@ -6139,7 +6152,7 @@
           <a:p>
             <a:fld id="{A2856F17-B7EA-48F2-A20C-FEA5A1F9DF23}" type="datetimeFigureOut">
               <a:rPr lang="zh-Hans-HK" altLang="en-US" smtClean="0"/>
-              <a:t>03/13/2023</a:t>
+              <a:t>18/5/2023</a:t>
             </a:fld>
             <a:endParaRPr lang="zh-Hans-HK" altLang="en-US"/>
           </a:p>
@@ -6428,7 +6441,7 @@
           <a:p>
             <a:fld id="{A2856F17-B7EA-48F2-A20C-FEA5A1F9DF23}" type="datetimeFigureOut">
               <a:rPr lang="zh-Hans-HK" altLang="en-US" smtClean="0"/>
-              <a:t>03/13/2023</a:t>
+              <a:t>18/5/2023</a:t>
             </a:fld>
             <a:endParaRPr lang="zh-Hans-HK" altLang="en-US"/>
           </a:p>
@@ -6688,7 +6701,7 @@
           <a:p>
             <a:fld id="{A2856F17-B7EA-48F2-A20C-FEA5A1F9DF23}" type="datetimeFigureOut">
               <a:rPr lang="zh-Hans-HK" altLang="en-US" smtClean="0"/>
-              <a:t>03/13/2023</a:t>
+              <a:t>18/5/2023</a:t>
             </a:fld>
             <a:endParaRPr lang="zh-Hans-HK" altLang="en-US"/>
           </a:p>
@@ -7185,59 +7198,6 @@
                 <a:schemeClr val="bg1"/>
               </a:solidFill>
               <a:latin typeface="Poppins" panose="00000500000000000000" pitchFamily="50" charset="0"/>
-              <a:cs typeface="Poppins" panose="00000500000000000000" pitchFamily="50" charset="0"/>
-            </a:endParaRPr>
-          </a:p>
-        </p:txBody>
-      </p:sp>
-      <p:sp>
-        <p:nvSpPr>
-          <p:cNvPr id="3" name="Subtitle 2">
-            <a:extLst>
-              <a:ext uri="{FF2B5EF4-FFF2-40B4-BE49-F238E27FC236}">
-                <a16:creationId xmlns:a16="http://schemas.microsoft.com/office/drawing/2014/main" id="{B6C157C3-CCB7-2CCB-8B5B-67137A4A96EC}"/>
-              </a:ext>
-            </a:extLst>
-          </p:cNvPr>
-          <p:cNvSpPr>
-            <a:spLocks noGrp="1"/>
-          </p:cNvSpPr>
-          <p:nvPr>
-            <p:ph type="subTitle" idx="1"/>
-          </p:nvPr>
-        </p:nvSpPr>
-        <p:spPr>
-          <a:xfrm>
-            <a:off x="2284771" y="4939015"/>
-            <a:ext cx="7622456" cy="480864"/>
-          </a:xfrm>
-        </p:spPr>
-        <p:txBody>
-          <a:bodyPr/>
-          <a:lstStyle/>
-          <a:p>
-            <a:pPr algn="l"/>
-            <a:r>
-              <a:rPr lang="en-US" altLang="zh-Hans-HK">
-                <a:solidFill>
-                  <a:schemeClr val="bg1">
-                    <a:lumMod val="65000"/>
-                  </a:schemeClr>
-                </a:solidFill>
-                <a:latin typeface="Poppins" panose="00000500000000000000" pitchFamily="50" charset="0"/>
-                <a:ea typeface="Meiryo" panose="020B0604030504040204" pitchFamily="34" charset="-128"/>
-                <a:cs typeface="Poppins" panose="00000500000000000000" pitchFamily="50" charset="0"/>
-              </a:rPr>
-              <a:t>Presented by YANG Yuting and TU Hao Chen</a:t>
-            </a:r>
-            <a:endParaRPr lang="zh-Hans-HK" altLang="en-US">
-              <a:solidFill>
-                <a:schemeClr val="bg1">
-                  <a:lumMod val="65000"/>
-                </a:schemeClr>
-              </a:solidFill>
-              <a:latin typeface="Poppins" panose="00000500000000000000" pitchFamily="50" charset="0"/>
-              <a:ea typeface="Meiryo" panose="020B0604030504040204" pitchFamily="34" charset="-128"/>
               <a:cs typeface="Poppins" panose="00000500000000000000" pitchFamily="50" charset="0"/>
             </a:endParaRPr>
           </a:p>
